--- a/discussion/discussion.pptx
+++ b/discussion/discussion.pptx
@@ -2,13 +2,29 @@
 <file path=ppt/presentation.xml><?xml version="1.0" encoding="utf-8"?>
 <p:presentation xmlns:a="http://schemas.openxmlformats.org/drawingml/2006/main" xmlns:r="http://schemas.openxmlformats.org/officeDocument/2006/relationships" xmlns:mc="http://schemas.openxmlformats.org/markup-compatibility/2006" xmlns:mv="urn:schemas-microsoft-com:mac:vml" xmlns:p="http://schemas.openxmlformats.org/presentationml/2006/main" xmlns:c="http://schemas.openxmlformats.org/drawingml/2006/chart" xmlns:dgm="http://schemas.openxmlformats.org/drawingml/2006/diagram" xmlns:o="urn:schemas-microsoft-com:office:office" xmlns:v="urn:schemas-microsoft-com:vml" xmlns:pvml="urn:schemas-microsoft-com:office:powerpoint" xmlns:com="http://schemas.openxmlformats.org/drawingml/2006/compatibility" xmlns:p14="http://schemas.microsoft.com/office/powerpoint/2010/main" xmlns:p15="http://schemas.microsoft.com/office/powerpoint/2012/main" autoCompressPictures="0" strictFirstAndLastChars="0" saveSubsetFonts="1">
   <p:sldMasterIdLst>
-    <p:sldMasterId id="2147483659" r:id="rId4"/>
+    <p:sldMasterId id="2147483659" r:id="rId5"/>
   </p:sldMasterIdLst>
   <p:notesMasterIdLst>
-    <p:notesMasterId r:id="rId5"/>
+    <p:notesMasterId r:id="rId6"/>
   </p:notesMasterIdLst>
   <p:sldIdLst>
-    <p:sldId id="256" r:id="rId6"/>
+    <p:sldId id="256" r:id="rId7"/>
+    <p:sldId id="257" r:id="rId8"/>
+    <p:sldId id="258" r:id="rId9"/>
+    <p:sldId id="259" r:id="rId10"/>
+    <p:sldId id="260" r:id="rId11"/>
+    <p:sldId id="261" r:id="rId12"/>
+    <p:sldId id="262" r:id="rId13"/>
+    <p:sldId id="263" r:id="rId14"/>
+    <p:sldId id="264" r:id="rId15"/>
+    <p:sldId id="265" r:id="rId16"/>
+    <p:sldId id="266" r:id="rId17"/>
+    <p:sldId id="267" r:id="rId18"/>
+    <p:sldId id="268" r:id="rId19"/>
+    <p:sldId id="269" r:id="rId20"/>
+    <p:sldId id="270" r:id="rId21"/>
+    <p:sldId id="271" r:id="rId22"/>
+    <p:sldId id="272" r:id="rId23"/>
   </p:sldIdLst>
   <p:sldSz cy="5143500" cx="9144000"/>
   <p:notesSz cx="6858000" cy="9144000"/>
@@ -741,6 +757,1590 @@
       <p:sp>
         <p:nvSpPr>
           <p:cNvPr id="52" name="Google Shape;52;p:notes"/>
+          <p:cNvSpPr txBox="1"/>
+          <p:nvPr>
+            <p:ph idx="1" type="body"/>
+          </p:nvPr>
+        </p:nvSpPr>
+        <p:spPr>
+          <a:xfrm>
+            <a:off x="685800" y="4343400"/>
+            <a:ext cx="5486400" cy="4114800"/>
+          </a:xfrm>
+          <a:prstGeom prst="rect">
+            <a:avLst/>
+          </a:prstGeom>
+        </p:spPr>
+        <p:txBody>
+          <a:bodyPr anchorCtr="0" anchor="t" bIns="91425" lIns="91425" spcFirstLastPara="1" rIns="91425" wrap="square" tIns="91425">
+            <a:noAutofit/>
+          </a:bodyPr>
+          <a:lstStyle/>
+          <a:p>
+            <a:pPr indent="0" lvl="0" marL="0" rtl="0" algn="l">
+              <a:spcBef>
+                <a:spcPts val="0"/>
+              </a:spcBef>
+              <a:spcAft>
+                <a:spcPts val="0"/>
+              </a:spcAft>
+              <a:buNone/>
+            </a:pPr>
+            <a:r>
+              <a:t/>
+            </a:r>
+            <a:endParaRPr/>
+          </a:p>
+        </p:txBody>
+      </p:sp>
+    </p:spTree>
+  </p:cSld>
+  <p:clrMapOvr>
+    <a:masterClrMapping/>
+  </p:clrMapOvr>
+</p:notes>
+</file>
+
+<file path=ppt/notesSlides/notesSlide10.xml><?xml version="1.0" encoding="utf-8"?>
+<p:notes xmlns:a="http://schemas.openxmlformats.org/drawingml/2006/main" xmlns:r="http://schemas.openxmlformats.org/officeDocument/2006/relationships" xmlns:mc="http://schemas.openxmlformats.org/markup-compatibility/2006" xmlns:mv="urn:schemas-microsoft-com:mac:vml" xmlns:p="http://schemas.openxmlformats.org/presentationml/2006/main" xmlns:c="http://schemas.openxmlformats.org/drawingml/2006/chart" xmlns:dgm="http://schemas.openxmlformats.org/drawingml/2006/diagram" xmlns:o="urn:schemas-microsoft-com:office:office" xmlns:v="urn:schemas-microsoft-com:vml" xmlns:pvml="urn:schemas-microsoft-com:office:powerpoint" xmlns:com="http://schemas.openxmlformats.org/drawingml/2006/compatibility" xmlns:p14="http://schemas.microsoft.com/office/powerpoint/2010/main" xmlns:p15="http://schemas.microsoft.com/office/powerpoint/2012/main" showMasterPhAnim="0" showMasterSp="0">
+  <p:cSld>
+    <p:spTree>
+      <p:nvGrpSpPr>
+        <p:cNvPr id="101" name="Shape 101"/>
+        <p:cNvGrpSpPr/>
+        <p:nvPr/>
+      </p:nvGrpSpPr>
+      <p:grpSpPr>
+        <a:xfrm>
+          <a:off x="0" y="0"/>
+          <a:ext cx="0" cy="0"/>
+          <a:chOff x="0" y="0"/>
+          <a:chExt cx="0" cy="0"/>
+        </a:xfrm>
+      </p:grpSpPr>
+      <p:sp>
+        <p:nvSpPr>
+          <p:cNvPr id="102" name="Google Shape;102;g8771965c46_0_55:notes"/>
+          <p:cNvSpPr/>
+          <p:nvPr>
+            <p:ph idx="2" type="sldImg"/>
+          </p:nvPr>
+        </p:nvSpPr>
+        <p:spPr>
+          <a:xfrm>
+            <a:off x="381300" y="685800"/>
+            <a:ext cx="6096000" cy="3429000"/>
+          </a:xfrm>
+          <a:custGeom>
+            <a:rect b="b" l="l" r="r" t="t"/>
+            <a:pathLst>
+              <a:path extrusionOk="0" h="120000" w="120000">
+                <a:moveTo>
+                  <a:pt x="0" y="0"/>
+                </a:moveTo>
+                <a:lnTo>
+                  <a:pt x="120000" y="0"/>
+                </a:lnTo>
+                <a:lnTo>
+                  <a:pt x="120000" y="120000"/>
+                </a:lnTo>
+                <a:lnTo>
+                  <a:pt x="0" y="120000"/>
+                </a:lnTo>
+                <a:close/>
+              </a:path>
+            </a:pathLst>
+          </a:custGeom>
+        </p:spPr>
+      </p:sp>
+      <p:sp>
+        <p:nvSpPr>
+          <p:cNvPr id="103" name="Google Shape;103;g8771965c46_0_55:notes"/>
+          <p:cNvSpPr txBox="1"/>
+          <p:nvPr>
+            <p:ph idx="1" type="body"/>
+          </p:nvPr>
+        </p:nvSpPr>
+        <p:spPr>
+          <a:xfrm>
+            <a:off x="685800" y="4343400"/>
+            <a:ext cx="5486400" cy="4114800"/>
+          </a:xfrm>
+          <a:prstGeom prst="rect">
+            <a:avLst/>
+          </a:prstGeom>
+        </p:spPr>
+        <p:txBody>
+          <a:bodyPr anchorCtr="0" anchor="t" bIns="91425" lIns="91425" spcFirstLastPara="1" rIns="91425" wrap="square" tIns="91425">
+            <a:noAutofit/>
+          </a:bodyPr>
+          <a:lstStyle/>
+          <a:p>
+            <a:pPr indent="0" lvl="0" marL="0" rtl="0" algn="l">
+              <a:spcBef>
+                <a:spcPts val="0"/>
+              </a:spcBef>
+              <a:spcAft>
+                <a:spcPts val="0"/>
+              </a:spcAft>
+              <a:buNone/>
+            </a:pPr>
+            <a:r>
+              <a:t/>
+            </a:r>
+            <a:endParaRPr/>
+          </a:p>
+        </p:txBody>
+      </p:sp>
+    </p:spTree>
+  </p:cSld>
+  <p:clrMapOvr>
+    <a:masterClrMapping/>
+  </p:clrMapOvr>
+</p:notes>
+</file>
+
+<file path=ppt/notesSlides/notesSlide11.xml><?xml version="1.0" encoding="utf-8"?>
+<p:notes xmlns:a="http://schemas.openxmlformats.org/drawingml/2006/main" xmlns:r="http://schemas.openxmlformats.org/officeDocument/2006/relationships" xmlns:mc="http://schemas.openxmlformats.org/markup-compatibility/2006" xmlns:mv="urn:schemas-microsoft-com:mac:vml" xmlns:p="http://schemas.openxmlformats.org/presentationml/2006/main" xmlns:c="http://schemas.openxmlformats.org/drawingml/2006/chart" xmlns:dgm="http://schemas.openxmlformats.org/drawingml/2006/diagram" xmlns:o="urn:schemas-microsoft-com:office:office" xmlns:v="urn:schemas-microsoft-com:vml" xmlns:pvml="urn:schemas-microsoft-com:office:powerpoint" xmlns:com="http://schemas.openxmlformats.org/drawingml/2006/compatibility" xmlns:p14="http://schemas.microsoft.com/office/powerpoint/2010/main" xmlns:p15="http://schemas.microsoft.com/office/powerpoint/2012/main" showMasterPhAnim="0" showMasterSp="0">
+  <p:cSld>
+    <p:spTree>
+      <p:nvGrpSpPr>
+        <p:cNvPr id="107" name="Shape 107"/>
+        <p:cNvGrpSpPr/>
+        <p:nvPr/>
+      </p:nvGrpSpPr>
+      <p:grpSpPr>
+        <a:xfrm>
+          <a:off x="0" y="0"/>
+          <a:ext cx="0" cy="0"/>
+          <a:chOff x="0" y="0"/>
+          <a:chExt cx="0" cy="0"/>
+        </a:xfrm>
+      </p:grpSpPr>
+      <p:sp>
+        <p:nvSpPr>
+          <p:cNvPr id="108" name="Google Shape;108;g8771965c46_0_60:notes"/>
+          <p:cNvSpPr/>
+          <p:nvPr>
+            <p:ph idx="2" type="sldImg"/>
+          </p:nvPr>
+        </p:nvSpPr>
+        <p:spPr>
+          <a:xfrm>
+            <a:off x="381300" y="685800"/>
+            <a:ext cx="6096000" cy="3429000"/>
+          </a:xfrm>
+          <a:custGeom>
+            <a:rect b="b" l="l" r="r" t="t"/>
+            <a:pathLst>
+              <a:path extrusionOk="0" h="120000" w="120000">
+                <a:moveTo>
+                  <a:pt x="0" y="0"/>
+                </a:moveTo>
+                <a:lnTo>
+                  <a:pt x="120000" y="0"/>
+                </a:lnTo>
+                <a:lnTo>
+                  <a:pt x="120000" y="120000"/>
+                </a:lnTo>
+                <a:lnTo>
+                  <a:pt x="0" y="120000"/>
+                </a:lnTo>
+                <a:close/>
+              </a:path>
+            </a:pathLst>
+          </a:custGeom>
+        </p:spPr>
+      </p:sp>
+      <p:sp>
+        <p:nvSpPr>
+          <p:cNvPr id="109" name="Google Shape;109;g8771965c46_0_60:notes"/>
+          <p:cNvSpPr txBox="1"/>
+          <p:nvPr>
+            <p:ph idx="1" type="body"/>
+          </p:nvPr>
+        </p:nvSpPr>
+        <p:spPr>
+          <a:xfrm>
+            <a:off x="685800" y="4343400"/>
+            <a:ext cx="5486400" cy="4114800"/>
+          </a:xfrm>
+          <a:prstGeom prst="rect">
+            <a:avLst/>
+          </a:prstGeom>
+        </p:spPr>
+        <p:txBody>
+          <a:bodyPr anchorCtr="0" anchor="t" bIns="91425" lIns="91425" spcFirstLastPara="1" rIns="91425" wrap="square" tIns="91425">
+            <a:noAutofit/>
+          </a:bodyPr>
+          <a:lstStyle/>
+          <a:p>
+            <a:pPr indent="0" lvl="0" marL="0" rtl="0" algn="l">
+              <a:spcBef>
+                <a:spcPts val="0"/>
+              </a:spcBef>
+              <a:spcAft>
+                <a:spcPts val="0"/>
+              </a:spcAft>
+              <a:buNone/>
+            </a:pPr>
+            <a:r>
+              <a:t/>
+            </a:r>
+            <a:endParaRPr/>
+          </a:p>
+        </p:txBody>
+      </p:sp>
+    </p:spTree>
+  </p:cSld>
+  <p:clrMapOvr>
+    <a:masterClrMapping/>
+  </p:clrMapOvr>
+</p:notes>
+</file>
+
+<file path=ppt/notesSlides/notesSlide12.xml><?xml version="1.0" encoding="utf-8"?>
+<p:notes xmlns:a="http://schemas.openxmlformats.org/drawingml/2006/main" xmlns:r="http://schemas.openxmlformats.org/officeDocument/2006/relationships" xmlns:mc="http://schemas.openxmlformats.org/markup-compatibility/2006" xmlns:mv="urn:schemas-microsoft-com:mac:vml" xmlns:p="http://schemas.openxmlformats.org/presentationml/2006/main" xmlns:c="http://schemas.openxmlformats.org/drawingml/2006/chart" xmlns:dgm="http://schemas.openxmlformats.org/drawingml/2006/diagram" xmlns:o="urn:schemas-microsoft-com:office:office" xmlns:v="urn:schemas-microsoft-com:vml" xmlns:pvml="urn:schemas-microsoft-com:office:powerpoint" xmlns:com="http://schemas.openxmlformats.org/drawingml/2006/compatibility" xmlns:p14="http://schemas.microsoft.com/office/powerpoint/2010/main" xmlns:p15="http://schemas.microsoft.com/office/powerpoint/2012/main" showMasterPhAnim="0" showMasterSp="0">
+  <p:cSld>
+    <p:spTree>
+      <p:nvGrpSpPr>
+        <p:cNvPr id="113" name="Shape 113"/>
+        <p:cNvGrpSpPr/>
+        <p:nvPr/>
+      </p:nvGrpSpPr>
+      <p:grpSpPr>
+        <a:xfrm>
+          <a:off x="0" y="0"/>
+          <a:ext cx="0" cy="0"/>
+          <a:chOff x="0" y="0"/>
+          <a:chExt cx="0" cy="0"/>
+        </a:xfrm>
+      </p:grpSpPr>
+      <p:sp>
+        <p:nvSpPr>
+          <p:cNvPr id="114" name="Google Shape;114;g8771965c46_0_65:notes"/>
+          <p:cNvSpPr/>
+          <p:nvPr>
+            <p:ph idx="2" type="sldImg"/>
+          </p:nvPr>
+        </p:nvSpPr>
+        <p:spPr>
+          <a:xfrm>
+            <a:off x="381300" y="685800"/>
+            <a:ext cx="6096000" cy="3429000"/>
+          </a:xfrm>
+          <a:custGeom>
+            <a:rect b="b" l="l" r="r" t="t"/>
+            <a:pathLst>
+              <a:path extrusionOk="0" h="120000" w="120000">
+                <a:moveTo>
+                  <a:pt x="0" y="0"/>
+                </a:moveTo>
+                <a:lnTo>
+                  <a:pt x="120000" y="0"/>
+                </a:lnTo>
+                <a:lnTo>
+                  <a:pt x="120000" y="120000"/>
+                </a:lnTo>
+                <a:lnTo>
+                  <a:pt x="0" y="120000"/>
+                </a:lnTo>
+                <a:close/>
+              </a:path>
+            </a:pathLst>
+          </a:custGeom>
+        </p:spPr>
+      </p:sp>
+      <p:sp>
+        <p:nvSpPr>
+          <p:cNvPr id="115" name="Google Shape;115;g8771965c46_0_65:notes"/>
+          <p:cNvSpPr txBox="1"/>
+          <p:nvPr>
+            <p:ph idx="1" type="body"/>
+          </p:nvPr>
+        </p:nvSpPr>
+        <p:spPr>
+          <a:xfrm>
+            <a:off x="685800" y="4343400"/>
+            <a:ext cx="5486400" cy="4114800"/>
+          </a:xfrm>
+          <a:prstGeom prst="rect">
+            <a:avLst/>
+          </a:prstGeom>
+        </p:spPr>
+        <p:txBody>
+          <a:bodyPr anchorCtr="0" anchor="t" bIns="91425" lIns="91425" spcFirstLastPara="1" rIns="91425" wrap="square" tIns="91425">
+            <a:noAutofit/>
+          </a:bodyPr>
+          <a:lstStyle/>
+          <a:p>
+            <a:pPr indent="0" lvl="0" marL="0" rtl="0" algn="l">
+              <a:spcBef>
+                <a:spcPts val="0"/>
+              </a:spcBef>
+              <a:spcAft>
+                <a:spcPts val="0"/>
+              </a:spcAft>
+              <a:buNone/>
+            </a:pPr>
+            <a:r>
+              <a:t/>
+            </a:r>
+            <a:endParaRPr/>
+          </a:p>
+        </p:txBody>
+      </p:sp>
+    </p:spTree>
+  </p:cSld>
+  <p:clrMapOvr>
+    <a:masterClrMapping/>
+  </p:clrMapOvr>
+</p:notes>
+</file>
+
+<file path=ppt/notesSlides/notesSlide13.xml><?xml version="1.0" encoding="utf-8"?>
+<p:notes xmlns:a="http://schemas.openxmlformats.org/drawingml/2006/main" xmlns:r="http://schemas.openxmlformats.org/officeDocument/2006/relationships" xmlns:mc="http://schemas.openxmlformats.org/markup-compatibility/2006" xmlns:mv="urn:schemas-microsoft-com:mac:vml" xmlns:p="http://schemas.openxmlformats.org/presentationml/2006/main" xmlns:c="http://schemas.openxmlformats.org/drawingml/2006/chart" xmlns:dgm="http://schemas.openxmlformats.org/drawingml/2006/diagram" xmlns:o="urn:schemas-microsoft-com:office:office" xmlns:v="urn:schemas-microsoft-com:vml" xmlns:pvml="urn:schemas-microsoft-com:office:powerpoint" xmlns:com="http://schemas.openxmlformats.org/drawingml/2006/compatibility" xmlns:p14="http://schemas.microsoft.com/office/powerpoint/2010/main" xmlns:p15="http://schemas.microsoft.com/office/powerpoint/2012/main" showMasterPhAnim="0" showMasterSp="0">
+  <p:cSld>
+    <p:spTree>
+      <p:nvGrpSpPr>
+        <p:cNvPr id="118" name="Shape 118"/>
+        <p:cNvGrpSpPr/>
+        <p:nvPr/>
+      </p:nvGrpSpPr>
+      <p:grpSpPr>
+        <a:xfrm>
+          <a:off x="0" y="0"/>
+          <a:ext cx="0" cy="0"/>
+          <a:chOff x="0" y="0"/>
+          <a:chExt cx="0" cy="0"/>
+        </a:xfrm>
+      </p:grpSpPr>
+      <p:sp>
+        <p:nvSpPr>
+          <p:cNvPr id="119" name="Google Shape;119;g8771965c46_0_69:notes"/>
+          <p:cNvSpPr/>
+          <p:nvPr>
+            <p:ph idx="2" type="sldImg"/>
+          </p:nvPr>
+        </p:nvSpPr>
+        <p:spPr>
+          <a:xfrm>
+            <a:off x="381300" y="685800"/>
+            <a:ext cx="6096000" cy="3429000"/>
+          </a:xfrm>
+          <a:custGeom>
+            <a:rect b="b" l="l" r="r" t="t"/>
+            <a:pathLst>
+              <a:path extrusionOk="0" h="120000" w="120000">
+                <a:moveTo>
+                  <a:pt x="0" y="0"/>
+                </a:moveTo>
+                <a:lnTo>
+                  <a:pt x="120000" y="0"/>
+                </a:lnTo>
+                <a:lnTo>
+                  <a:pt x="120000" y="120000"/>
+                </a:lnTo>
+                <a:lnTo>
+                  <a:pt x="0" y="120000"/>
+                </a:lnTo>
+                <a:close/>
+              </a:path>
+            </a:pathLst>
+          </a:custGeom>
+        </p:spPr>
+      </p:sp>
+      <p:sp>
+        <p:nvSpPr>
+          <p:cNvPr id="120" name="Google Shape;120;g8771965c46_0_69:notes"/>
+          <p:cNvSpPr txBox="1"/>
+          <p:nvPr>
+            <p:ph idx="1" type="body"/>
+          </p:nvPr>
+        </p:nvSpPr>
+        <p:spPr>
+          <a:xfrm>
+            <a:off x="685800" y="4343400"/>
+            <a:ext cx="5486400" cy="4114800"/>
+          </a:xfrm>
+          <a:prstGeom prst="rect">
+            <a:avLst/>
+          </a:prstGeom>
+        </p:spPr>
+        <p:txBody>
+          <a:bodyPr anchorCtr="0" anchor="t" bIns="91425" lIns="91425" spcFirstLastPara="1" rIns="91425" wrap="square" tIns="91425">
+            <a:noAutofit/>
+          </a:bodyPr>
+          <a:lstStyle/>
+          <a:p>
+            <a:pPr indent="0" lvl="0" marL="0" rtl="0" algn="l">
+              <a:spcBef>
+                <a:spcPts val="0"/>
+              </a:spcBef>
+              <a:spcAft>
+                <a:spcPts val="0"/>
+              </a:spcAft>
+              <a:buNone/>
+            </a:pPr>
+            <a:r>
+              <a:t/>
+            </a:r>
+            <a:endParaRPr/>
+          </a:p>
+        </p:txBody>
+      </p:sp>
+    </p:spTree>
+  </p:cSld>
+  <p:clrMapOvr>
+    <a:masterClrMapping/>
+  </p:clrMapOvr>
+</p:notes>
+</file>
+
+<file path=ppt/notesSlides/notesSlide14.xml><?xml version="1.0" encoding="utf-8"?>
+<p:notes xmlns:a="http://schemas.openxmlformats.org/drawingml/2006/main" xmlns:r="http://schemas.openxmlformats.org/officeDocument/2006/relationships" xmlns:mc="http://schemas.openxmlformats.org/markup-compatibility/2006" xmlns:mv="urn:schemas-microsoft-com:mac:vml" xmlns:p="http://schemas.openxmlformats.org/presentationml/2006/main" xmlns:c="http://schemas.openxmlformats.org/drawingml/2006/chart" xmlns:dgm="http://schemas.openxmlformats.org/drawingml/2006/diagram" xmlns:o="urn:schemas-microsoft-com:office:office" xmlns:v="urn:schemas-microsoft-com:vml" xmlns:pvml="urn:schemas-microsoft-com:office:powerpoint" xmlns:com="http://schemas.openxmlformats.org/drawingml/2006/compatibility" xmlns:p14="http://schemas.microsoft.com/office/powerpoint/2010/main" xmlns:p15="http://schemas.microsoft.com/office/powerpoint/2012/main" showMasterPhAnim="0" showMasterSp="0">
+  <p:cSld>
+    <p:spTree>
+      <p:nvGrpSpPr>
+        <p:cNvPr id="126" name="Shape 126"/>
+        <p:cNvGrpSpPr/>
+        <p:nvPr/>
+      </p:nvGrpSpPr>
+      <p:grpSpPr>
+        <a:xfrm>
+          <a:off x="0" y="0"/>
+          <a:ext cx="0" cy="0"/>
+          <a:chOff x="0" y="0"/>
+          <a:chExt cx="0" cy="0"/>
+        </a:xfrm>
+      </p:grpSpPr>
+      <p:sp>
+        <p:nvSpPr>
+          <p:cNvPr id="127" name="Google Shape;127;g8771965c46_0_91:notes"/>
+          <p:cNvSpPr/>
+          <p:nvPr>
+            <p:ph idx="2" type="sldImg"/>
+          </p:nvPr>
+        </p:nvSpPr>
+        <p:spPr>
+          <a:xfrm>
+            <a:off x="381300" y="685800"/>
+            <a:ext cx="6096000" cy="3429000"/>
+          </a:xfrm>
+          <a:custGeom>
+            <a:rect b="b" l="l" r="r" t="t"/>
+            <a:pathLst>
+              <a:path extrusionOk="0" h="120000" w="120000">
+                <a:moveTo>
+                  <a:pt x="0" y="0"/>
+                </a:moveTo>
+                <a:lnTo>
+                  <a:pt x="120000" y="0"/>
+                </a:lnTo>
+                <a:lnTo>
+                  <a:pt x="120000" y="120000"/>
+                </a:lnTo>
+                <a:lnTo>
+                  <a:pt x="0" y="120000"/>
+                </a:lnTo>
+                <a:close/>
+              </a:path>
+            </a:pathLst>
+          </a:custGeom>
+        </p:spPr>
+      </p:sp>
+      <p:sp>
+        <p:nvSpPr>
+          <p:cNvPr id="128" name="Google Shape;128;g8771965c46_0_91:notes"/>
+          <p:cNvSpPr txBox="1"/>
+          <p:nvPr>
+            <p:ph idx="1" type="body"/>
+          </p:nvPr>
+        </p:nvSpPr>
+        <p:spPr>
+          <a:xfrm>
+            <a:off x="685800" y="4343400"/>
+            <a:ext cx="5486400" cy="4114800"/>
+          </a:xfrm>
+          <a:prstGeom prst="rect">
+            <a:avLst/>
+          </a:prstGeom>
+        </p:spPr>
+        <p:txBody>
+          <a:bodyPr anchorCtr="0" anchor="t" bIns="91425" lIns="91425" spcFirstLastPara="1" rIns="91425" wrap="square" tIns="91425">
+            <a:noAutofit/>
+          </a:bodyPr>
+          <a:lstStyle/>
+          <a:p>
+            <a:pPr indent="0" lvl="0" marL="0" rtl="0" algn="l">
+              <a:spcBef>
+                <a:spcPts val="0"/>
+              </a:spcBef>
+              <a:spcAft>
+                <a:spcPts val="0"/>
+              </a:spcAft>
+              <a:buNone/>
+            </a:pPr>
+            <a:r>
+              <a:t/>
+            </a:r>
+            <a:endParaRPr/>
+          </a:p>
+        </p:txBody>
+      </p:sp>
+    </p:spTree>
+  </p:cSld>
+  <p:clrMapOvr>
+    <a:masterClrMapping/>
+  </p:clrMapOvr>
+</p:notes>
+</file>
+
+<file path=ppt/notesSlides/notesSlide15.xml><?xml version="1.0" encoding="utf-8"?>
+<p:notes xmlns:a="http://schemas.openxmlformats.org/drawingml/2006/main" xmlns:r="http://schemas.openxmlformats.org/officeDocument/2006/relationships" xmlns:mc="http://schemas.openxmlformats.org/markup-compatibility/2006" xmlns:mv="urn:schemas-microsoft-com:mac:vml" xmlns:p="http://schemas.openxmlformats.org/presentationml/2006/main" xmlns:c="http://schemas.openxmlformats.org/drawingml/2006/chart" xmlns:dgm="http://schemas.openxmlformats.org/drawingml/2006/diagram" xmlns:o="urn:schemas-microsoft-com:office:office" xmlns:v="urn:schemas-microsoft-com:vml" xmlns:pvml="urn:schemas-microsoft-com:office:powerpoint" xmlns:com="http://schemas.openxmlformats.org/drawingml/2006/compatibility" xmlns:p14="http://schemas.microsoft.com/office/powerpoint/2010/main" xmlns:p15="http://schemas.microsoft.com/office/powerpoint/2012/main" showMasterPhAnim="0" showMasterSp="0">
+  <p:cSld>
+    <p:spTree>
+      <p:nvGrpSpPr>
+        <p:cNvPr id="132" name="Shape 132"/>
+        <p:cNvGrpSpPr/>
+        <p:nvPr/>
+      </p:nvGrpSpPr>
+      <p:grpSpPr>
+        <a:xfrm>
+          <a:off x="0" y="0"/>
+          <a:ext cx="0" cy="0"/>
+          <a:chOff x="0" y="0"/>
+          <a:chExt cx="0" cy="0"/>
+        </a:xfrm>
+      </p:grpSpPr>
+      <p:sp>
+        <p:nvSpPr>
+          <p:cNvPr id="133" name="Google Shape;133;g8771965c46_0_101:notes"/>
+          <p:cNvSpPr/>
+          <p:nvPr>
+            <p:ph idx="2" type="sldImg"/>
+          </p:nvPr>
+        </p:nvSpPr>
+        <p:spPr>
+          <a:xfrm>
+            <a:off x="381300" y="685800"/>
+            <a:ext cx="6096000" cy="3429000"/>
+          </a:xfrm>
+          <a:custGeom>
+            <a:rect b="b" l="l" r="r" t="t"/>
+            <a:pathLst>
+              <a:path extrusionOk="0" h="120000" w="120000">
+                <a:moveTo>
+                  <a:pt x="0" y="0"/>
+                </a:moveTo>
+                <a:lnTo>
+                  <a:pt x="120000" y="0"/>
+                </a:lnTo>
+                <a:lnTo>
+                  <a:pt x="120000" y="120000"/>
+                </a:lnTo>
+                <a:lnTo>
+                  <a:pt x="0" y="120000"/>
+                </a:lnTo>
+                <a:close/>
+              </a:path>
+            </a:pathLst>
+          </a:custGeom>
+        </p:spPr>
+      </p:sp>
+      <p:sp>
+        <p:nvSpPr>
+          <p:cNvPr id="134" name="Google Shape;134;g8771965c46_0_101:notes"/>
+          <p:cNvSpPr txBox="1"/>
+          <p:nvPr>
+            <p:ph idx="1" type="body"/>
+          </p:nvPr>
+        </p:nvSpPr>
+        <p:spPr>
+          <a:xfrm>
+            <a:off x="685800" y="4343400"/>
+            <a:ext cx="5486400" cy="4114800"/>
+          </a:xfrm>
+          <a:prstGeom prst="rect">
+            <a:avLst/>
+          </a:prstGeom>
+        </p:spPr>
+        <p:txBody>
+          <a:bodyPr anchorCtr="0" anchor="t" bIns="91425" lIns="91425" spcFirstLastPara="1" rIns="91425" wrap="square" tIns="91425">
+            <a:noAutofit/>
+          </a:bodyPr>
+          <a:lstStyle/>
+          <a:p>
+            <a:pPr indent="0" lvl="0" marL="0" rtl="0" algn="l">
+              <a:spcBef>
+                <a:spcPts val="0"/>
+              </a:spcBef>
+              <a:spcAft>
+                <a:spcPts val="0"/>
+              </a:spcAft>
+              <a:buNone/>
+            </a:pPr>
+            <a:r>
+              <a:t/>
+            </a:r>
+            <a:endParaRPr/>
+          </a:p>
+        </p:txBody>
+      </p:sp>
+    </p:spTree>
+  </p:cSld>
+  <p:clrMapOvr>
+    <a:masterClrMapping/>
+  </p:clrMapOvr>
+</p:notes>
+</file>
+
+<file path=ppt/notesSlides/notesSlide16.xml><?xml version="1.0" encoding="utf-8"?>
+<p:notes xmlns:a="http://schemas.openxmlformats.org/drawingml/2006/main" xmlns:r="http://schemas.openxmlformats.org/officeDocument/2006/relationships" xmlns:mc="http://schemas.openxmlformats.org/markup-compatibility/2006" xmlns:mv="urn:schemas-microsoft-com:mac:vml" xmlns:p="http://schemas.openxmlformats.org/presentationml/2006/main" xmlns:c="http://schemas.openxmlformats.org/drawingml/2006/chart" xmlns:dgm="http://schemas.openxmlformats.org/drawingml/2006/diagram" xmlns:o="urn:schemas-microsoft-com:office:office" xmlns:v="urn:schemas-microsoft-com:vml" xmlns:pvml="urn:schemas-microsoft-com:office:powerpoint" xmlns:com="http://schemas.openxmlformats.org/drawingml/2006/compatibility" xmlns:p14="http://schemas.microsoft.com/office/powerpoint/2010/main" xmlns:p15="http://schemas.microsoft.com/office/powerpoint/2012/main" showMasterPhAnim="0" showMasterSp="0">
+  <p:cSld>
+    <p:spTree>
+      <p:nvGrpSpPr>
+        <p:cNvPr id="137" name="Shape 137"/>
+        <p:cNvGrpSpPr/>
+        <p:nvPr/>
+      </p:nvGrpSpPr>
+      <p:grpSpPr>
+        <a:xfrm>
+          <a:off x="0" y="0"/>
+          <a:ext cx="0" cy="0"/>
+          <a:chOff x="0" y="0"/>
+          <a:chExt cx="0" cy="0"/>
+        </a:xfrm>
+      </p:grpSpPr>
+      <p:sp>
+        <p:nvSpPr>
+          <p:cNvPr id="138" name="Google Shape;138;g8771965c46_0_108:notes"/>
+          <p:cNvSpPr/>
+          <p:nvPr>
+            <p:ph idx="2" type="sldImg"/>
+          </p:nvPr>
+        </p:nvSpPr>
+        <p:spPr>
+          <a:xfrm>
+            <a:off x="381300" y="685800"/>
+            <a:ext cx="6096000" cy="3429000"/>
+          </a:xfrm>
+          <a:custGeom>
+            <a:rect b="b" l="l" r="r" t="t"/>
+            <a:pathLst>
+              <a:path extrusionOk="0" h="120000" w="120000">
+                <a:moveTo>
+                  <a:pt x="0" y="0"/>
+                </a:moveTo>
+                <a:lnTo>
+                  <a:pt x="120000" y="0"/>
+                </a:lnTo>
+                <a:lnTo>
+                  <a:pt x="120000" y="120000"/>
+                </a:lnTo>
+                <a:lnTo>
+                  <a:pt x="0" y="120000"/>
+                </a:lnTo>
+                <a:close/>
+              </a:path>
+            </a:pathLst>
+          </a:custGeom>
+        </p:spPr>
+      </p:sp>
+      <p:sp>
+        <p:nvSpPr>
+          <p:cNvPr id="139" name="Google Shape;139;g8771965c46_0_108:notes"/>
+          <p:cNvSpPr txBox="1"/>
+          <p:nvPr>
+            <p:ph idx="1" type="body"/>
+          </p:nvPr>
+        </p:nvSpPr>
+        <p:spPr>
+          <a:xfrm>
+            <a:off x="685800" y="4343400"/>
+            <a:ext cx="5486400" cy="4114800"/>
+          </a:xfrm>
+          <a:prstGeom prst="rect">
+            <a:avLst/>
+          </a:prstGeom>
+        </p:spPr>
+        <p:txBody>
+          <a:bodyPr anchorCtr="0" anchor="t" bIns="91425" lIns="91425" spcFirstLastPara="1" rIns="91425" wrap="square" tIns="91425">
+            <a:noAutofit/>
+          </a:bodyPr>
+          <a:lstStyle/>
+          <a:p>
+            <a:pPr indent="0" lvl="0" marL="0" rtl="0" algn="l">
+              <a:spcBef>
+                <a:spcPts val="0"/>
+              </a:spcBef>
+              <a:spcAft>
+                <a:spcPts val="0"/>
+              </a:spcAft>
+              <a:buNone/>
+            </a:pPr>
+            <a:r>
+              <a:t/>
+            </a:r>
+            <a:endParaRPr/>
+          </a:p>
+        </p:txBody>
+      </p:sp>
+    </p:spTree>
+  </p:cSld>
+  <p:clrMapOvr>
+    <a:masterClrMapping/>
+  </p:clrMapOvr>
+</p:notes>
+</file>
+
+<file path=ppt/notesSlides/notesSlide17.xml><?xml version="1.0" encoding="utf-8"?>
+<p:notes xmlns:a="http://schemas.openxmlformats.org/drawingml/2006/main" xmlns:r="http://schemas.openxmlformats.org/officeDocument/2006/relationships" xmlns:mc="http://schemas.openxmlformats.org/markup-compatibility/2006" xmlns:mv="urn:schemas-microsoft-com:mac:vml" xmlns:p="http://schemas.openxmlformats.org/presentationml/2006/main" xmlns:c="http://schemas.openxmlformats.org/drawingml/2006/chart" xmlns:dgm="http://schemas.openxmlformats.org/drawingml/2006/diagram" xmlns:o="urn:schemas-microsoft-com:office:office" xmlns:v="urn:schemas-microsoft-com:vml" xmlns:pvml="urn:schemas-microsoft-com:office:powerpoint" xmlns:com="http://schemas.openxmlformats.org/drawingml/2006/compatibility" xmlns:p14="http://schemas.microsoft.com/office/powerpoint/2010/main" xmlns:p15="http://schemas.microsoft.com/office/powerpoint/2012/main" showMasterPhAnim="0" showMasterSp="0">
+  <p:cSld>
+    <p:spTree>
+      <p:nvGrpSpPr>
+        <p:cNvPr id="142" name="Shape 142"/>
+        <p:cNvGrpSpPr/>
+        <p:nvPr/>
+      </p:nvGrpSpPr>
+      <p:grpSpPr>
+        <a:xfrm>
+          <a:off x="0" y="0"/>
+          <a:ext cx="0" cy="0"/>
+          <a:chOff x="0" y="0"/>
+          <a:chExt cx="0" cy="0"/>
+        </a:xfrm>
+      </p:grpSpPr>
+      <p:sp>
+        <p:nvSpPr>
+          <p:cNvPr id="143" name="Google Shape;143;g8771965c46_0_112:notes"/>
+          <p:cNvSpPr/>
+          <p:nvPr>
+            <p:ph idx="2" type="sldImg"/>
+          </p:nvPr>
+        </p:nvSpPr>
+        <p:spPr>
+          <a:xfrm>
+            <a:off x="381300" y="685800"/>
+            <a:ext cx="6096000" cy="3429000"/>
+          </a:xfrm>
+          <a:custGeom>
+            <a:rect b="b" l="l" r="r" t="t"/>
+            <a:pathLst>
+              <a:path extrusionOk="0" h="120000" w="120000">
+                <a:moveTo>
+                  <a:pt x="0" y="0"/>
+                </a:moveTo>
+                <a:lnTo>
+                  <a:pt x="120000" y="0"/>
+                </a:lnTo>
+                <a:lnTo>
+                  <a:pt x="120000" y="120000"/>
+                </a:lnTo>
+                <a:lnTo>
+                  <a:pt x="0" y="120000"/>
+                </a:lnTo>
+                <a:close/>
+              </a:path>
+            </a:pathLst>
+          </a:custGeom>
+        </p:spPr>
+      </p:sp>
+      <p:sp>
+        <p:nvSpPr>
+          <p:cNvPr id="144" name="Google Shape;144;g8771965c46_0_112:notes"/>
+          <p:cNvSpPr txBox="1"/>
+          <p:nvPr>
+            <p:ph idx="1" type="body"/>
+          </p:nvPr>
+        </p:nvSpPr>
+        <p:spPr>
+          <a:xfrm>
+            <a:off x="685800" y="4343400"/>
+            <a:ext cx="5486400" cy="4114800"/>
+          </a:xfrm>
+          <a:prstGeom prst="rect">
+            <a:avLst/>
+          </a:prstGeom>
+        </p:spPr>
+        <p:txBody>
+          <a:bodyPr anchorCtr="0" anchor="t" bIns="91425" lIns="91425" spcFirstLastPara="1" rIns="91425" wrap="square" tIns="91425">
+            <a:noAutofit/>
+          </a:bodyPr>
+          <a:lstStyle/>
+          <a:p>
+            <a:pPr indent="0" lvl="0" marL="0" rtl="0" algn="l">
+              <a:spcBef>
+                <a:spcPts val="0"/>
+              </a:spcBef>
+              <a:spcAft>
+                <a:spcPts val="0"/>
+              </a:spcAft>
+              <a:buNone/>
+            </a:pPr>
+            <a:r>
+              <a:t/>
+            </a:r>
+            <a:endParaRPr/>
+          </a:p>
+        </p:txBody>
+      </p:sp>
+    </p:spTree>
+  </p:cSld>
+  <p:clrMapOvr>
+    <a:masterClrMapping/>
+  </p:clrMapOvr>
+</p:notes>
+</file>
+
+<file path=ppt/notesSlides/notesSlide2.xml><?xml version="1.0" encoding="utf-8"?>
+<p:notes xmlns:a="http://schemas.openxmlformats.org/drawingml/2006/main" xmlns:r="http://schemas.openxmlformats.org/officeDocument/2006/relationships" xmlns:mc="http://schemas.openxmlformats.org/markup-compatibility/2006" xmlns:mv="urn:schemas-microsoft-com:mac:vml" xmlns:p="http://schemas.openxmlformats.org/presentationml/2006/main" xmlns:c="http://schemas.openxmlformats.org/drawingml/2006/chart" xmlns:dgm="http://schemas.openxmlformats.org/drawingml/2006/diagram" xmlns:o="urn:schemas-microsoft-com:office:office" xmlns:v="urn:schemas-microsoft-com:vml" xmlns:pvml="urn:schemas-microsoft-com:office:powerpoint" xmlns:com="http://schemas.openxmlformats.org/drawingml/2006/compatibility" xmlns:p14="http://schemas.microsoft.com/office/powerpoint/2010/main" xmlns:p15="http://schemas.microsoft.com/office/powerpoint/2012/main" showMasterPhAnim="0" showMasterSp="0">
+  <p:cSld>
+    <p:spTree>
+      <p:nvGrpSpPr>
+        <p:cNvPr id="56" name="Shape 56"/>
+        <p:cNvGrpSpPr/>
+        <p:nvPr/>
+      </p:nvGrpSpPr>
+      <p:grpSpPr>
+        <a:xfrm>
+          <a:off x="0" y="0"/>
+          <a:ext cx="0" cy="0"/>
+          <a:chOff x="0" y="0"/>
+          <a:chExt cx="0" cy="0"/>
+        </a:xfrm>
+      </p:grpSpPr>
+      <p:sp>
+        <p:nvSpPr>
+          <p:cNvPr id="57" name="Google Shape;57;g8771965c46_0_0:notes"/>
+          <p:cNvSpPr/>
+          <p:nvPr>
+            <p:ph idx="2" type="sldImg"/>
+          </p:nvPr>
+        </p:nvSpPr>
+        <p:spPr>
+          <a:xfrm>
+            <a:off x="381300" y="685800"/>
+            <a:ext cx="6096000" cy="3429000"/>
+          </a:xfrm>
+          <a:custGeom>
+            <a:rect b="b" l="l" r="r" t="t"/>
+            <a:pathLst>
+              <a:path extrusionOk="0" h="120000" w="120000">
+                <a:moveTo>
+                  <a:pt x="0" y="0"/>
+                </a:moveTo>
+                <a:lnTo>
+                  <a:pt x="120000" y="0"/>
+                </a:lnTo>
+                <a:lnTo>
+                  <a:pt x="120000" y="120000"/>
+                </a:lnTo>
+                <a:lnTo>
+                  <a:pt x="0" y="120000"/>
+                </a:lnTo>
+                <a:close/>
+              </a:path>
+            </a:pathLst>
+          </a:custGeom>
+        </p:spPr>
+      </p:sp>
+      <p:sp>
+        <p:nvSpPr>
+          <p:cNvPr id="58" name="Google Shape;58;g8771965c46_0_0:notes"/>
+          <p:cNvSpPr txBox="1"/>
+          <p:nvPr>
+            <p:ph idx="1" type="body"/>
+          </p:nvPr>
+        </p:nvSpPr>
+        <p:spPr>
+          <a:xfrm>
+            <a:off x="685800" y="4343400"/>
+            <a:ext cx="5486400" cy="4114800"/>
+          </a:xfrm>
+          <a:prstGeom prst="rect">
+            <a:avLst/>
+          </a:prstGeom>
+        </p:spPr>
+        <p:txBody>
+          <a:bodyPr anchorCtr="0" anchor="t" bIns="91425" lIns="91425" spcFirstLastPara="1" rIns="91425" wrap="square" tIns="91425">
+            <a:noAutofit/>
+          </a:bodyPr>
+          <a:lstStyle/>
+          <a:p>
+            <a:pPr indent="0" lvl="0" marL="0" rtl="0" algn="l">
+              <a:spcBef>
+                <a:spcPts val="0"/>
+              </a:spcBef>
+              <a:spcAft>
+                <a:spcPts val="0"/>
+              </a:spcAft>
+              <a:buNone/>
+            </a:pPr>
+            <a:r>
+              <a:t/>
+            </a:r>
+            <a:endParaRPr/>
+          </a:p>
+        </p:txBody>
+      </p:sp>
+    </p:spTree>
+  </p:cSld>
+  <p:clrMapOvr>
+    <a:masterClrMapping/>
+  </p:clrMapOvr>
+</p:notes>
+</file>
+
+<file path=ppt/notesSlides/notesSlide3.xml><?xml version="1.0" encoding="utf-8"?>
+<p:notes xmlns:a="http://schemas.openxmlformats.org/drawingml/2006/main" xmlns:r="http://schemas.openxmlformats.org/officeDocument/2006/relationships" xmlns:mc="http://schemas.openxmlformats.org/markup-compatibility/2006" xmlns:mv="urn:schemas-microsoft-com:mac:vml" xmlns:p="http://schemas.openxmlformats.org/presentationml/2006/main" xmlns:c="http://schemas.openxmlformats.org/drawingml/2006/chart" xmlns:dgm="http://schemas.openxmlformats.org/drawingml/2006/diagram" xmlns:o="urn:schemas-microsoft-com:office:office" xmlns:v="urn:schemas-microsoft-com:vml" xmlns:pvml="urn:schemas-microsoft-com:office:powerpoint" xmlns:com="http://schemas.openxmlformats.org/drawingml/2006/compatibility" xmlns:p14="http://schemas.microsoft.com/office/powerpoint/2010/main" xmlns:p15="http://schemas.microsoft.com/office/powerpoint/2012/main" showMasterPhAnim="0" showMasterSp="0">
+  <p:cSld>
+    <p:spTree>
+      <p:nvGrpSpPr>
+        <p:cNvPr id="62" name="Shape 62"/>
+        <p:cNvGrpSpPr/>
+        <p:nvPr/>
+      </p:nvGrpSpPr>
+      <p:grpSpPr>
+        <a:xfrm>
+          <a:off x="0" y="0"/>
+          <a:ext cx="0" cy="0"/>
+          <a:chOff x="0" y="0"/>
+          <a:chExt cx="0" cy="0"/>
+        </a:xfrm>
+      </p:grpSpPr>
+      <p:sp>
+        <p:nvSpPr>
+          <p:cNvPr id="63" name="Google Shape;63;g8771965c46_0_6:notes"/>
+          <p:cNvSpPr/>
+          <p:nvPr>
+            <p:ph idx="2" type="sldImg"/>
+          </p:nvPr>
+        </p:nvSpPr>
+        <p:spPr>
+          <a:xfrm>
+            <a:off x="381300" y="685800"/>
+            <a:ext cx="6096000" cy="3429000"/>
+          </a:xfrm>
+          <a:custGeom>
+            <a:rect b="b" l="l" r="r" t="t"/>
+            <a:pathLst>
+              <a:path extrusionOk="0" h="120000" w="120000">
+                <a:moveTo>
+                  <a:pt x="0" y="0"/>
+                </a:moveTo>
+                <a:lnTo>
+                  <a:pt x="120000" y="0"/>
+                </a:lnTo>
+                <a:lnTo>
+                  <a:pt x="120000" y="120000"/>
+                </a:lnTo>
+                <a:lnTo>
+                  <a:pt x="0" y="120000"/>
+                </a:lnTo>
+                <a:close/>
+              </a:path>
+            </a:pathLst>
+          </a:custGeom>
+        </p:spPr>
+      </p:sp>
+      <p:sp>
+        <p:nvSpPr>
+          <p:cNvPr id="64" name="Google Shape;64;g8771965c46_0_6:notes"/>
+          <p:cNvSpPr txBox="1"/>
+          <p:nvPr>
+            <p:ph idx="1" type="body"/>
+          </p:nvPr>
+        </p:nvSpPr>
+        <p:spPr>
+          <a:xfrm>
+            <a:off x="685800" y="4343400"/>
+            <a:ext cx="5486400" cy="4114800"/>
+          </a:xfrm>
+          <a:prstGeom prst="rect">
+            <a:avLst/>
+          </a:prstGeom>
+        </p:spPr>
+        <p:txBody>
+          <a:bodyPr anchorCtr="0" anchor="t" bIns="91425" lIns="91425" spcFirstLastPara="1" rIns="91425" wrap="square" tIns="91425">
+            <a:noAutofit/>
+          </a:bodyPr>
+          <a:lstStyle/>
+          <a:p>
+            <a:pPr indent="0" lvl="0" marL="0" rtl="0" algn="l">
+              <a:spcBef>
+                <a:spcPts val="0"/>
+              </a:spcBef>
+              <a:spcAft>
+                <a:spcPts val="0"/>
+              </a:spcAft>
+              <a:buNone/>
+            </a:pPr>
+            <a:r>
+              <a:t/>
+            </a:r>
+            <a:endParaRPr/>
+          </a:p>
+        </p:txBody>
+      </p:sp>
+    </p:spTree>
+  </p:cSld>
+  <p:clrMapOvr>
+    <a:masterClrMapping/>
+  </p:clrMapOvr>
+</p:notes>
+</file>
+
+<file path=ppt/notesSlides/notesSlide4.xml><?xml version="1.0" encoding="utf-8"?>
+<p:notes xmlns:a="http://schemas.openxmlformats.org/drawingml/2006/main" xmlns:r="http://schemas.openxmlformats.org/officeDocument/2006/relationships" xmlns:mc="http://schemas.openxmlformats.org/markup-compatibility/2006" xmlns:mv="urn:schemas-microsoft-com:mac:vml" xmlns:p="http://schemas.openxmlformats.org/presentationml/2006/main" xmlns:c="http://schemas.openxmlformats.org/drawingml/2006/chart" xmlns:dgm="http://schemas.openxmlformats.org/drawingml/2006/diagram" xmlns:o="urn:schemas-microsoft-com:office:office" xmlns:v="urn:schemas-microsoft-com:vml" xmlns:pvml="urn:schemas-microsoft-com:office:powerpoint" xmlns:com="http://schemas.openxmlformats.org/drawingml/2006/compatibility" xmlns:p14="http://schemas.microsoft.com/office/powerpoint/2010/main" xmlns:p15="http://schemas.microsoft.com/office/powerpoint/2012/main" showMasterPhAnim="0" showMasterSp="0">
+  <p:cSld>
+    <p:spTree>
+      <p:nvGrpSpPr>
+        <p:cNvPr id="68" name="Shape 68"/>
+        <p:cNvGrpSpPr/>
+        <p:nvPr/>
+      </p:nvGrpSpPr>
+      <p:grpSpPr>
+        <a:xfrm>
+          <a:off x="0" y="0"/>
+          <a:ext cx="0" cy="0"/>
+          <a:chOff x="0" y="0"/>
+          <a:chExt cx="0" cy="0"/>
+        </a:xfrm>
+      </p:grpSpPr>
+      <p:sp>
+        <p:nvSpPr>
+          <p:cNvPr id="69" name="Google Shape;69;g8771965c46_0_12:notes"/>
+          <p:cNvSpPr/>
+          <p:nvPr>
+            <p:ph idx="2" type="sldImg"/>
+          </p:nvPr>
+        </p:nvSpPr>
+        <p:spPr>
+          <a:xfrm>
+            <a:off x="381300" y="685800"/>
+            <a:ext cx="6096000" cy="3429000"/>
+          </a:xfrm>
+          <a:custGeom>
+            <a:rect b="b" l="l" r="r" t="t"/>
+            <a:pathLst>
+              <a:path extrusionOk="0" h="120000" w="120000">
+                <a:moveTo>
+                  <a:pt x="0" y="0"/>
+                </a:moveTo>
+                <a:lnTo>
+                  <a:pt x="120000" y="0"/>
+                </a:lnTo>
+                <a:lnTo>
+                  <a:pt x="120000" y="120000"/>
+                </a:lnTo>
+                <a:lnTo>
+                  <a:pt x="0" y="120000"/>
+                </a:lnTo>
+                <a:close/>
+              </a:path>
+            </a:pathLst>
+          </a:custGeom>
+        </p:spPr>
+      </p:sp>
+      <p:sp>
+        <p:nvSpPr>
+          <p:cNvPr id="70" name="Google Shape;70;g8771965c46_0_12:notes"/>
+          <p:cNvSpPr txBox="1"/>
+          <p:nvPr>
+            <p:ph idx="1" type="body"/>
+          </p:nvPr>
+        </p:nvSpPr>
+        <p:spPr>
+          <a:xfrm>
+            <a:off x="685800" y="4343400"/>
+            <a:ext cx="5486400" cy="4114800"/>
+          </a:xfrm>
+          <a:prstGeom prst="rect">
+            <a:avLst/>
+          </a:prstGeom>
+        </p:spPr>
+        <p:txBody>
+          <a:bodyPr anchorCtr="0" anchor="t" bIns="91425" lIns="91425" spcFirstLastPara="1" rIns="91425" wrap="square" tIns="91425">
+            <a:noAutofit/>
+          </a:bodyPr>
+          <a:lstStyle/>
+          <a:p>
+            <a:pPr indent="0" lvl="0" marL="0" rtl="0" algn="l">
+              <a:spcBef>
+                <a:spcPts val="0"/>
+              </a:spcBef>
+              <a:spcAft>
+                <a:spcPts val="0"/>
+              </a:spcAft>
+              <a:buNone/>
+            </a:pPr>
+            <a:r>
+              <a:t/>
+            </a:r>
+            <a:endParaRPr/>
+          </a:p>
+        </p:txBody>
+      </p:sp>
+    </p:spTree>
+  </p:cSld>
+  <p:clrMapOvr>
+    <a:masterClrMapping/>
+  </p:clrMapOvr>
+</p:notes>
+</file>
+
+<file path=ppt/notesSlides/notesSlide5.xml><?xml version="1.0" encoding="utf-8"?>
+<p:notes xmlns:a="http://schemas.openxmlformats.org/drawingml/2006/main" xmlns:r="http://schemas.openxmlformats.org/officeDocument/2006/relationships" xmlns:mc="http://schemas.openxmlformats.org/markup-compatibility/2006" xmlns:mv="urn:schemas-microsoft-com:mac:vml" xmlns:p="http://schemas.openxmlformats.org/presentationml/2006/main" xmlns:c="http://schemas.openxmlformats.org/drawingml/2006/chart" xmlns:dgm="http://schemas.openxmlformats.org/drawingml/2006/diagram" xmlns:o="urn:schemas-microsoft-com:office:office" xmlns:v="urn:schemas-microsoft-com:vml" xmlns:pvml="urn:schemas-microsoft-com:office:powerpoint" xmlns:com="http://schemas.openxmlformats.org/drawingml/2006/compatibility" xmlns:p14="http://schemas.microsoft.com/office/powerpoint/2010/main" xmlns:p15="http://schemas.microsoft.com/office/powerpoint/2012/main" showMasterPhAnim="0" showMasterSp="0">
+  <p:cSld>
+    <p:spTree>
+      <p:nvGrpSpPr>
+        <p:cNvPr id="74" name="Shape 74"/>
+        <p:cNvGrpSpPr/>
+        <p:nvPr/>
+      </p:nvGrpSpPr>
+      <p:grpSpPr>
+        <a:xfrm>
+          <a:off x="0" y="0"/>
+          <a:ext cx="0" cy="0"/>
+          <a:chOff x="0" y="0"/>
+          <a:chExt cx="0" cy="0"/>
+        </a:xfrm>
+      </p:grpSpPr>
+      <p:sp>
+        <p:nvSpPr>
+          <p:cNvPr id="75" name="Google Shape;75;g8771965c46_0_121:notes"/>
+          <p:cNvSpPr/>
+          <p:nvPr>
+            <p:ph idx="2" type="sldImg"/>
+          </p:nvPr>
+        </p:nvSpPr>
+        <p:spPr>
+          <a:xfrm>
+            <a:off x="381300" y="685800"/>
+            <a:ext cx="6096000" cy="3429000"/>
+          </a:xfrm>
+          <a:custGeom>
+            <a:rect b="b" l="l" r="r" t="t"/>
+            <a:pathLst>
+              <a:path extrusionOk="0" h="120000" w="120000">
+                <a:moveTo>
+                  <a:pt x="0" y="0"/>
+                </a:moveTo>
+                <a:lnTo>
+                  <a:pt x="120000" y="0"/>
+                </a:lnTo>
+                <a:lnTo>
+                  <a:pt x="120000" y="120000"/>
+                </a:lnTo>
+                <a:lnTo>
+                  <a:pt x="0" y="120000"/>
+                </a:lnTo>
+                <a:close/>
+              </a:path>
+            </a:pathLst>
+          </a:custGeom>
+        </p:spPr>
+      </p:sp>
+      <p:sp>
+        <p:nvSpPr>
+          <p:cNvPr id="76" name="Google Shape;76;g8771965c46_0_121:notes"/>
+          <p:cNvSpPr txBox="1"/>
+          <p:nvPr>
+            <p:ph idx="1" type="body"/>
+          </p:nvPr>
+        </p:nvSpPr>
+        <p:spPr>
+          <a:xfrm>
+            <a:off x="685800" y="4343400"/>
+            <a:ext cx="5486400" cy="4114800"/>
+          </a:xfrm>
+          <a:prstGeom prst="rect">
+            <a:avLst/>
+          </a:prstGeom>
+        </p:spPr>
+        <p:txBody>
+          <a:bodyPr anchorCtr="0" anchor="t" bIns="91425" lIns="91425" spcFirstLastPara="1" rIns="91425" wrap="square" tIns="91425">
+            <a:noAutofit/>
+          </a:bodyPr>
+          <a:lstStyle/>
+          <a:p>
+            <a:pPr indent="0" lvl="0" marL="0" rtl="0" algn="l">
+              <a:spcBef>
+                <a:spcPts val="0"/>
+              </a:spcBef>
+              <a:spcAft>
+                <a:spcPts val="0"/>
+              </a:spcAft>
+              <a:buNone/>
+            </a:pPr>
+            <a:r>
+              <a:t/>
+            </a:r>
+            <a:endParaRPr/>
+          </a:p>
+        </p:txBody>
+      </p:sp>
+    </p:spTree>
+  </p:cSld>
+  <p:clrMapOvr>
+    <a:masterClrMapping/>
+  </p:clrMapOvr>
+</p:notes>
+</file>
+
+<file path=ppt/notesSlides/notesSlide6.xml><?xml version="1.0" encoding="utf-8"?>
+<p:notes xmlns:a="http://schemas.openxmlformats.org/drawingml/2006/main" xmlns:r="http://schemas.openxmlformats.org/officeDocument/2006/relationships" xmlns:mc="http://schemas.openxmlformats.org/markup-compatibility/2006" xmlns:mv="urn:schemas-microsoft-com:mac:vml" xmlns:p="http://schemas.openxmlformats.org/presentationml/2006/main" xmlns:c="http://schemas.openxmlformats.org/drawingml/2006/chart" xmlns:dgm="http://schemas.openxmlformats.org/drawingml/2006/diagram" xmlns:o="urn:schemas-microsoft-com:office:office" xmlns:v="urn:schemas-microsoft-com:vml" xmlns:pvml="urn:schemas-microsoft-com:office:powerpoint" xmlns:com="http://schemas.openxmlformats.org/drawingml/2006/compatibility" xmlns:p14="http://schemas.microsoft.com/office/powerpoint/2010/main" xmlns:p15="http://schemas.microsoft.com/office/powerpoint/2012/main" showMasterPhAnim="0" showMasterSp="0">
+  <p:cSld>
+    <p:spTree>
+      <p:nvGrpSpPr>
+        <p:cNvPr id="79" name="Shape 79"/>
+        <p:cNvGrpSpPr/>
+        <p:nvPr/>
+      </p:nvGrpSpPr>
+      <p:grpSpPr>
+        <a:xfrm>
+          <a:off x="0" y="0"/>
+          <a:ext cx="0" cy="0"/>
+          <a:chOff x="0" y="0"/>
+          <a:chExt cx="0" cy="0"/>
+        </a:xfrm>
+      </p:grpSpPr>
+      <p:sp>
+        <p:nvSpPr>
+          <p:cNvPr id="80" name="Google Shape;80;g8771965c46_0_24:notes"/>
+          <p:cNvSpPr/>
+          <p:nvPr>
+            <p:ph idx="2" type="sldImg"/>
+          </p:nvPr>
+        </p:nvSpPr>
+        <p:spPr>
+          <a:xfrm>
+            <a:off x="381300" y="685800"/>
+            <a:ext cx="6096000" cy="3429000"/>
+          </a:xfrm>
+          <a:custGeom>
+            <a:rect b="b" l="l" r="r" t="t"/>
+            <a:pathLst>
+              <a:path extrusionOk="0" h="120000" w="120000">
+                <a:moveTo>
+                  <a:pt x="0" y="0"/>
+                </a:moveTo>
+                <a:lnTo>
+                  <a:pt x="120000" y="0"/>
+                </a:lnTo>
+                <a:lnTo>
+                  <a:pt x="120000" y="120000"/>
+                </a:lnTo>
+                <a:lnTo>
+                  <a:pt x="0" y="120000"/>
+                </a:lnTo>
+                <a:close/>
+              </a:path>
+            </a:pathLst>
+          </a:custGeom>
+        </p:spPr>
+      </p:sp>
+      <p:sp>
+        <p:nvSpPr>
+          <p:cNvPr id="81" name="Google Shape;81;g8771965c46_0_24:notes"/>
+          <p:cNvSpPr txBox="1"/>
+          <p:nvPr>
+            <p:ph idx="1" type="body"/>
+          </p:nvPr>
+        </p:nvSpPr>
+        <p:spPr>
+          <a:xfrm>
+            <a:off x="685800" y="4343400"/>
+            <a:ext cx="5486400" cy="4114800"/>
+          </a:xfrm>
+          <a:prstGeom prst="rect">
+            <a:avLst/>
+          </a:prstGeom>
+        </p:spPr>
+        <p:txBody>
+          <a:bodyPr anchorCtr="0" anchor="t" bIns="91425" lIns="91425" spcFirstLastPara="1" rIns="91425" wrap="square" tIns="91425">
+            <a:noAutofit/>
+          </a:bodyPr>
+          <a:lstStyle/>
+          <a:p>
+            <a:pPr indent="0" lvl="0" marL="0" rtl="0" algn="l">
+              <a:spcBef>
+                <a:spcPts val="0"/>
+              </a:spcBef>
+              <a:spcAft>
+                <a:spcPts val="0"/>
+              </a:spcAft>
+              <a:buNone/>
+            </a:pPr>
+            <a:r>
+              <a:t/>
+            </a:r>
+            <a:endParaRPr/>
+          </a:p>
+        </p:txBody>
+      </p:sp>
+    </p:spTree>
+  </p:cSld>
+  <p:clrMapOvr>
+    <a:masterClrMapping/>
+  </p:clrMapOvr>
+</p:notes>
+</file>
+
+<file path=ppt/notesSlides/notesSlide7.xml><?xml version="1.0" encoding="utf-8"?>
+<p:notes xmlns:a="http://schemas.openxmlformats.org/drawingml/2006/main" xmlns:r="http://schemas.openxmlformats.org/officeDocument/2006/relationships" xmlns:mc="http://schemas.openxmlformats.org/markup-compatibility/2006" xmlns:mv="urn:schemas-microsoft-com:mac:vml" xmlns:p="http://schemas.openxmlformats.org/presentationml/2006/main" xmlns:c="http://schemas.openxmlformats.org/drawingml/2006/chart" xmlns:dgm="http://schemas.openxmlformats.org/drawingml/2006/diagram" xmlns:o="urn:schemas-microsoft-com:office:office" xmlns:v="urn:schemas-microsoft-com:vml" xmlns:pvml="urn:schemas-microsoft-com:office:powerpoint" xmlns:com="http://schemas.openxmlformats.org/drawingml/2006/compatibility" xmlns:p14="http://schemas.microsoft.com/office/powerpoint/2010/main" xmlns:p15="http://schemas.microsoft.com/office/powerpoint/2012/main" showMasterPhAnim="0" showMasterSp="0">
+  <p:cSld>
+    <p:spTree>
+      <p:nvGrpSpPr>
+        <p:cNvPr id="84" name="Shape 84"/>
+        <p:cNvGrpSpPr/>
+        <p:nvPr/>
+      </p:nvGrpSpPr>
+      <p:grpSpPr>
+        <a:xfrm>
+          <a:off x="0" y="0"/>
+          <a:ext cx="0" cy="0"/>
+          <a:chOff x="0" y="0"/>
+          <a:chExt cx="0" cy="0"/>
+        </a:xfrm>
+      </p:grpSpPr>
+      <p:sp>
+        <p:nvSpPr>
+          <p:cNvPr id="85" name="Google Shape;85;g8771965c46_0_37:notes"/>
+          <p:cNvSpPr/>
+          <p:nvPr>
+            <p:ph idx="2" type="sldImg"/>
+          </p:nvPr>
+        </p:nvSpPr>
+        <p:spPr>
+          <a:xfrm>
+            <a:off x="381300" y="685800"/>
+            <a:ext cx="6096000" cy="3429000"/>
+          </a:xfrm>
+          <a:custGeom>
+            <a:rect b="b" l="l" r="r" t="t"/>
+            <a:pathLst>
+              <a:path extrusionOk="0" h="120000" w="120000">
+                <a:moveTo>
+                  <a:pt x="0" y="0"/>
+                </a:moveTo>
+                <a:lnTo>
+                  <a:pt x="120000" y="0"/>
+                </a:lnTo>
+                <a:lnTo>
+                  <a:pt x="120000" y="120000"/>
+                </a:lnTo>
+                <a:lnTo>
+                  <a:pt x="0" y="120000"/>
+                </a:lnTo>
+                <a:close/>
+              </a:path>
+            </a:pathLst>
+          </a:custGeom>
+        </p:spPr>
+      </p:sp>
+      <p:sp>
+        <p:nvSpPr>
+          <p:cNvPr id="86" name="Google Shape;86;g8771965c46_0_37:notes"/>
+          <p:cNvSpPr txBox="1"/>
+          <p:nvPr>
+            <p:ph idx="1" type="body"/>
+          </p:nvPr>
+        </p:nvSpPr>
+        <p:spPr>
+          <a:xfrm>
+            <a:off x="685800" y="4343400"/>
+            <a:ext cx="5486400" cy="4114800"/>
+          </a:xfrm>
+          <a:prstGeom prst="rect">
+            <a:avLst/>
+          </a:prstGeom>
+        </p:spPr>
+        <p:txBody>
+          <a:bodyPr anchorCtr="0" anchor="t" bIns="91425" lIns="91425" spcFirstLastPara="1" rIns="91425" wrap="square" tIns="91425">
+            <a:noAutofit/>
+          </a:bodyPr>
+          <a:lstStyle/>
+          <a:p>
+            <a:pPr indent="0" lvl="0" marL="0" rtl="0" algn="l">
+              <a:spcBef>
+                <a:spcPts val="0"/>
+              </a:spcBef>
+              <a:spcAft>
+                <a:spcPts val="0"/>
+              </a:spcAft>
+              <a:buNone/>
+            </a:pPr>
+            <a:r>
+              <a:t/>
+            </a:r>
+            <a:endParaRPr/>
+          </a:p>
+        </p:txBody>
+      </p:sp>
+    </p:spTree>
+  </p:cSld>
+  <p:clrMapOvr>
+    <a:masterClrMapping/>
+  </p:clrMapOvr>
+</p:notes>
+</file>
+
+<file path=ppt/notesSlides/notesSlide8.xml><?xml version="1.0" encoding="utf-8"?>
+<p:notes xmlns:a="http://schemas.openxmlformats.org/drawingml/2006/main" xmlns:r="http://schemas.openxmlformats.org/officeDocument/2006/relationships" xmlns:mc="http://schemas.openxmlformats.org/markup-compatibility/2006" xmlns:mv="urn:schemas-microsoft-com:mac:vml" xmlns:p="http://schemas.openxmlformats.org/presentationml/2006/main" xmlns:c="http://schemas.openxmlformats.org/drawingml/2006/chart" xmlns:dgm="http://schemas.openxmlformats.org/drawingml/2006/diagram" xmlns:o="urn:schemas-microsoft-com:office:office" xmlns:v="urn:schemas-microsoft-com:vml" xmlns:pvml="urn:schemas-microsoft-com:office:powerpoint" xmlns:com="http://schemas.openxmlformats.org/drawingml/2006/compatibility" xmlns:p14="http://schemas.microsoft.com/office/powerpoint/2010/main" xmlns:p15="http://schemas.microsoft.com/office/powerpoint/2012/main" showMasterPhAnim="0" showMasterSp="0">
+  <p:cSld>
+    <p:spTree>
+      <p:nvGrpSpPr>
+        <p:cNvPr id="90" name="Shape 90"/>
+        <p:cNvGrpSpPr/>
+        <p:nvPr/>
+      </p:nvGrpSpPr>
+      <p:grpSpPr>
+        <a:xfrm>
+          <a:off x="0" y="0"/>
+          <a:ext cx="0" cy="0"/>
+          <a:chOff x="0" y="0"/>
+          <a:chExt cx="0" cy="0"/>
+        </a:xfrm>
+      </p:grpSpPr>
+      <p:sp>
+        <p:nvSpPr>
+          <p:cNvPr id="91" name="Google Shape;91;g8771965c46_0_46:notes"/>
+          <p:cNvSpPr/>
+          <p:nvPr>
+            <p:ph idx="2" type="sldImg"/>
+          </p:nvPr>
+        </p:nvSpPr>
+        <p:spPr>
+          <a:xfrm>
+            <a:off x="381300" y="685800"/>
+            <a:ext cx="6096000" cy="3429000"/>
+          </a:xfrm>
+          <a:custGeom>
+            <a:rect b="b" l="l" r="r" t="t"/>
+            <a:pathLst>
+              <a:path extrusionOk="0" h="120000" w="120000">
+                <a:moveTo>
+                  <a:pt x="0" y="0"/>
+                </a:moveTo>
+                <a:lnTo>
+                  <a:pt x="120000" y="0"/>
+                </a:lnTo>
+                <a:lnTo>
+                  <a:pt x="120000" y="120000"/>
+                </a:lnTo>
+                <a:lnTo>
+                  <a:pt x="0" y="120000"/>
+                </a:lnTo>
+                <a:close/>
+              </a:path>
+            </a:pathLst>
+          </a:custGeom>
+        </p:spPr>
+      </p:sp>
+      <p:sp>
+        <p:nvSpPr>
+          <p:cNvPr id="92" name="Google Shape;92;g8771965c46_0_46:notes"/>
+          <p:cNvSpPr txBox="1"/>
+          <p:nvPr>
+            <p:ph idx="1" type="body"/>
+          </p:nvPr>
+        </p:nvSpPr>
+        <p:spPr>
+          <a:xfrm>
+            <a:off x="685800" y="4343400"/>
+            <a:ext cx="5486400" cy="4114800"/>
+          </a:xfrm>
+          <a:prstGeom prst="rect">
+            <a:avLst/>
+          </a:prstGeom>
+        </p:spPr>
+        <p:txBody>
+          <a:bodyPr anchorCtr="0" anchor="t" bIns="91425" lIns="91425" spcFirstLastPara="1" rIns="91425" wrap="square" tIns="91425">
+            <a:noAutofit/>
+          </a:bodyPr>
+          <a:lstStyle/>
+          <a:p>
+            <a:pPr indent="0" lvl="0" marL="0" rtl="0" algn="l">
+              <a:spcBef>
+                <a:spcPts val="0"/>
+              </a:spcBef>
+              <a:spcAft>
+                <a:spcPts val="0"/>
+              </a:spcAft>
+              <a:buNone/>
+            </a:pPr>
+            <a:r>
+              <a:t/>
+            </a:r>
+            <a:endParaRPr/>
+          </a:p>
+        </p:txBody>
+      </p:sp>
+    </p:spTree>
+  </p:cSld>
+  <p:clrMapOvr>
+    <a:masterClrMapping/>
+  </p:clrMapOvr>
+</p:notes>
+</file>
+
+<file path=ppt/notesSlides/notesSlide9.xml><?xml version="1.0" encoding="utf-8"?>
+<p:notes xmlns:a="http://schemas.openxmlformats.org/drawingml/2006/main" xmlns:r="http://schemas.openxmlformats.org/officeDocument/2006/relationships" xmlns:mc="http://schemas.openxmlformats.org/markup-compatibility/2006" xmlns:mv="urn:schemas-microsoft-com:mac:vml" xmlns:p="http://schemas.openxmlformats.org/presentationml/2006/main" xmlns:c="http://schemas.openxmlformats.org/drawingml/2006/chart" xmlns:dgm="http://schemas.openxmlformats.org/drawingml/2006/diagram" xmlns:o="urn:schemas-microsoft-com:office:office" xmlns:v="urn:schemas-microsoft-com:vml" xmlns:pvml="urn:schemas-microsoft-com:office:powerpoint" xmlns:com="http://schemas.openxmlformats.org/drawingml/2006/compatibility" xmlns:p14="http://schemas.microsoft.com/office/powerpoint/2010/main" xmlns:p15="http://schemas.microsoft.com/office/powerpoint/2012/main" showMasterPhAnim="0" showMasterSp="0">
+  <p:cSld>
+    <p:spTree>
+      <p:nvGrpSpPr>
+        <p:cNvPr id="96" name="Shape 96"/>
+        <p:cNvGrpSpPr/>
+        <p:nvPr/>
+      </p:nvGrpSpPr>
+      <p:grpSpPr>
+        <a:xfrm>
+          <a:off x="0" y="0"/>
+          <a:ext cx="0" cy="0"/>
+          <a:chOff x="0" y="0"/>
+          <a:chExt cx="0" cy="0"/>
+        </a:xfrm>
+      </p:grpSpPr>
+      <p:sp>
+        <p:nvSpPr>
+          <p:cNvPr id="97" name="Google Shape;97;g8771965c46_0_51:notes"/>
+          <p:cNvSpPr/>
+          <p:nvPr>
+            <p:ph idx="2" type="sldImg"/>
+          </p:nvPr>
+        </p:nvSpPr>
+        <p:spPr>
+          <a:xfrm>
+            <a:off x="381300" y="685800"/>
+            <a:ext cx="6096000" cy="3429000"/>
+          </a:xfrm>
+          <a:custGeom>
+            <a:rect b="b" l="l" r="r" t="t"/>
+            <a:pathLst>
+              <a:path extrusionOk="0" h="120000" w="120000">
+                <a:moveTo>
+                  <a:pt x="0" y="0"/>
+                </a:moveTo>
+                <a:lnTo>
+                  <a:pt x="120000" y="0"/>
+                </a:lnTo>
+                <a:lnTo>
+                  <a:pt x="120000" y="120000"/>
+                </a:lnTo>
+                <a:lnTo>
+                  <a:pt x="0" y="120000"/>
+                </a:lnTo>
+                <a:close/>
+              </a:path>
+            </a:pathLst>
+          </a:custGeom>
+        </p:spPr>
+      </p:sp>
+      <p:sp>
+        <p:nvSpPr>
+          <p:cNvPr id="98" name="Google Shape;98;g8771965c46_0_51:notes"/>
           <p:cNvSpPr txBox="1"/>
           <p:nvPr>
             <p:ph idx="1" type="body"/>
@@ -5484,7 +7084,8 @@
               <a:buNone/>
             </a:pPr>
             <a:r>
-              <a:t/>
+              <a:rPr lang="ru"/>
+              <a:t>Этапы работы над проектом</a:t>
             </a:r>
             <a:endParaRPr/>
           </a:p>
@@ -5523,12 +7124,2395 @@
               <a:buNone/>
             </a:pPr>
             <a:r>
+              <a:rPr lang="ru"/>
+              <a:t>Николаев Д.Е., Репин С.А.</a:t>
+            </a:r>
+            <a:br>
+              <a:rPr lang="ru"/>
+            </a:br>
+            <a:r>
+              <a:rPr lang="ru"/>
+              <a:t>8307 Теория Автоматов</a:t>
+            </a:r>
+            <a:endParaRPr/>
+          </a:p>
+        </p:txBody>
+      </p:sp>
+    </p:spTree>
+  </p:cSld>
+  <p:clrMapOvr>
+    <a:masterClrMapping/>
+  </p:clrMapOvr>
+</p:sld>
+</file>
+
+<file path=ppt/slides/slide10.xml><?xml version="1.0" encoding="utf-8"?>
+<p:sld xmlns:a="http://schemas.openxmlformats.org/drawingml/2006/main" xmlns:r="http://schemas.openxmlformats.org/officeDocument/2006/relationships" xmlns:mc="http://schemas.openxmlformats.org/markup-compatibility/2006" xmlns:mv="urn:schemas-microsoft-com:mac:vml" xmlns:p="http://schemas.openxmlformats.org/presentationml/2006/main" xmlns:c="http://schemas.openxmlformats.org/drawingml/2006/chart" xmlns:dgm="http://schemas.openxmlformats.org/drawingml/2006/diagram" xmlns:o="urn:schemas-microsoft-com:office:office" xmlns:v="urn:schemas-microsoft-com:vml" xmlns:pvml="urn:schemas-microsoft-com:office:powerpoint" xmlns:com="http://schemas.openxmlformats.org/drawingml/2006/compatibility" xmlns:p14="http://schemas.microsoft.com/office/powerpoint/2010/main" xmlns:p15="http://schemas.microsoft.com/office/powerpoint/2012/main">
+  <p:cSld>
+    <p:spTree>
+      <p:nvGrpSpPr>
+        <p:cNvPr id="104" name="Shape 104"/>
+        <p:cNvGrpSpPr/>
+        <p:nvPr/>
+      </p:nvGrpSpPr>
+      <p:grpSpPr>
+        <a:xfrm>
+          <a:off x="0" y="0"/>
+          <a:ext cx="0" cy="0"/>
+          <a:chOff x="0" y="0"/>
+          <a:chExt cx="0" cy="0"/>
+        </a:xfrm>
+      </p:grpSpPr>
+      <p:pic>
+        <p:nvPicPr>
+          <p:cNvPr id="105" name="Google Shape;105;p22"/>
+          <p:cNvPicPr preferRelativeResize="0"/>
+          <p:nvPr/>
+        </p:nvPicPr>
+        <p:blipFill>
+          <a:blip r:embed="rId3">
+            <a:alphaModFix/>
+          </a:blip>
+          <a:stretch>
+            <a:fillRect/>
+          </a:stretch>
+        </p:blipFill>
+        <p:spPr>
+          <a:xfrm>
+            <a:off x="1197700" y="152400"/>
+            <a:ext cx="6748594" cy="4838701"/>
+          </a:xfrm>
+          <a:prstGeom prst="rect">
+            <a:avLst/>
+          </a:prstGeom>
+          <a:noFill/>
+          <a:ln>
+            <a:noFill/>
+          </a:ln>
+        </p:spPr>
+      </p:pic>
+      <p:sp>
+        <p:nvSpPr>
+          <p:cNvPr id="106" name="Google Shape;106;p22"/>
+          <p:cNvSpPr txBox="1"/>
+          <p:nvPr/>
+        </p:nvSpPr>
+        <p:spPr>
+          <a:xfrm>
+            <a:off x="6606100" y="488900"/>
+            <a:ext cx="2171100" cy="684300"/>
+          </a:xfrm>
+          <a:prstGeom prst="rect">
+            <a:avLst/>
+          </a:prstGeom>
+          <a:noFill/>
+          <a:ln>
+            <a:noFill/>
+          </a:ln>
+        </p:spPr>
+        <p:txBody>
+          <a:bodyPr anchorCtr="0" anchor="t" bIns="91425" lIns="91425" spcFirstLastPara="1" rIns="91425" wrap="square" tIns="91425">
+            <a:noAutofit/>
+          </a:bodyPr>
+          <a:lstStyle/>
+          <a:p>
+            <a:pPr indent="0" lvl="0" marL="0" rtl="0" algn="l">
+              <a:spcBef>
+                <a:spcPts val="0"/>
+              </a:spcBef>
+              <a:spcAft>
+                <a:spcPts val="0"/>
+              </a:spcAft>
+              <a:buNone/>
+            </a:pPr>
+            <a:r>
+              <a:rPr i="1" lang="ru"/>
+              <a:t>Диаграмма автомата</a:t>
+            </a:r>
+            <a:endParaRPr i="1"/>
+          </a:p>
+        </p:txBody>
+      </p:sp>
+    </p:spTree>
+  </p:cSld>
+  <p:clrMapOvr>
+    <a:masterClrMapping/>
+  </p:clrMapOvr>
+</p:sld>
+</file>
+
+<file path=ppt/slides/slide11.xml><?xml version="1.0" encoding="utf-8"?>
+<p:sld xmlns:a="http://schemas.openxmlformats.org/drawingml/2006/main" xmlns:r="http://schemas.openxmlformats.org/officeDocument/2006/relationships" xmlns:mc="http://schemas.openxmlformats.org/markup-compatibility/2006" xmlns:mv="urn:schemas-microsoft-com:mac:vml" xmlns:p="http://schemas.openxmlformats.org/presentationml/2006/main" xmlns:c="http://schemas.openxmlformats.org/drawingml/2006/chart" xmlns:dgm="http://schemas.openxmlformats.org/drawingml/2006/diagram" xmlns:o="urn:schemas-microsoft-com:office:office" xmlns:v="urn:schemas-microsoft-com:vml" xmlns:pvml="urn:schemas-microsoft-com:office:powerpoint" xmlns:com="http://schemas.openxmlformats.org/drawingml/2006/compatibility" xmlns:p14="http://schemas.microsoft.com/office/powerpoint/2010/main" xmlns:p15="http://schemas.microsoft.com/office/powerpoint/2012/main">
+  <p:cSld>
+    <p:spTree>
+      <p:nvGrpSpPr>
+        <p:cNvPr id="110" name="Shape 110"/>
+        <p:cNvGrpSpPr/>
+        <p:nvPr/>
+      </p:nvGrpSpPr>
+      <p:grpSpPr>
+        <a:xfrm>
+          <a:off x="0" y="0"/>
+          <a:ext cx="0" cy="0"/>
+          <a:chOff x="0" y="0"/>
+          <a:chExt cx="0" cy="0"/>
+        </a:xfrm>
+      </p:grpSpPr>
+      <p:pic>
+        <p:nvPicPr>
+          <p:cNvPr id="111" name="Google Shape;111;p23"/>
+          <p:cNvPicPr preferRelativeResize="0"/>
+          <p:nvPr/>
+        </p:nvPicPr>
+        <p:blipFill>
+          <a:blip r:embed="rId3">
+            <a:alphaModFix/>
+          </a:blip>
+          <a:stretch>
+            <a:fillRect/>
+          </a:stretch>
+        </p:blipFill>
+        <p:spPr>
+          <a:xfrm>
+            <a:off x="152400" y="152400"/>
+            <a:ext cx="8839202" cy="1485438"/>
+          </a:xfrm>
+          <a:prstGeom prst="rect">
+            <a:avLst/>
+          </a:prstGeom>
+          <a:noFill/>
+          <a:ln>
+            <a:noFill/>
+          </a:ln>
+        </p:spPr>
+      </p:pic>
+      <p:sp>
+        <p:nvSpPr>
+          <p:cNvPr id="112" name="Google Shape;112;p23"/>
+          <p:cNvSpPr txBox="1"/>
+          <p:nvPr/>
+        </p:nvSpPr>
+        <p:spPr>
+          <a:xfrm>
+            <a:off x="336125" y="1772225"/>
+            <a:ext cx="6559200" cy="2139000"/>
+          </a:xfrm>
+          <a:prstGeom prst="rect">
+            <a:avLst/>
+          </a:prstGeom>
+          <a:noFill/>
+          <a:ln>
+            <a:noFill/>
+          </a:ln>
+        </p:spPr>
+        <p:txBody>
+          <a:bodyPr anchorCtr="0" anchor="t" bIns="91425" lIns="91425" spcFirstLastPara="1" rIns="91425" wrap="square" tIns="91425">
+            <a:noAutofit/>
+          </a:bodyPr>
+          <a:lstStyle/>
+          <a:p>
+            <a:pPr indent="0" lvl="0" marL="0" rtl="0" algn="l">
+              <a:spcBef>
+                <a:spcPts val="0"/>
+              </a:spcBef>
+              <a:spcAft>
+                <a:spcPts val="0"/>
+              </a:spcAft>
+              <a:buNone/>
+            </a:pPr>
+            <a:r>
+              <a:rPr lang="ru"/>
+              <a:t>Эквивалентные состояния отсутствуют, автомат уже минимален.</a:t>
+            </a:r>
+            <a:endParaRPr/>
+          </a:p>
+        </p:txBody>
+      </p:sp>
+    </p:spTree>
+  </p:cSld>
+  <p:clrMapOvr>
+    <a:masterClrMapping/>
+  </p:clrMapOvr>
+</p:sld>
+</file>
+
+<file path=ppt/slides/slide12.xml><?xml version="1.0" encoding="utf-8"?>
+<p:sld xmlns:a="http://schemas.openxmlformats.org/drawingml/2006/main" xmlns:r="http://schemas.openxmlformats.org/officeDocument/2006/relationships" xmlns:mc="http://schemas.openxmlformats.org/markup-compatibility/2006" xmlns:mv="urn:schemas-microsoft-com:mac:vml" xmlns:p="http://schemas.openxmlformats.org/presentationml/2006/main" xmlns:c="http://schemas.openxmlformats.org/drawingml/2006/chart" xmlns:dgm="http://schemas.openxmlformats.org/drawingml/2006/diagram" xmlns:o="urn:schemas-microsoft-com:office:office" xmlns:v="urn:schemas-microsoft-com:vml" xmlns:pvml="urn:schemas-microsoft-com:office:powerpoint" xmlns:com="http://schemas.openxmlformats.org/drawingml/2006/compatibility" xmlns:p14="http://schemas.microsoft.com/office/powerpoint/2010/main" xmlns:p15="http://schemas.microsoft.com/office/powerpoint/2012/main">
+  <p:cSld>
+    <p:spTree>
+      <p:nvGrpSpPr>
+        <p:cNvPr id="116" name="Shape 116"/>
+        <p:cNvGrpSpPr/>
+        <p:nvPr/>
+      </p:nvGrpSpPr>
+      <p:grpSpPr>
+        <a:xfrm>
+          <a:off x="0" y="0"/>
+          <a:ext cx="0" cy="0"/>
+          <a:chOff x="0" y="0"/>
+          <a:chExt cx="0" cy="0"/>
+        </a:xfrm>
+      </p:grpSpPr>
+      <p:sp>
+        <p:nvSpPr>
+          <p:cNvPr id="117" name="Google Shape;117;p24"/>
+          <p:cNvSpPr txBox="1"/>
+          <p:nvPr>
+            <p:ph type="title"/>
+          </p:nvPr>
+        </p:nvSpPr>
+        <p:spPr>
+          <a:xfrm>
+            <a:off x="311700" y="2150850"/>
+            <a:ext cx="8520600" cy="841800"/>
+          </a:xfrm>
+          <a:prstGeom prst="rect">
+            <a:avLst/>
+          </a:prstGeom>
+        </p:spPr>
+        <p:txBody>
+          <a:bodyPr anchorCtr="0" anchor="ctr" bIns="91425" lIns="91425" spcFirstLastPara="1" rIns="91425" wrap="square" tIns="91425">
+            <a:noAutofit/>
+          </a:bodyPr>
+          <a:lstStyle/>
+          <a:p>
+            <a:pPr indent="0" lvl="0" marL="0" rtl="0" algn="ctr">
+              <a:spcBef>
+                <a:spcPts val="0"/>
+              </a:spcBef>
+              <a:spcAft>
+                <a:spcPts val="0"/>
+              </a:spcAft>
+              <a:buNone/>
+            </a:pPr>
+            <a:r>
+              <a:rPr lang="ru"/>
+              <a:t>Структурный синтез</a:t>
+            </a:r>
+            <a:endParaRPr/>
+          </a:p>
+        </p:txBody>
+      </p:sp>
+    </p:spTree>
+  </p:cSld>
+  <p:clrMapOvr>
+    <a:masterClrMapping/>
+  </p:clrMapOvr>
+</p:sld>
+</file>
+
+<file path=ppt/slides/slide13.xml><?xml version="1.0" encoding="utf-8"?>
+<p:sld xmlns:a="http://schemas.openxmlformats.org/drawingml/2006/main" xmlns:r="http://schemas.openxmlformats.org/officeDocument/2006/relationships" xmlns:mc="http://schemas.openxmlformats.org/markup-compatibility/2006" xmlns:mv="urn:schemas-microsoft-com:mac:vml" xmlns:p="http://schemas.openxmlformats.org/presentationml/2006/main" xmlns:c="http://schemas.openxmlformats.org/drawingml/2006/chart" xmlns:dgm="http://schemas.openxmlformats.org/drawingml/2006/diagram" xmlns:o="urn:schemas-microsoft-com:office:office" xmlns:v="urn:schemas-microsoft-com:vml" xmlns:pvml="urn:schemas-microsoft-com:office:powerpoint" xmlns:com="http://schemas.openxmlformats.org/drawingml/2006/compatibility" xmlns:p14="http://schemas.microsoft.com/office/powerpoint/2010/main" xmlns:p15="http://schemas.microsoft.com/office/powerpoint/2012/main">
+  <p:cSld>
+    <p:spTree>
+      <p:nvGrpSpPr>
+        <p:cNvPr id="121" name="Shape 121"/>
+        <p:cNvGrpSpPr/>
+        <p:nvPr/>
+      </p:nvGrpSpPr>
+      <p:grpSpPr>
+        <a:xfrm>
+          <a:off x="0" y="0"/>
+          <a:ext cx="0" cy="0"/>
+          <a:chOff x="0" y="0"/>
+          <a:chExt cx="0" cy="0"/>
+        </a:xfrm>
+      </p:grpSpPr>
+      <p:pic>
+        <p:nvPicPr>
+          <p:cNvPr id="122" name="Google Shape;122;p25"/>
+          <p:cNvPicPr preferRelativeResize="0"/>
+          <p:nvPr/>
+        </p:nvPicPr>
+        <p:blipFill rotWithShape="1">
+          <a:blip r:embed="rId3">
+            <a:alphaModFix/>
+          </a:blip>
+          <a:srcRect b="80559" l="0" r="0" t="0"/>
+          <a:stretch/>
+        </p:blipFill>
+        <p:spPr>
+          <a:xfrm>
+            <a:off x="152400" y="112049"/>
+            <a:ext cx="8839200" cy="692899"/>
+          </a:xfrm>
+          <a:prstGeom prst="rect">
+            <a:avLst/>
+          </a:prstGeom>
+          <a:noFill/>
+          <a:ln>
+            <a:noFill/>
+          </a:ln>
+        </p:spPr>
+      </p:pic>
+      <p:graphicFrame>
+        <p:nvGraphicFramePr>
+          <p:cNvPr id="123" name="Google Shape;123;p25"/>
+          <p:cNvGraphicFramePr/>
+          <p:nvPr/>
+        </p:nvGraphicFramePr>
+        <p:xfrm>
+          <a:off x="152400" y="875325"/>
+          <a:ext cx="3000000" cy="3000000"/>
+        </p:xfrm>
+        <a:graphic>
+          <a:graphicData uri="http://schemas.openxmlformats.org/drawingml/2006/table">
+            <a:tbl>
+              <a:tblPr>
+                <a:noFill/>
+                <a:tableStyleId>{CBD1CAFD-7D8A-4749-9A62-8FEB44896C34}</a:tableStyleId>
+              </a:tblPr>
+              <a:tblGrid>
+                <a:gridCol w="1414425"/>
+                <a:gridCol w="1414425"/>
+              </a:tblGrid>
+              <a:tr h="396200">
+                <a:tc>
+                  <a:txBody>
+                    <a:bodyPr/>
+                    <a:lstStyle/>
+                    <a:p>
+                      <a:pPr indent="0" lvl="0" marL="0" rtl="0" algn="l">
+                        <a:spcBef>
+                          <a:spcPts val="0"/>
+                        </a:spcBef>
+                        <a:spcAft>
+                          <a:spcPts val="0"/>
+                        </a:spcAft>
+                        <a:buNone/>
+                      </a:pPr>
+                      <a:r>
+                        <a:rPr lang="ru"/>
+                        <a:t>Вход</a:t>
+                      </a:r>
+                      <a:endParaRPr/>
+                    </a:p>
+                  </a:txBody>
+                  <a:tcPr marT="91425" marB="91425" marR="91425" marL="91425"/>
+                </a:tc>
+                <a:tc>
+                  <a:txBody>
+                    <a:bodyPr/>
+                    <a:lstStyle/>
+                    <a:p>
+                      <a:pPr indent="0" lvl="0" marL="0" rtl="0" algn="l">
+                        <a:spcBef>
+                          <a:spcPts val="0"/>
+                        </a:spcBef>
+                        <a:spcAft>
+                          <a:spcPts val="0"/>
+                        </a:spcAft>
+                        <a:buNone/>
+                      </a:pPr>
+                      <a:r>
+                        <a:rPr lang="ru"/>
+                        <a:t>x2x1x0</a:t>
+                      </a:r>
+                      <a:endParaRPr/>
+                    </a:p>
+                  </a:txBody>
+                  <a:tcPr marT="91425" marB="91425" marR="91425" marL="91425"/>
+                </a:tc>
+              </a:tr>
+              <a:tr h="396200">
+                <a:tc>
+                  <a:txBody>
+                    <a:bodyPr/>
+                    <a:lstStyle/>
+                    <a:p>
+                      <a:pPr indent="0" lvl="0" marL="0" rtl="0" algn="l">
+                        <a:spcBef>
+                          <a:spcPts val="0"/>
+                        </a:spcBef>
+                        <a:spcAft>
+                          <a:spcPts val="0"/>
+                        </a:spcAft>
+                        <a:buNone/>
+                      </a:pPr>
+                      <a:r>
+                        <a:rPr lang="ru"/>
+                        <a:t>0</a:t>
+                      </a:r>
+                      <a:endParaRPr/>
+                    </a:p>
+                  </a:txBody>
+                  <a:tcPr marT="91425" marB="91425" marR="91425" marL="91425"/>
+                </a:tc>
+                <a:tc>
+                  <a:txBody>
+                    <a:bodyPr/>
+                    <a:lstStyle/>
+                    <a:p>
+                      <a:pPr indent="0" lvl="0" marL="0" rtl="0" algn="l">
+                        <a:spcBef>
+                          <a:spcPts val="0"/>
+                        </a:spcBef>
+                        <a:spcAft>
+                          <a:spcPts val="0"/>
+                        </a:spcAft>
+                        <a:buNone/>
+                      </a:pPr>
+                      <a:r>
+                        <a:rPr lang="ru"/>
+                        <a:t>000</a:t>
+                      </a:r>
+                      <a:endParaRPr/>
+                    </a:p>
+                  </a:txBody>
+                  <a:tcPr marT="91425" marB="91425" marR="91425" marL="91425"/>
+                </a:tc>
+              </a:tr>
+              <a:tr h="396200">
+                <a:tc>
+                  <a:txBody>
+                    <a:bodyPr/>
+                    <a:lstStyle/>
+                    <a:p>
+                      <a:pPr indent="0" lvl="0" marL="0" rtl="0" algn="l">
+                        <a:spcBef>
+                          <a:spcPts val="0"/>
+                        </a:spcBef>
+                        <a:spcAft>
+                          <a:spcPts val="0"/>
+                        </a:spcAft>
+                        <a:buNone/>
+                      </a:pPr>
+                      <a:r>
+                        <a:rPr lang="ru"/>
+                        <a:t>1</a:t>
+                      </a:r>
+                      <a:endParaRPr/>
+                    </a:p>
+                  </a:txBody>
+                  <a:tcPr marT="91425" marB="91425" marR="91425" marL="91425"/>
+                </a:tc>
+                <a:tc>
+                  <a:txBody>
+                    <a:bodyPr/>
+                    <a:lstStyle/>
+                    <a:p>
+                      <a:pPr indent="0" lvl="0" marL="0" rtl="0" algn="l">
+                        <a:spcBef>
+                          <a:spcPts val="0"/>
+                        </a:spcBef>
+                        <a:spcAft>
+                          <a:spcPts val="0"/>
+                        </a:spcAft>
+                        <a:buNone/>
+                      </a:pPr>
+                      <a:r>
+                        <a:rPr lang="ru"/>
+                        <a:t>001</a:t>
+                      </a:r>
+                      <a:endParaRPr/>
+                    </a:p>
+                  </a:txBody>
+                  <a:tcPr marT="91425" marB="91425" marR="91425" marL="91425"/>
+                </a:tc>
+              </a:tr>
+              <a:tr h="396200">
+                <a:tc>
+                  <a:txBody>
+                    <a:bodyPr/>
+                    <a:lstStyle/>
+                    <a:p>
+                      <a:pPr indent="0" lvl="0" marL="0" rtl="0" algn="l">
+                        <a:spcBef>
+                          <a:spcPts val="0"/>
+                        </a:spcBef>
+                        <a:spcAft>
+                          <a:spcPts val="0"/>
+                        </a:spcAft>
+                        <a:buNone/>
+                      </a:pPr>
+                      <a:r>
+                        <a:rPr lang="ru"/>
+                        <a:t>2</a:t>
+                      </a:r>
+                      <a:endParaRPr/>
+                    </a:p>
+                  </a:txBody>
+                  <a:tcPr marT="91425" marB="91425" marR="91425" marL="91425"/>
+                </a:tc>
+                <a:tc>
+                  <a:txBody>
+                    <a:bodyPr/>
+                    <a:lstStyle/>
+                    <a:p>
+                      <a:pPr indent="0" lvl="0" marL="0" rtl="0" algn="l">
+                        <a:spcBef>
+                          <a:spcPts val="0"/>
+                        </a:spcBef>
+                        <a:spcAft>
+                          <a:spcPts val="0"/>
+                        </a:spcAft>
+                        <a:buNone/>
+                      </a:pPr>
+                      <a:r>
+                        <a:rPr lang="ru"/>
+                        <a:t>010</a:t>
+                      </a:r>
+                      <a:endParaRPr/>
+                    </a:p>
+                  </a:txBody>
+                  <a:tcPr marT="91425" marB="91425" marR="91425" marL="91425"/>
+                </a:tc>
+              </a:tr>
+              <a:tr h="396200">
+                <a:tc>
+                  <a:txBody>
+                    <a:bodyPr/>
+                    <a:lstStyle/>
+                    <a:p>
+                      <a:pPr indent="0" lvl="0" marL="0" rtl="0" algn="l">
+                        <a:spcBef>
+                          <a:spcPts val="0"/>
+                        </a:spcBef>
+                        <a:spcAft>
+                          <a:spcPts val="0"/>
+                        </a:spcAft>
+                        <a:buNone/>
+                      </a:pPr>
+                      <a:r>
+                        <a:rPr lang="ru"/>
+                        <a:t>3</a:t>
+                      </a:r>
+                      <a:endParaRPr/>
+                    </a:p>
+                  </a:txBody>
+                  <a:tcPr marT="91425" marB="91425" marR="91425" marL="91425"/>
+                </a:tc>
+                <a:tc>
+                  <a:txBody>
+                    <a:bodyPr/>
+                    <a:lstStyle/>
+                    <a:p>
+                      <a:pPr indent="0" lvl="0" marL="0" rtl="0" algn="l">
+                        <a:spcBef>
+                          <a:spcPts val="0"/>
+                        </a:spcBef>
+                        <a:spcAft>
+                          <a:spcPts val="0"/>
+                        </a:spcAft>
+                        <a:buNone/>
+                      </a:pPr>
+                      <a:r>
+                        <a:rPr lang="ru"/>
+                        <a:t>011</a:t>
+                      </a:r>
+                      <a:endParaRPr/>
+                    </a:p>
+                  </a:txBody>
+                  <a:tcPr marT="91425" marB="91425" marR="91425" marL="91425"/>
+                </a:tc>
+              </a:tr>
+              <a:tr h="396200">
+                <a:tc>
+                  <a:txBody>
+                    <a:bodyPr/>
+                    <a:lstStyle/>
+                    <a:p>
+                      <a:pPr indent="0" lvl="0" marL="0" rtl="0" algn="l">
+                        <a:spcBef>
+                          <a:spcPts val="0"/>
+                        </a:spcBef>
+                        <a:spcAft>
+                          <a:spcPts val="0"/>
+                        </a:spcAft>
+                        <a:buNone/>
+                      </a:pPr>
+                      <a:r>
+                        <a:rPr lang="ru"/>
+                        <a:t>$</a:t>
+                      </a:r>
+                      <a:endParaRPr/>
+                    </a:p>
+                  </a:txBody>
+                  <a:tcPr marT="91425" marB="91425" marR="91425" marL="91425"/>
+                </a:tc>
+                <a:tc>
+                  <a:txBody>
+                    <a:bodyPr/>
+                    <a:lstStyle/>
+                    <a:p>
+                      <a:pPr indent="0" lvl="0" marL="0" rtl="0" algn="l">
+                        <a:spcBef>
+                          <a:spcPts val="0"/>
+                        </a:spcBef>
+                        <a:spcAft>
+                          <a:spcPts val="0"/>
+                        </a:spcAft>
+                        <a:buNone/>
+                      </a:pPr>
+                      <a:r>
+                        <a:rPr lang="ru"/>
+                        <a:t>100</a:t>
+                      </a:r>
+                      <a:endParaRPr/>
+                    </a:p>
+                  </a:txBody>
+                  <a:tcPr marT="91425" marB="91425" marR="91425" marL="91425"/>
+                </a:tc>
+              </a:tr>
+            </a:tbl>
+          </a:graphicData>
+        </a:graphic>
+      </p:graphicFrame>
+      <p:graphicFrame>
+        <p:nvGraphicFramePr>
+          <p:cNvPr id="124" name="Google Shape;124;p25"/>
+          <p:cNvGraphicFramePr/>
+          <p:nvPr/>
+        </p:nvGraphicFramePr>
+        <p:xfrm>
+          <a:off x="6213650" y="882925"/>
+          <a:ext cx="3000000" cy="3000000"/>
+        </p:xfrm>
+        <a:graphic>
+          <a:graphicData uri="http://schemas.openxmlformats.org/drawingml/2006/table">
+            <a:tbl>
+              <a:tblPr>
+                <a:noFill/>
+                <a:tableStyleId>{CBD1CAFD-7D8A-4749-9A62-8FEB44896C34}</a:tableStyleId>
+              </a:tblPr>
+              <a:tblGrid>
+                <a:gridCol w="1388975"/>
+                <a:gridCol w="1388975"/>
+              </a:tblGrid>
+              <a:tr h="396200">
+                <a:tc>
+                  <a:txBody>
+                    <a:bodyPr/>
+                    <a:lstStyle/>
+                    <a:p>
+                      <a:pPr indent="0" lvl="0" marL="0" rtl="0" algn="l">
+                        <a:spcBef>
+                          <a:spcPts val="0"/>
+                        </a:spcBef>
+                        <a:spcAft>
+                          <a:spcPts val="0"/>
+                        </a:spcAft>
+                        <a:buNone/>
+                      </a:pPr>
+                      <a:r>
+                        <a:rPr lang="ru"/>
+                        <a:t>Состояние</a:t>
+                      </a:r>
+                      <a:endParaRPr/>
+                    </a:p>
+                  </a:txBody>
+                  <a:tcPr marT="91425" marB="91425" marR="91425" marL="91425"/>
+                </a:tc>
+                <a:tc>
+                  <a:txBody>
+                    <a:bodyPr/>
+                    <a:lstStyle/>
+                    <a:p>
+                      <a:pPr indent="0" lvl="0" marL="0" rtl="0" algn="l">
+                        <a:spcBef>
+                          <a:spcPts val="0"/>
+                        </a:spcBef>
+                        <a:spcAft>
+                          <a:spcPts val="0"/>
+                        </a:spcAft>
+                        <a:buNone/>
+                      </a:pPr>
+                      <a:r>
+                        <a:rPr lang="ru"/>
+                        <a:t>Q1Q0</a:t>
+                      </a:r>
+                      <a:endParaRPr/>
+                    </a:p>
+                  </a:txBody>
+                  <a:tcPr marT="91425" marB="91425" marR="91425" marL="91425"/>
+                </a:tc>
+              </a:tr>
+              <a:tr h="396200">
+                <a:tc>
+                  <a:txBody>
+                    <a:bodyPr/>
+                    <a:lstStyle/>
+                    <a:p>
+                      <a:pPr indent="0" lvl="0" marL="0" rtl="0" algn="l">
+                        <a:spcBef>
+                          <a:spcPts val="0"/>
+                        </a:spcBef>
+                        <a:spcAft>
+                          <a:spcPts val="0"/>
+                        </a:spcAft>
+                        <a:buNone/>
+                      </a:pPr>
+                      <a:r>
+                        <a:rPr lang="ru"/>
+                        <a:t>q0</a:t>
+                      </a:r>
+                      <a:endParaRPr/>
+                    </a:p>
+                  </a:txBody>
+                  <a:tcPr marT="91425" marB="91425" marR="91425" marL="91425"/>
+                </a:tc>
+                <a:tc>
+                  <a:txBody>
+                    <a:bodyPr/>
+                    <a:lstStyle/>
+                    <a:p>
+                      <a:pPr indent="0" lvl="0" marL="0" rtl="0" algn="l">
+                        <a:spcBef>
+                          <a:spcPts val="0"/>
+                        </a:spcBef>
+                        <a:spcAft>
+                          <a:spcPts val="0"/>
+                        </a:spcAft>
+                        <a:buNone/>
+                      </a:pPr>
+                      <a:r>
+                        <a:rPr lang="ru"/>
+                        <a:t>01</a:t>
+                      </a:r>
+                      <a:endParaRPr/>
+                    </a:p>
+                  </a:txBody>
+                  <a:tcPr marT="91425" marB="91425" marR="91425" marL="91425"/>
+                </a:tc>
+              </a:tr>
+              <a:tr h="396200">
+                <a:tc>
+                  <a:txBody>
+                    <a:bodyPr/>
+                    <a:lstStyle/>
+                    <a:p>
+                      <a:pPr indent="0" lvl="0" marL="0" rtl="0" algn="l">
+                        <a:spcBef>
+                          <a:spcPts val="0"/>
+                        </a:spcBef>
+                        <a:spcAft>
+                          <a:spcPts val="0"/>
+                        </a:spcAft>
+                        <a:buNone/>
+                      </a:pPr>
+                      <a:r>
+                        <a:rPr lang="ru"/>
+                        <a:t>q1</a:t>
+                      </a:r>
+                      <a:endParaRPr/>
+                    </a:p>
+                  </a:txBody>
+                  <a:tcPr marT="91425" marB="91425" marR="91425" marL="91425"/>
+                </a:tc>
+                <a:tc>
+                  <a:txBody>
+                    <a:bodyPr/>
+                    <a:lstStyle/>
+                    <a:p>
+                      <a:pPr indent="0" lvl="0" marL="0" rtl="0" algn="l">
+                        <a:spcBef>
+                          <a:spcPts val="0"/>
+                        </a:spcBef>
+                        <a:spcAft>
+                          <a:spcPts val="0"/>
+                        </a:spcAft>
+                        <a:buNone/>
+                      </a:pPr>
+                      <a:r>
+                        <a:rPr lang="ru"/>
+                        <a:t>11</a:t>
+                      </a:r>
+                      <a:endParaRPr/>
+                    </a:p>
+                  </a:txBody>
+                  <a:tcPr marT="91425" marB="91425" marR="91425" marL="91425"/>
+                </a:tc>
+              </a:tr>
+              <a:tr h="396200">
+                <a:tc>
+                  <a:txBody>
+                    <a:bodyPr/>
+                    <a:lstStyle/>
+                    <a:p>
+                      <a:pPr indent="0" lvl="0" marL="0" rtl="0" algn="l">
+                        <a:spcBef>
+                          <a:spcPts val="0"/>
+                        </a:spcBef>
+                        <a:spcAft>
+                          <a:spcPts val="0"/>
+                        </a:spcAft>
+                        <a:buNone/>
+                      </a:pPr>
+                      <a:r>
+                        <a:rPr lang="ru"/>
+                        <a:t>q2</a:t>
+                      </a:r>
+                      <a:endParaRPr/>
+                    </a:p>
+                  </a:txBody>
+                  <a:tcPr marT="91425" marB="91425" marR="91425" marL="91425"/>
+                </a:tc>
+                <a:tc>
+                  <a:txBody>
+                    <a:bodyPr/>
+                    <a:lstStyle/>
+                    <a:p>
+                      <a:pPr indent="0" lvl="0" marL="0" rtl="0" algn="l">
+                        <a:spcBef>
+                          <a:spcPts val="0"/>
+                        </a:spcBef>
+                        <a:spcAft>
+                          <a:spcPts val="0"/>
+                        </a:spcAft>
+                        <a:buNone/>
+                      </a:pPr>
+                      <a:r>
+                        <a:rPr lang="ru"/>
+                        <a:t>10</a:t>
+                      </a:r>
+                      <a:endParaRPr/>
+                    </a:p>
+                  </a:txBody>
+                  <a:tcPr marT="91425" marB="91425" marR="91425" marL="91425"/>
+                </a:tc>
+              </a:tr>
+              <a:tr h="381000">
+                <a:tc>
+                  <a:txBody>
+                    <a:bodyPr/>
+                    <a:lstStyle/>
+                    <a:p>
+                      <a:pPr indent="0" lvl="0" marL="0" rtl="0" algn="l">
+                        <a:spcBef>
+                          <a:spcPts val="0"/>
+                        </a:spcBef>
+                        <a:spcAft>
+                          <a:spcPts val="0"/>
+                        </a:spcAft>
+                        <a:buNone/>
+                      </a:pPr>
+                      <a:r>
+                        <a:rPr lang="ru"/>
+                        <a:t>q3</a:t>
+                      </a:r>
+                      <a:endParaRPr/>
+                    </a:p>
+                  </a:txBody>
+                  <a:tcPr marT="91425" marB="91425" marR="91425" marL="91425"/>
+                </a:tc>
+                <a:tc>
+                  <a:txBody>
+                    <a:bodyPr/>
+                    <a:lstStyle/>
+                    <a:p>
+                      <a:pPr indent="0" lvl="0" marL="0" rtl="0" algn="l">
+                        <a:spcBef>
+                          <a:spcPts val="0"/>
+                        </a:spcBef>
+                        <a:spcAft>
+                          <a:spcPts val="0"/>
+                        </a:spcAft>
+                        <a:buNone/>
+                      </a:pPr>
+                      <a:r>
+                        <a:rPr lang="ru"/>
+                        <a:t>00</a:t>
+                      </a:r>
+                      <a:endParaRPr/>
+                    </a:p>
+                  </a:txBody>
+                  <a:tcPr marT="91425" marB="91425" marR="91425" marL="91425"/>
+                </a:tc>
+              </a:tr>
+            </a:tbl>
+          </a:graphicData>
+        </a:graphic>
+      </p:graphicFrame>
+      <p:graphicFrame>
+        <p:nvGraphicFramePr>
+          <p:cNvPr id="125" name="Google Shape;125;p25"/>
+          <p:cNvGraphicFramePr/>
+          <p:nvPr/>
+        </p:nvGraphicFramePr>
+        <p:xfrm>
+          <a:off x="3081175" y="875320"/>
+          <a:ext cx="3000000" cy="3000000"/>
+        </p:xfrm>
+        <a:graphic>
+          <a:graphicData uri="http://schemas.openxmlformats.org/drawingml/2006/table">
+            <a:tbl>
+              <a:tblPr>
+                <a:noFill/>
+                <a:tableStyleId>{CBD1CAFD-7D8A-4749-9A62-8FEB44896C34}</a:tableStyleId>
+              </a:tblPr>
+              <a:tblGrid>
+                <a:gridCol w="1516275"/>
+                <a:gridCol w="1516275"/>
+              </a:tblGrid>
+              <a:tr h="399800">
+                <a:tc>
+                  <a:txBody>
+                    <a:bodyPr/>
+                    <a:lstStyle/>
+                    <a:p>
+                      <a:pPr indent="0" lvl="0" marL="0" rtl="0" algn="l">
+                        <a:spcBef>
+                          <a:spcPts val="0"/>
+                        </a:spcBef>
+                        <a:spcAft>
+                          <a:spcPts val="0"/>
+                        </a:spcAft>
+                        <a:buNone/>
+                      </a:pPr>
+                      <a:r>
+                        <a:rPr lang="ru"/>
+                        <a:t>Выход</a:t>
+                      </a:r>
+                      <a:endParaRPr/>
+                    </a:p>
+                  </a:txBody>
+                  <a:tcPr marT="91425" marB="91425" marR="91425" marL="91425"/>
+                </a:tc>
+                <a:tc>
+                  <a:txBody>
+                    <a:bodyPr/>
+                    <a:lstStyle/>
+                    <a:p>
+                      <a:pPr indent="0" lvl="0" marL="0" rtl="0" algn="l">
+                        <a:spcBef>
+                          <a:spcPts val="0"/>
+                        </a:spcBef>
+                        <a:spcAft>
+                          <a:spcPts val="0"/>
+                        </a:spcAft>
+                        <a:buNone/>
+                      </a:pPr>
+                      <a:r>
+                        <a:rPr lang="ru"/>
+                        <a:t>y2y1y0</a:t>
+                      </a:r>
+                      <a:endParaRPr/>
+                    </a:p>
+                  </a:txBody>
+                  <a:tcPr marT="91425" marB="91425" marR="91425" marL="91425"/>
+                </a:tc>
+              </a:tr>
+              <a:tr h="399800">
+                <a:tc>
+                  <a:txBody>
+                    <a:bodyPr/>
+                    <a:lstStyle/>
+                    <a:p>
+                      <a:pPr indent="0" lvl="0" marL="0" rtl="0" algn="l">
+                        <a:spcBef>
+                          <a:spcPts val="0"/>
+                        </a:spcBef>
+                        <a:spcAft>
+                          <a:spcPts val="0"/>
+                        </a:spcAft>
+                        <a:buNone/>
+                      </a:pPr>
+                      <a:r>
+                        <a:rPr lang="ru"/>
+                        <a:t>0</a:t>
+                      </a:r>
+                      <a:endParaRPr/>
+                    </a:p>
+                  </a:txBody>
+                  <a:tcPr marT="91425" marB="91425" marR="91425" marL="91425"/>
+                </a:tc>
+                <a:tc>
+                  <a:txBody>
+                    <a:bodyPr/>
+                    <a:lstStyle/>
+                    <a:p>
+                      <a:pPr indent="0" lvl="0" marL="0" rtl="0" algn="l">
+                        <a:spcBef>
+                          <a:spcPts val="0"/>
+                        </a:spcBef>
+                        <a:spcAft>
+                          <a:spcPts val="0"/>
+                        </a:spcAft>
+                        <a:buNone/>
+                      </a:pPr>
+                      <a:r>
+                        <a:rPr lang="ru"/>
+                        <a:t>000</a:t>
+                      </a:r>
+                      <a:endParaRPr/>
+                    </a:p>
+                  </a:txBody>
+                  <a:tcPr marT="91425" marB="91425" marR="91425" marL="91425"/>
+                </a:tc>
+              </a:tr>
+              <a:tr h="399800">
+                <a:tc>
+                  <a:txBody>
+                    <a:bodyPr/>
+                    <a:lstStyle/>
+                    <a:p>
+                      <a:pPr indent="0" lvl="0" marL="0" rtl="0" algn="l">
+                        <a:spcBef>
+                          <a:spcPts val="0"/>
+                        </a:spcBef>
+                        <a:spcAft>
+                          <a:spcPts val="0"/>
+                        </a:spcAft>
+                        <a:buNone/>
+                      </a:pPr>
+                      <a:r>
+                        <a:rPr lang="ru"/>
+                        <a:t>1</a:t>
+                      </a:r>
+                      <a:endParaRPr/>
+                    </a:p>
+                  </a:txBody>
+                  <a:tcPr marT="91425" marB="91425" marR="91425" marL="91425"/>
+                </a:tc>
+                <a:tc>
+                  <a:txBody>
+                    <a:bodyPr/>
+                    <a:lstStyle/>
+                    <a:p>
+                      <a:pPr indent="0" lvl="0" marL="0" rtl="0" algn="l">
+                        <a:spcBef>
+                          <a:spcPts val="0"/>
+                        </a:spcBef>
+                        <a:spcAft>
+                          <a:spcPts val="0"/>
+                        </a:spcAft>
+                        <a:buNone/>
+                      </a:pPr>
+                      <a:r>
+                        <a:rPr lang="ru"/>
+                        <a:t>001</a:t>
+                      </a:r>
+                      <a:endParaRPr/>
+                    </a:p>
+                  </a:txBody>
+                  <a:tcPr marT="91425" marB="91425" marR="91425" marL="91425"/>
+                </a:tc>
+              </a:tr>
+              <a:tr h="399800">
+                <a:tc>
+                  <a:txBody>
+                    <a:bodyPr/>
+                    <a:lstStyle/>
+                    <a:p>
+                      <a:pPr indent="0" lvl="0" marL="0" rtl="0" algn="l">
+                        <a:spcBef>
+                          <a:spcPts val="0"/>
+                        </a:spcBef>
+                        <a:spcAft>
+                          <a:spcPts val="0"/>
+                        </a:spcAft>
+                        <a:buNone/>
+                      </a:pPr>
+                      <a:r>
+                        <a:rPr lang="ru"/>
+                        <a:t>2</a:t>
+                      </a:r>
+                      <a:endParaRPr/>
+                    </a:p>
+                  </a:txBody>
+                  <a:tcPr marT="91425" marB="91425" marR="91425" marL="91425"/>
+                </a:tc>
+                <a:tc>
+                  <a:txBody>
+                    <a:bodyPr/>
+                    <a:lstStyle/>
+                    <a:p>
+                      <a:pPr indent="0" lvl="0" marL="0" rtl="0" algn="l">
+                        <a:spcBef>
+                          <a:spcPts val="0"/>
+                        </a:spcBef>
+                        <a:spcAft>
+                          <a:spcPts val="0"/>
+                        </a:spcAft>
+                        <a:buNone/>
+                      </a:pPr>
+                      <a:r>
+                        <a:rPr lang="ru"/>
+                        <a:t>010</a:t>
+                      </a:r>
+                      <a:endParaRPr/>
+                    </a:p>
+                  </a:txBody>
+                  <a:tcPr marT="91425" marB="91425" marR="91425" marL="91425"/>
+                </a:tc>
+              </a:tr>
+              <a:tr h="381850">
+                <a:tc>
+                  <a:txBody>
+                    <a:bodyPr/>
+                    <a:lstStyle/>
+                    <a:p>
+                      <a:pPr indent="0" lvl="0" marL="0" rtl="0" algn="l">
+                        <a:spcBef>
+                          <a:spcPts val="0"/>
+                        </a:spcBef>
+                        <a:spcAft>
+                          <a:spcPts val="0"/>
+                        </a:spcAft>
+                        <a:buNone/>
+                      </a:pPr>
+                      <a:r>
+                        <a:rPr lang="ru"/>
+                        <a:t>3</a:t>
+                      </a:r>
+                      <a:endParaRPr/>
+                    </a:p>
+                  </a:txBody>
+                  <a:tcPr marT="91425" marB="91425" marR="91425" marL="91425"/>
+                </a:tc>
+                <a:tc>
+                  <a:txBody>
+                    <a:bodyPr/>
+                    <a:lstStyle/>
+                    <a:p>
+                      <a:pPr indent="0" lvl="0" marL="0" rtl="0" algn="l">
+                        <a:spcBef>
+                          <a:spcPts val="0"/>
+                        </a:spcBef>
+                        <a:spcAft>
+                          <a:spcPts val="0"/>
+                        </a:spcAft>
+                        <a:buNone/>
+                      </a:pPr>
+                      <a:r>
+                        <a:rPr lang="ru"/>
+                        <a:t>011</a:t>
+                      </a:r>
+                      <a:endParaRPr/>
+                    </a:p>
+                  </a:txBody>
+                  <a:tcPr marT="91425" marB="91425" marR="91425" marL="91425"/>
+                </a:tc>
+              </a:tr>
+              <a:tr h="381850">
+                <a:tc>
+                  <a:txBody>
+                    <a:bodyPr/>
+                    <a:lstStyle/>
+                    <a:p>
+                      <a:pPr indent="0" lvl="0" marL="0" rtl="0" algn="l">
+                        <a:spcBef>
+                          <a:spcPts val="0"/>
+                        </a:spcBef>
+                        <a:spcAft>
+                          <a:spcPts val="0"/>
+                        </a:spcAft>
+                        <a:buNone/>
+                      </a:pPr>
+                      <a:r>
+                        <a:rPr lang="ru"/>
+                        <a:t>i</a:t>
+                      </a:r>
+                      <a:endParaRPr/>
+                    </a:p>
+                  </a:txBody>
+                  <a:tcPr marT="91425" marB="91425" marR="91425" marL="91425"/>
+                </a:tc>
+                <a:tc>
+                  <a:txBody>
+                    <a:bodyPr/>
+                    <a:lstStyle/>
+                    <a:p>
+                      <a:pPr indent="0" lvl="0" marL="0" rtl="0" algn="l">
+                        <a:spcBef>
+                          <a:spcPts val="0"/>
+                        </a:spcBef>
+                        <a:spcAft>
+                          <a:spcPts val="0"/>
+                        </a:spcAft>
+                        <a:buNone/>
+                      </a:pPr>
+                      <a:r>
+                        <a:rPr lang="ru"/>
+                        <a:t>100</a:t>
+                      </a:r>
+                      <a:endParaRPr/>
+                    </a:p>
+                  </a:txBody>
+                  <a:tcPr marT="91425" marB="91425" marR="91425" marL="91425"/>
+                </a:tc>
+              </a:tr>
+            </a:tbl>
+          </a:graphicData>
+        </a:graphic>
+      </p:graphicFrame>
+    </p:spTree>
+  </p:cSld>
+  <p:clrMapOvr>
+    <a:masterClrMapping/>
+  </p:clrMapOvr>
+</p:sld>
+</file>
+
+<file path=ppt/slides/slide14.xml><?xml version="1.0" encoding="utf-8"?>
+<p:sld xmlns:a="http://schemas.openxmlformats.org/drawingml/2006/main" xmlns:r="http://schemas.openxmlformats.org/officeDocument/2006/relationships" xmlns:mc="http://schemas.openxmlformats.org/markup-compatibility/2006" xmlns:mv="urn:schemas-microsoft-com:mac:vml" xmlns:p="http://schemas.openxmlformats.org/presentationml/2006/main" xmlns:c="http://schemas.openxmlformats.org/drawingml/2006/chart" xmlns:dgm="http://schemas.openxmlformats.org/drawingml/2006/diagram" xmlns:o="urn:schemas-microsoft-com:office:office" xmlns:v="urn:schemas-microsoft-com:vml" xmlns:pvml="urn:schemas-microsoft-com:office:powerpoint" xmlns:com="http://schemas.openxmlformats.org/drawingml/2006/compatibility" xmlns:p14="http://schemas.microsoft.com/office/powerpoint/2010/main" xmlns:p15="http://schemas.microsoft.com/office/powerpoint/2012/main">
+  <p:cSld>
+    <p:spTree>
+      <p:nvGrpSpPr>
+        <p:cNvPr id="129" name="Shape 129"/>
+        <p:cNvGrpSpPr/>
+        <p:nvPr/>
+      </p:nvGrpSpPr>
+      <p:grpSpPr>
+        <a:xfrm>
+          <a:off x="0" y="0"/>
+          <a:ext cx="0" cy="0"/>
+          <a:chOff x="0" y="0"/>
+          <a:chExt cx="0" cy="0"/>
+        </a:xfrm>
+      </p:grpSpPr>
+      <p:pic>
+        <p:nvPicPr>
+          <p:cNvPr id="130" name="Google Shape;130;p26"/>
+          <p:cNvPicPr preferRelativeResize="0"/>
+          <p:nvPr/>
+        </p:nvPicPr>
+        <p:blipFill>
+          <a:blip r:embed="rId3">
+            <a:alphaModFix/>
+          </a:blip>
+          <a:stretch>
+            <a:fillRect/>
+          </a:stretch>
+        </p:blipFill>
+        <p:spPr>
+          <a:xfrm>
+            <a:off x="1916538" y="152400"/>
+            <a:ext cx="5310934" cy="4838699"/>
+          </a:xfrm>
+          <a:prstGeom prst="rect">
+            <a:avLst/>
+          </a:prstGeom>
+          <a:noFill/>
+          <a:ln>
+            <a:noFill/>
+          </a:ln>
+        </p:spPr>
+      </p:pic>
+      <p:sp>
+        <p:nvSpPr>
+          <p:cNvPr id="131" name="Google Shape;131;p26"/>
+          <p:cNvSpPr txBox="1"/>
+          <p:nvPr/>
+        </p:nvSpPr>
+        <p:spPr>
+          <a:xfrm>
+            <a:off x="7404600" y="4002775"/>
+            <a:ext cx="1544100" cy="684300"/>
+          </a:xfrm>
+          <a:prstGeom prst="rect">
+            <a:avLst/>
+          </a:prstGeom>
+          <a:noFill/>
+          <a:ln>
+            <a:noFill/>
+          </a:ln>
+        </p:spPr>
+        <p:txBody>
+          <a:bodyPr anchorCtr="0" anchor="t" bIns="91425" lIns="91425" spcFirstLastPara="1" rIns="91425" wrap="square" tIns="91425">
+            <a:noAutofit/>
+          </a:bodyPr>
+          <a:lstStyle/>
+          <a:p>
+            <a:pPr indent="0" lvl="0" marL="0" rtl="0" algn="l">
+              <a:spcBef>
+                <a:spcPts val="0"/>
+              </a:spcBef>
+              <a:spcAft>
+                <a:spcPts val="0"/>
+              </a:spcAft>
+              <a:buNone/>
+            </a:pPr>
+            <a:r>
+              <a:rPr i="1" lang="ru"/>
+              <a:t>Таблица переходов и выходов</a:t>
+            </a:r>
+            <a:endParaRPr i="1"/>
+          </a:p>
+        </p:txBody>
+      </p:sp>
+    </p:spTree>
+  </p:cSld>
+  <p:clrMapOvr>
+    <a:masterClrMapping/>
+  </p:clrMapOvr>
+</p:sld>
+</file>
+
+<file path=ppt/slides/slide15.xml><?xml version="1.0" encoding="utf-8"?>
+<p:sld xmlns:a="http://schemas.openxmlformats.org/drawingml/2006/main" xmlns:r="http://schemas.openxmlformats.org/officeDocument/2006/relationships" xmlns:mc="http://schemas.openxmlformats.org/markup-compatibility/2006" xmlns:mv="urn:schemas-microsoft-com:mac:vml" xmlns:p="http://schemas.openxmlformats.org/presentationml/2006/main" xmlns:c="http://schemas.openxmlformats.org/drawingml/2006/chart" xmlns:dgm="http://schemas.openxmlformats.org/drawingml/2006/diagram" xmlns:o="urn:schemas-microsoft-com:office:office" xmlns:v="urn:schemas-microsoft-com:vml" xmlns:pvml="urn:schemas-microsoft-com:office:powerpoint" xmlns:com="http://schemas.openxmlformats.org/drawingml/2006/compatibility" xmlns:p14="http://schemas.microsoft.com/office/powerpoint/2010/main" xmlns:p15="http://schemas.microsoft.com/office/powerpoint/2012/main">
+  <p:cSld>
+    <p:spTree>
+      <p:nvGrpSpPr>
+        <p:cNvPr id="135" name="Shape 135"/>
+        <p:cNvGrpSpPr/>
+        <p:nvPr/>
+      </p:nvGrpSpPr>
+      <p:grpSpPr>
+        <a:xfrm>
+          <a:off x="0" y="0"/>
+          <a:ext cx="0" cy="0"/>
+          <a:chOff x="0" y="0"/>
+          <a:chExt cx="0" cy="0"/>
+        </a:xfrm>
+      </p:grpSpPr>
+      <p:pic>
+        <p:nvPicPr>
+          <p:cNvPr id="136" name="Google Shape;136;p27"/>
+          <p:cNvPicPr preferRelativeResize="0"/>
+          <p:nvPr/>
+        </p:nvPicPr>
+        <p:blipFill>
+          <a:blip r:embed="rId3">
+            <a:alphaModFix/>
+          </a:blip>
+          <a:stretch>
+            <a:fillRect/>
+          </a:stretch>
+        </p:blipFill>
+        <p:spPr>
+          <a:xfrm>
+            <a:off x="152400" y="152400"/>
+            <a:ext cx="8839202" cy="4785899"/>
+          </a:xfrm>
+          <a:prstGeom prst="rect">
+            <a:avLst/>
+          </a:prstGeom>
+          <a:noFill/>
+          <a:ln>
+            <a:noFill/>
+          </a:ln>
+        </p:spPr>
+      </p:pic>
+    </p:spTree>
+  </p:cSld>
+  <p:clrMapOvr>
+    <a:masterClrMapping/>
+  </p:clrMapOvr>
+</p:sld>
+</file>
+
+<file path=ppt/slides/slide16.xml><?xml version="1.0" encoding="utf-8"?>
+<p:sld xmlns:a="http://schemas.openxmlformats.org/drawingml/2006/main" xmlns:r="http://schemas.openxmlformats.org/officeDocument/2006/relationships" xmlns:mc="http://schemas.openxmlformats.org/markup-compatibility/2006" xmlns:mv="urn:schemas-microsoft-com:mac:vml" xmlns:p="http://schemas.openxmlformats.org/presentationml/2006/main" xmlns:c="http://schemas.openxmlformats.org/drawingml/2006/chart" xmlns:dgm="http://schemas.openxmlformats.org/drawingml/2006/diagram" xmlns:o="urn:schemas-microsoft-com:office:office" xmlns:v="urn:schemas-microsoft-com:vml" xmlns:pvml="urn:schemas-microsoft-com:office:powerpoint" xmlns:com="http://schemas.openxmlformats.org/drawingml/2006/compatibility" xmlns:p14="http://schemas.microsoft.com/office/powerpoint/2010/main" xmlns:p15="http://schemas.microsoft.com/office/powerpoint/2012/main">
+  <p:cSld>
+    <p:spTree>
+      <p:nvGrpSpPr>
+        <p:cNvPr id="140" name="Shape 140"/>
+        <p:cNvGrpSpPr/>
+        <p:nvPr/>
+      </p:nvGrpSpPr>
+      <p:grpSpPr>
+        <a:xfrm>
+          <a:off x="0" y="0"/>
+          <a:ext cx="0" cy="0"/>
+          <a:chOff x="0" y="0"/>
+          <a:chExt cx="0" cy="0"/>
+        </a:xfrm>
+      </p:grpSpPr>
+      <p:pic>
+        <p:nvPicPr>
+          <p:cNvPr id="141" name="Google Shape;141;p28"/>
+          <p:cNvPicPr preferRelativeResize="0"/>
+          <p:nvPr/>
+        </p:nvPicPr>
+        <p:blipFill>
+          <a:blip r:embed="rId3">
+            <a:alphaModFix/>
+          </a:blip>
+          <a:stretch>
+            <a:fillRect/>
+          </a:stretch>
+        </p:blipFill>
+        <p:spPr>
+          <a:xfrm>
+            <a:off x="1936513" y="111650"/>
+            <a:ext cx="5270976" cy="4838700"/>
+          </a:xfrm>
+          <a:prstGeom prst="rect">
+            <a:avLst/>
+          </a:prstGeom>
+          <a:noFill/>
+          <a:ln>
+            <a:noFill/>
+          </a:ln>
+        </p:spPr>
+      </p:pic>
+    </p:spTree>
+  </p:cSld>
+  <p:clrMapOvr>
+    <a:masterClrMapping/>
+  </p:clrMapOvr>
+</p:sld>
+</file>
+
+<file path=ppt/slides/slide17.xml><?xml version="1.0" encoding="utf-8"?>
+<p:sld xmlns:a="http://schemas.openxmlformats.org/drawingml/2006/main" xmlns:r="http://schemas.openxmlformats.org/officeDocument/2006/relationships" xmlns:mc="http://schemas.openxmlformats.org/markup-compatibility/2006" xmlns:mv="urn:schemas-microsoft-com:mac:vml" xmlns:p="http://schemas.openxmlformats.org/presentationml/2006/main" xmlns:c="http://schemas.openxmlformats.org/drawingml/2006/chart" xmlns:dgm="http://schemas.openxmlformats.org/drawingml/2006/diagram" xmlns:o="urn:schemas-microsoft-com:office:office" xmlns:v="urn:schemas-microsoft-com:vml" xmlns:pvml="urn:schemas-microsoft-com:office:powerpoint" xmlns:com="http://schemas.openxmlformats.org/drawingml/2006/compatibility" xmlns:p14="http://schemas.microsoft.com/office/powerpoint/2010/main" xmlns:p15="http://schemas.microsoft.com/office/powerpoint/2012/main">
+  <p:cSld>
+    <p:spTree>
+      <p:nvGrpSpPr>
+        <p:cNvPr id="145" name="Shape 145"/>
+        <p:cNvGrpSpPr/>
+        <p:nvPr/>
+      </p:nvGrpSpPr>
+      <p:grpSpPr>
+        <a:xfrm>
+          <a:off x="0" y="0"/>
+          <a:ext cx="0" cy="0"/>
+          <a:chOff x="0" y="0"/>
+          <a:chExt cx="0" cy="0"/>
+        </a:xfrm>
+      </p:grpSpPr>
+      <p:pic>
+        <p:nvPicPr>
+          <p:cNvPr id="146" name="Google Shape;146;p29"/>
+          <p:cNvPicPr preferRelativeResize="0"/>
+          <p:nvPr/>
+        </p:nvPicPr>
+        <p:blipFill>
+          <a:blip r:embed="rId3">
+            <a:alphaModFix/>
+          </a:blip>
+          <a:stretch>
+            <a:fillRect/>
+          </a:stretch>
+        </p:blipFill>
+        <p:spPr>
+          <a:xfrm>
+            <a:off x="985838" y="152400"/>
+            <a:ext cx="7172325" cy="2124075"/>
+          </a:xfrm>
+          <a:prstGeom prst="rect">
+            <a:avLst/>
+          </a:prstGeom>
+          <a:noFill/>
+          <a:ln>
+            <a:noFill/>
+          </a:ln>
+        </p:spPr>
+      </p:pic>
+    </p:spTree>
+  </p:cSld>
+  <p:clrMapOvr>
+    <a:masterClrMapping/>
+  </p:clrMapOvr>
+</p:sld>
+</file>
+
+<file path=ppt/slides/slide2.xml><?xml version="1.0" encoding="utf-8"?>
+<p:sld xmlns:a="http://schemas.openxmlformats.org/drawingml/2006/main" xmlns:r="http://schemas.openxmlformats.org/officeDocument/2006/relationships" xmlns:mc="http://schemas.openxmlformats.org/markup-compatibility/2006" xmlns:mv="urn:schemas-microsoft-com:mac:vml" xmlns:p="http://schemas.openxmlformats.org/presentationml/2006/main" xmlns:c="http://schemas.openxmlformats.org/drawingml/2006/chart" xmlns:dgm="http://schemas.openxmlformats.org/drawingml/2006/diagram" xmlns:o="urn:schemas-microsoft-com:office:office" xmlns:v="urn:schemas-microsoft-com:vml" xmlns:pvml="urn:schemas-microsoft-com:office:powerpoint" xmlns:com="http://schemas.openxmlformats.org/drawingml/2006/compatibility" xmlns:p14="http://schemas.microsoft.com/office/powerpoint/2010/main" xmlns:p15="http://schemas.microsoft.com/office/powerpoint/2012/main">
+  <p:cSld>
+    <p:spTree>
+      <p:nvGrpSpPr>
+        <p:cNvPr id="59" name="Shape 59"/>
+        <p:cNvGrpSpPr/>
+        <p:nvPr/>
+      </p:nvGrpSpPr>
+      <p:grpSpPr>
+        <a:xfrm>
+          <a:off x="0" y="0"/>
+          <a:ext cx="0" cy="0"/>
+          <a:chOff x="0" y="0"/>
+          <a:chExt cx="0" cy="0"/>
+        </a:xfrm>
+      </p:grpSpPr>
+      <p:sp>
+        <p:nvSpPr>
+          <p:cNvPr id="60" name="Google Shape;60;p14"/>
+          <p:cNvSpPr txBox="1"/>
+          <p:nvPr>
+            <p:ph type="title"/>
+          </p:nvPr>
+        </p:nvSpPr>
+        <p:spPr>
+          <a:xfrm>
+            <a:off x="311700" y="445025"/>
+            <a:ext cx="8520600" cy="572700"/>
+          </a:xfrm>
+          <a:prstGeom prst="rect">
+            <a:avLst/>
+          </a:prstGeom>
+        </p:spPr>
+        <p:txBody>
+          <a:bodyPr anchorCtr="0" anchor="t" bIns="91425" lIns="91425" spcFirstLastPara="1" rIns="91425" wrap="square" tIns="91425">
+            <a:noAutofit/>
+          </a:bodyPr>
+          <a:lstStyle/>
+          <a:p>
+            <a:pPr indent="0" lvl="0" marL="0" rtl="0" algn="l">
+              <a:spcBef>
+                <a:spcPts val="0"/>
+              </a:spcBef>
+              <a:spcAft>
+                <a:spcPts val="0"/>
+              </a:spcAft>
+              <a:buNone/>
+            </a:pPr>
+            <a:r>
+              <a:rPr lang="ru"/>
+              <a:t>Задача</a:t>
+            </a:r>
+            <a:endParaRPr/>
+          </a:p>
+        </p:txBody>
+      </p:sp>
+      <p:sp>
+        <p:nvSpPr>
+          <p:cNvPr id="61" name="Google Shape;61;p14"/>
+          <p:cNvSpPr txBox="1"/>
+          <p:nvPr>
+            <p:ph idx="1" type="body"/>
+          </p:nvPr>
+        </p:nvSpPr>
+        <p:spPr>
+          <a:xfrm>
+            <a:off x="311700" y="1152475"/>
+            <a:ext cx="8520600" cy="3416400"/>
+          </a:xfrm>
+          <a:prstGeom prst="rect">
+            <a:avLst/>
+          </a:prstGeom>
+        </p:spPr>
+        <p:txBody>
+          <a:bodyPr anchorCtr="0" anchor="t" bIns="91425" lIns="91425" spcFirstLastPara="1" rIns="91425" wrap="square" tIns="91425">
+            <a:noAutofit/>
+          </a:bodyPr>
+          <a:lstStyle/>
+          <a:p>
+            <a:pPr indent="0" lvl="0" marL="0" rtl="0" algn="l">
+              <a:spcBef>
+                <a:spcPts val="0"/>
+              </a:spcBef>
+              <a:spcAft>
+                <a:spcPts val="0"/>
+              </a:spcAft>
+              <a:buClr>
+                <a:schemeClr val="dk1"/>
+              </a:buClr>
+              <a:buSzPts val="1100"/>
+              <a:buFont typeface="Arial"/>
+              <a:buNone/>
+            </a:pPr>
+            <a:r>
+              <a:rPr lang="ru"/>
+              <a:t>Синтез логического устройства, которое получает показания от трёх датчиков (терморезисторов) и определяет степень нагрева/перегрева процессора на основе этих данных. Автомат должен реагировать на трёхзначное число (последовательность из трёх цифр) в четверичной системе счисления и вы­водить наибольшую цифру.</a:t>
+            </a:r>
+            <a:endParaRPr/>
+          </a:p>
+          <a:p>
+            <a:pPr indent="0" lvl="0" marL="0" rtl="0" algn="l">
+              <a:spcBef>
+                <a:spcPts val="1600"/>
+              </a:spcBef>
+              <a:spcAft>
+                <a:spcPts val="1600"/>
+              </a:spcAft>
+              <a:buNone/>
+            </a:pPr>
+            <a:r>
               <a:t/>
             </a:r>
             <a:endParaRPr/>
           </a:p>
         </p:txBody>
       </p:sp>
+    </p:spTree>
+  </p:cSld>
+  <p:clrMapOvr>
+    <a:masterClrMapping/>
+  </p:clrMapOvr>
+</p:sld>
+</file>
+
+<file path=ppt/slides/slide3.xml><?xml version="1.0" encoding="utf-8"?>
+<p:sld xmlns:a="http://schemas.openxmlformats.org/drawingml/2006/main" xmlns:r="http://schemas.openxmlformats.org/officeDocument/2006/relationships" xmlns:mc="http://schemas.openxmlformats.org/markup-compatibility/2006" xmlns:mv="urn:schemas-microsoft-com:mac:vml" xmlns:p="http://schemas.openxmlformats.org/presentationml/2006/main" xmlns:c="http://schemas.openxmlformats.org/drawingml/2006/chart" xmlns:dgm="http://schemas.openxmlformats.org/drawingml/2006/diagram" xmlns:o="urn:schemas-microsoft-com:office:office" xmlns:v="urn:schemas-microsoft-com:vml" xmlns:pvml="urn:schemas-microsoft-com:office:powerpoint" xmlns:com="http://schemas.openxmlformats.org/drawingml/2006/compatibility" xmlns:p14="http://schemas.microsoft.com/office/powerpoint/2010/main" xmlns:p15="http://schemas.microsoft.com/office/powerpoint/2012/main">
+  <p:cSld>
+    <p:spTree>
+      <p:nvGrpSpPr>
+        <p:cNvPr id="65" name="Shape 65"/>
+        <p:cNvGrpSpPr/>
+        <p:nvPr/>
+      </p:nvGrpSpPr>
+      <p:grpSpPr>
+        <a:xfrm>
+          <a:off x="0" y="0"/>
+          <a:ext cx="0" cy="0"/>
+          <a:chOff x="0" y="0"/>
+          <a:chExt cx="0" cy="0"/>
+        </a:xfrm>
+      </p:grpSpPr>
+      <p:sp>
+        <p:nvSpPr>
+          <p:cNvPr id="66" name="Google Shape;66;p15"/>
+          <p:cNvSpPr txBox="1"/>
+          <p:nvPr>
+            <p:ph type="title"/>
+          </p:nvPr>
+        </p:nvSpPr>
+        <p:spPr>
+          <a:xfrm>
+            <a:off x="311700" y="445025"/>
+            <a:ext cx="8520600" cy="572700"/>
+          </a:xfrm>
+          <a:prstGeom prst="rect">
+            <a:avLst/>
+          </a:prstGeom>
+        </p:spPr>
+        <p:txBody>
+          <a:bodyPr anchorCtr="0" anchor="t" bIns="91425" lIns="91425" spcFirstLastPara="1" rIns="91425" wrap="square" tIns="91425">
+            <a:noAutofit/>
+          </a:bodyPr>
+          <a:lstStyle/>
+          <a:p>
+            <a:pPr indent="0" lvl="0" marL="0" rtl="0" algn="l">
+              <a:spcBef>
+                <a:spcPts val="0"/>
+              </a:spcBef>
+              <a:spcAft>
+                <a:spcPts val="0"/>
+              </a:spcAft>
+              <a:buNone/>
+            </a:pPr>
+            <a:r>
+              <a:rPr lang="ru"/>
+              <a:t>Требования</a:t>
+            </a:r>
+            <a:endParaRPr/>
+          </a:p>
+        </p:txBody>
+      </p:sp>
+      <p:sp>
+        <p:nvSpPr>
+          <p:cNvPr id="67" name="Google Shape;67;p15"/>
+          <p:cNvSpPr txBox="1"/>
+          <p:nvPr>
+            <p:ph idx="1" type="body"/>
+          </p:nvPr>
+        </p:nvSpPr>
+        <p:spPr>
+          <a:xfrm>
+            <a:off x="311700" y="1152475"/>
+            <a:ext cx="8520600" cy="3416400"/>
+          </a:xfrm>
+          <a:prstGeom prst="rect">
+            <a:avLst/>
+          </a:prstGeom>
+        </p:spPr>
+        <p:txBody>
+          <a:bodyPr anchorCtr="0" anchor="t" bIns="91425" lIns="91425" spcFirstLastPara="1" rIns="91425" wrap="square" tIns="91425">
+            <a:noAutofit/>
+          </a:bodyPr>
+          <a:lstStyle/>
+          <a:p>
+            <a:pPr indent="0" lvl="0" marL="0" rtl="0" algn="l">
+              <a:spcBef>
+                <a:spcPts val="0"/>
+              </a:spcBef>
+              <a:spcAft>
+                <a:spcPts val="0"/>
+              </a:spcAft>
+              <a:buNone/>
+            </a:pPr>
+            <a:r>
+              <a:rPr lang="ru"/>
+              <a:t>1. Автомат реагирует на трёхзначное число в четырехзначной системе счис­ления.</a:t>
+            </a:r>
+            <a:endParaRPr/>
+          </a:p>
+          <a:p>
+            <a:pPr indent="0" lvl="0" marL="0" rtl="0" algn="l">
+              <a:spcBef>
+                <a:spcPts val="1600"/>
+              </a:spcBef>
+              <a:spcAft>
+                <a:spcPts val="0"/>
+              </a:spcAft>
+              <a:buNone/>
+            </a:pPr>
+            <a:r>
+              <a:rPr lang="ru"/>
+              <a:t>2. В контексте задачи </a:t>
+            </a:r>
+            <a:r>
+              <a:rPr lang="ru"/>
+              <a:t>трехзначным</a:t>
+            </a:r>
+            <a:r>
+              <a:rPr lang="ru"/>
+              <a:t> числом считается также двузначное число с ведущем нулём.</a:t>
+            </a:r>
+            <a:endParaRPr/>
+          </a:p>
+          <a:p>
+            <a:pPr indent="0" lvl="0" marL="0" rtl="0" algn="l">
+              <a:spcBef>
+                <a:spcPts val="1600"/>
+              </a:spcBef>
+              <a:spcAft>
+                <a:spcPts val="0"/>
+              </a:spcAft>
+              <a:buNone/>
+            </a:pPr>
+            <a:r>
+              <a:rPr lang="ru"/>
+              <a:t>3. Вывод происходит на каждом шаге автомата.</a:t>
+            </a:r>
+            <a:endParaRPr/>
+          </a:p>
+          <a:p>
+            <a:pPr indent="0" lvl="0" marL="0" rtl="0" algn="l">
+              <a:spcBef>
+                <a:spcPts val="1600"/>
+              </a:spcBef>
+              <a:spcAft>
+                <a:spcPts val="0"/>
+              </a:spcAft>
+              <a:buClr>
+                <a:schemeClr val="dk1"/>
+              </a:buClr>
+              <a:buSzPts val="1100"/>
+              <a:buFont typeface="Arial"/>
+              <a:buNone/>
+            </a:pPr>
+            <a:r>
+              <a:rPr lang="ru"/>
+              <a:t>4. Автомат выводит наибольшую цифру только после ввода всего числа, в остальных случаях автомат выводит значение “incomplete”</a:t>
+            </a:r>
+            <a:endParaRPr/>
+          </a:p>
+          <a:p>
+            <a:pPr indent="0" lvl="0" marL="0" rtl="0" algn="l">
+              <a:spcBef>
+                <a:spcPts val="1600"/>
+              </a:spcBef>
+              <a:spcAft>
+                <a:spcPts val="1600"/>
+              </a:spcAft>
+              <a:buNone/>
+            </a:pPr>
+            <a:r>
+              <a:t/>
+            </a:r>
+            <a:endParaRPr/>
+          </a:p>
+        </p:txBody>
+      </p:sp>
+    </p:spTree>
+  </p:cSld>
+  <p:clrMapOvr>
+    <a:masterClrMapping/>
+  </p:clrMapOvr>
+</p:sld>
+</file>
+
+<file path=ppt/slides/slide4.xml><?xml version="1.0" encoding="utf-8"?>
+<p:sld xmlns:a="http://schemas.openxmlformats.org/drawingml/2006/main" xmlns:r="http://schemas.openxmlformats.org/officeDocument/2006/relationships" xmlns:mc="http://schemas.openxmlformats.org/markup-compatibility/2006" xmlns:mv="urn:schemas-microsoft-com:mac:vml" xmlns:p="http://schemas.openxmlformats.org/presentationml/2006/main" xmlns:c="http://schemas.openxmlformats.org/drawingml/2006/chart" xmlns:dgm="http://schemas.openxmlformats.org/drawingml/2006/diagram" xmlns:o="urn:schemas-microsoft-com:office:office" xmlns:v="urn:schemas-microsoft-com:vml" xmlns:pvml="urn:schemas-microsoft-com:office:powerpoint" xmlns:com="http://schemas.openxmlformats.org/drawingml/2006/compatibility" xmlns:p14="http://schemas.microsoft.com/office/powerpoint/2010/main" xmlns:p15="http://schemas.microsoft.com/office/powerpoint/2012/main">
+  <p:cSld>
+    <p:spTree>
+      <p:nvGrpSpPr>
+        <p:cNvPr id="71" name="Shape 71"/>
+        <p:cNvGrpSpPr/>
+        <p:nvPr/>
+      </p:nvGrpSpPr>
+      <p:grpSpPr>
+        <a:xfrm>
+          <a:off x="0" y="0"/>
+          <a:ext cx="0" cy="0"/>
+          <a:chOff x="0" y="0"/>
+          <a:chExt cx="0" cy="0"/>
+        </a:xfrm>
+      </p:grpSpPr>
+      <p:sp>
+        <p:nvSpPr>
+          <p:cNvPr id="72" name="Google Shape;72;p16"/>
+          <p:cNvSpPr txBox="1"/>
+          <p:nvPr>
+            <p:ph type="title"/>
+          </p:nvPr>
+        </p:nvSpPr>
+        <p:spPr>
+          <a:xfrm>
+            <a:off x="311700" y="445025"/>
+            <a:ext cx="8520600" cy="572700"/>
+          </a:xfrm>
+          <a:prstGeom prst="rect">
+            <a:avLst/>
+          </a:prstGeom>
+        </p:spPr>
+        <p:txBody>
+          <a:bodyPr anchorCtr="0" anchor="t" bIns="91425" lIns="91425" spcFirstLastPara="1" rIns="91425" wrap="square" tIns="91425">
+            <a:noAutofit/>
+          </a:bodyPr>
+          <a:lstStyle/>
+          <a:p>
+            <a:pPr indent="0" lvl="0" marL="0" rtl="0" algn="l">
+              <a:spcBef>
+                <a:spcPts val="0"/>
+              </a:spcBef>
+              <a:spcAft>
+                <a:spcPts val="0"/>
+              </a:spcAft>
+              <a:buNone/>
+            </a:pPr>
+            <a:r>
+              <a:rPr lang="ru"/>
+              <a:t>Ресурсы</a:t>
+            </a:r>
+            <a:endParaRPr/>
+          </a:p>
+        </p:txBody>
+      </p:sp>
+      <p:sp>
+        <p:nvSpPr>
+          <p:cNvPr id="73" name="Google Shape;73;p16"/>
+          <p:cNvSpPr txBox="1"/>
+          <p:nvPr>
+            <p:ph idx="1" type="body"/>
+          </p:nvPr>
+        </p:nvSpPr>
+        <p:spPr>
+          <a:xfrm>
+            <a:off x="311700" y="1152475"/>
+            <a:ext cx="8520600" cy="3416400"/>
+          </a:xfrm>
+          <a:prstGeom prst="rect">
+            <a:avLst/>
+          </a:prstGeom>
+        </p:spPr>
+        <p:txBody>
+          <a:bodyPr anchorCtr="0" anchor="t" bIns="91425" lIns="91425" spcFirstLastPara="1" rIns="91425" wrap="square" tIns="91425">
+            <a:noAutofit/>
+          </a:bodyPr>
+          <a:lstStyle/>
+          <a:p>
+            <a:pPr indent="0" lvl="0" marL="0" rtl="0" algn="l">
+              <a:spcBef>
+                <a:spcPts val="0"/>
+              </a:spcBef>
+              <a:spcAft>
+                <a:spcPts val="0"/>
+              </a:spcAft>
+              <a:buClr>
+                <a:schemeClr val="dk1"/>
+              </a:buClr>
+              <a:buSzPts val="1100"/>
+              <a:buFont typeface="Arial"/>
+              <a:buNone/>
+            </a:pPr>
+            <a:r>
+              <a:rPr lang="ru"/>
+              <a:t>• LaTeX (язык разметки для вёрстки документов)</a:t>
+            </a:r>
+            <a:endParaRPr/>
+          </a:p>
+          <a:p>
+            <a:pPr indent="0" lvl="0" marL="0" rtl="0" algn="l">
+              <a:spcBef>
+                <a:spcPts val="1600"/>
+              </a:spcBef>
+              <a:spcAft>
+                <a:spcPts val="0"/>
+              </a:spcAft>
+              <a:buClr>
+                <a:schemeClr val="dk1"/>
+              </a:buClr>
+              <a:buSzPts val="1100"/>
+              <a:buFont typeface="Arial"/>
+              <a:buNone/>
+            </a:pPr>
+            <a:r>
+              <a:rPr lang="ru"/>
+              <a:t>• Google Slides (сервис для составления презентации)</a:t>
+            </a:r>
+            <a:endParaRPr/>
+          </a:p>
+          <a:p>
+            <a:pPr indent="0" lvl="0" marL="0" rtl="0" algn="l">
+              <a:spcBef>
+                <a:spcPts val="1600"/>
+              </a:spcBef>
+              <a:spcAft>
+                <a:spcPts val="0"/>
+              </a:spcAft>
+              <a:buClr>
+                <a:schemeClr val="dk1"/>
+              </a:buClr>
+              <a:buSzPts val="1100"/>
+              <a:buFont typeface="Arial"/>
+              <a:buNone/>
+            </a:pPr>
+            <a:r>
+              <a:rPr lang="ru"/>
+              <a:t>• draw.io (сервис для рисования блок­схем)</a:t>
+            </a:r>
+            <a:endParaRPr/>
+          </a:p>
+          <a:p>
+            <a:pPr indent="0" lvl="0" marL="0" rtl="0" algn="l">
+              <a:spcBef>
+                <a:spcPts val="1600"/>
+              </a:spcBef>
+              <a:spcAft>
+                <a:spcPts val="0"/>
+              </a:spcAft>
+              <a:buClr>
+                <a:schemeClr val="dk1"/>
+              </a:buClr>
+              <a:buSzPts val="1100"/>
+              <a:buFont typeface="Arial"/>
+              <a:buNone/>
+            </a:pPr>
+            <a:r>
+              <a:rPr lang="ru"/>
+              <a:t>• C++ (язык программирования)</a:t>
+            </a:r>
+            <a:endParaRPr/>
+          </a:p>
+          <a:p>
+            <a:pPr indent="0" lvl="0" marL="0" rtl="0" algn="l">
+              <a:spcBef>
+                <a:spcPts val="1600"/>
+              </a:spcBef>
+              <a:spcAft>
+                <a:spcPts val="0"/>
+              </a:spcAft>
+              <a:buClr>
+                <a:schemeClr val="dk1"/>
+              </a:buClr>
+              <a:buSzPts val="1100"/>
+              <a:buFont typeface="Arial"/>
+              <a:buNone/>
+            </a:pPr>
+            <a:r>
+              <a:rPr lang="ru"/>
+              <a:t>• Trello (таск трекер)</a:t>
+            </a:r>
+            <a:endParaRPr/>
+          </a:p>
+          <a:p>
+            <a:pPr indent="0" lvl="0" marL="0" rtl="0" algn="l">
+              <a:spcBef>
+                <a:spcPts val="1600"/>
+              </a:spcBef>
+              <a:spcAft>
+                <a:spcPts val="0"/>
+              </a:spcAft>
+              <a:buClr>
+                <a:schemeClr val="dk1"/>
+              </a:buClr>
+              <a:buSzPts val="1100"/>
+              <a:buFont typeface="Arial"/>
+              <a:buNone/>
+            </a:pPr>
+            <a:r>
+              <a:rPr lang="ru"/>
+              <a:t>• GitHub (репозиторий)</a:t>
+            </a:r>
+            <a:endParaRPr/>
+          </a:p>
+          <a:p>
+            <a:pPr indent="0" lvl="0" marL="0" rtl="0" algn="l">
+              <a:spcBef>
+                <a:spcPts val="1600"/>
+              </a:spcBef>
+              <a:spcAft>
+                <a:spcPts val="0"/>
+              </a:spcAft>
+              <a:buClr>
+                <a:schemeClr val="dk1"/>
+              </a:buClr>
+              <a:buSzPts val="1100"/>
+              <a:buFont typeface="Arial"/>
+              <a:buNone/>
+            </a:pPr>
+            <a:r>
+              <a:rPr lang="ru"/>
+              <a:t>• Discord (для взаимодействия участников проекта)</a:t>
+            </a:r>
+            <a:endParaRPr/>
+          </a:p>
+          <a:p>
+            <a:pPr indent="0" lvl="0" marL="0" rtl="0" algn="l">
+              <a:spcBef>
+                <a:spcPts val="1600"/>
+              </a:spcBef>
+              <a:spcAft>
+                <a:spcPts val="1600"/>
+              </a:spcAft>
+              <a:buNone/>
+            </a:pPr>
+            <a:r>
+              <a:t/>
+            </a:r>
+            <a:endParaRPr/>
+          </a:p>
+        </p:txBody>
+      </p:sp>
+    </p:spTree>
+  </p:cSld>
+  <p:clrMapOvr>
+    <a:masterClrMapping/>
+  </p:clrMapOvr>
+</p:sld>
+</file>
+
+<file path=ppt/slides/slide5.xml><?xml version="1.0" encoding="utf-8"?>
+<p:sld xmlns:a="http://schemas.openxmlformats.org/drawingml/2006/main" xmlns:r="http://schemas.openxmlformats.org/officeDocument/2006/relationships" xmlns:mc="http://schemas.openxmlformats.org/markup-compatibility/2006" xmlns:mv="urn:schemas-microsoft-com:mac:vml" xmlns:p="http://schemas.openxmlformats.org/presentationml/2006/main" xmlns:c="http://schemas.openxmlformats.org/drawingml/2006/chart" xmlns:dgm="http://schemas.openxmlformats.org/drawingml/2006/diagram" xmlns:o="urn:schemas-microsoft-com:office:office" xmlns:v="urn:schemas-microsoft-com:vml" xmlns:pvml="urn:schemas-microsoft-com:office:powerpoint" xmlns:com="http://schemas.openxmlformats.org/drawingml/2006/compatibility" xmlns:p14="http://schemas.microsoft.com/office/powerpoint/2010/main" xmlns:p15="http://schemas.microsoft.com/office/powerpoint/2012/main">
+  <p:cSld>
+    <p:spTree>
+      <p:nvGrpSpPr>
+        <p:cNvPr id="77" name="Shape 77"/>
+        <p:cNvGrpSpPr/>
+        <p:nvPr/>
+      </p:nvGrpSpPr>
+      <p:grpSpPr>
+        <a:xfrm>
+          <a:off x="0" y="0"/>
+          <a:ext cx="0" cy="0"/>
+          <a:chOff x="0" y="0"/>
+          <a:chExt cx="0" cy="0"/>
+        </a:xfrm>
+      </p:grpSpPr>
+      <p:pic>
+        <p:nvPicPr>
+          <p:cNvPr id="78" name="Google Shape;78;p17"/>
+          <p:cNvPicPr preferRelativeResize="0"/>
+          <p:nvPr/>
+        </p:nvPicPr>
+        <p:blipFill>
+          <a:blip r:embed="rId3">
+            <a:alphaModFix/>
+          </a:blip>
+          <a:stretch>
+            <a:fillRect/>
+          </a:stretch>
+        </p:blipFill>
+        <p:spPr>
+          <a:xfrm>
+            <a:off x="152400" y="152400"/>
+            <a:ext cx="8839201" cy="4322314"/>
+          </a:xfrm>
+          <a:prstGeom prst="rect">
+            <a:avLst/>
+          </a:prstGeom>
+          <a:noFill/>
+          <a:ln>
+            <a:noFill/>
+          </a:ln>
+        </p:spPr>
+      </p:pic>
+    </p:spTree>
+  </p:cSld>
+  <p:clrMapOvr>
+    <a:masterClrMapping/>
+  </p:clrMapOvr>
+</p:sld>
+</file>
+
+<file path=ppt/slides/slide6.xml><?xml version="1.0" encoding="utf-8"?>
+<p:sld xmlns:a="http://schemas.openxmlformats.org/drawingml/2006/main" xmlns:r="http://schemas.openxmlformats.org/officeDocument/2006/relationships" xmlns:mc="http://schemas.openxmlformats.org/markup-compatibility/2006" xmlns:mv="urn:schemas-microsoft-com:mac:vml" xmlns:p="http://schemas.openxmlformats.org/presentationml/2006/main" xmlns:c="http://schemas.openxmlformats.org/drawingml/2006/chart" xmlns:dgm="http://schemas.openxmlformats.org/drawingml/2006/diagram" xmlns:o="urn:schemas-microsoft-com:office:office" xmlns:v="urn:schemas-microsoft-com:vml" xmlns:pvml="urn:schemas-microsoft-com:office:powerpoint" xmlns:com="http://schemas.openxmlformats.org/drawingml/2006/compatibility" xmlns:p14="http://schemas.microsoft.com/office/powerpoint/2010/main" xmlns:p15="http://schemas.microsoft.com/office/powerpoint/2012/main">
+  <p:cSld>
+    <p:spTree>
+      <p:nvGrpSpPr>
+        <p:cNvPr id="82" name="Shape 82"/>
+        <p:cNvGrpSpPr/>
+        <p:nvPr/>
+      </p:nvGrpSpPr>
+      <p:grpSpPr>
+        <a:xfrm>
+          <a:off x="0" y="0"/>
+          <a:ext cx="0" cy="0"/>
+          <a:chOff x="0" y="0"/>
+          <a:chExt cx="0" cy="0"/>
+        </a:xfrm>
+      </p:grpSpPr>
+      <p:sp>
+        <p:nvSpPr>
+          <p:cNvPr id="83" name="Google Shape;83;p18"/>
+          <p:cNvSpPr txBox="1"/>
+          <p:nvPr>
+            <p:ph type="title"/>
+          </p:nvPr>
+        </p:nvSpPr>
+        <p:spPr>
+          <a:xfrm>
+            <a:off x="311700" y="2150850"/>
+            <a:ext cx="8520600" cy="841800"/>
+          </a:xfrm>
+          <a:prstGeom prst="rect">
+            <a:avLst/>
+          </a:prstGeom>
+        </p:spPr>
+        <p:txBody>
+          <a:bodyPr anchorCtr="0" anchor="ctr" bIns="91425" lIns="91425" spcFirstLastPara="1" rIns="91425" wrap="square" tIns="91425">
+            <a:noAutofit/>
+          </a:bodyPr>
+          <a:lstStyle/>
+          <a:p>
+            <a:pPr indent="0" lvl="0" marL="0" rtl="0" algn="ctr">
+              <a:spcBef>
+                <a:spcPts val="0"/>
+              </a:spcBef>
+              <a:spcAft>
+                <a:spcPts val="0"/>
+              </a:spcAft>
+              <a:buNone/>
+            </a:pPr>
+            <a:r>
+              <a:rPr lang="ru"/>
+              <a:t>Абстрактный синтез</a:t>
+            </a:r>
+            <a:endParaRPr/>
+          </a:p>
+        </p:txBody>
+      </p:sp>
+    </p:spTree>
+  </p:cSld>
+  <p:clrMapOvr>
+    <a:masterClrMapping/>
+  </p:clrMapOvr>
+</p:sld>
+</file>
+
+<file path=ppt/slides/slide7.xml><?xml version="1.0" encoding="utf-8"?>
+<p:sld xmlns:a="http://schemas.openxmlformats.org/drawingml/2006/main" xmlns:r="http://schemas.openxmlformats.org/officeDocument/2006/relationships" xmlns:mc="http://schemas.openxmlformats.org/markup-compatibility/2006" xmlns:mv="urn:schemas-microsoft-com:mac:vml" xmlns:p="http://schemas.openxmlformats.org/presentationml/2006/main" xmlns:c="http://schemas.openxmlformats.org/drawingml/2006/chart" xmlns:dgm="http://schemas.openxmlformats.org/drawingml/2006/diagram" xmlns:o="urn:schemas-microsoft-com:office:office" xmlns:v="urn:schemas-microsoft-com:vml" xmlns:pvml="urn:schemas-microsoft-com:office:powerpoint" xmlns:com="http://schemas.openxmlformats.org/drawingml/2006/compatibility" xmlns:p14="http://schemas.microsoft.com/office/powerpoint/2010/main" xmlns:p15="http://schemas.microsoft.com/office/powerpoint/2012/main">
+  <p:cSld>
+    <p:spTree>
+      <p:nvGrpSpPr>
+        <p:cNvPr id="87" name="Shape 87"/>
+        <p:cNvGrpSpPr/>
+        <p:nvPr/>
+      </p:nvGrpSpPr>
+      <p:grpSpPr>
+        <a:xfrm>
+          <a:off x="0" y="0"/>
+          <a:ext cx="0" cy="0"/>
+          <a:chOff x="0" y="0"/>
+          <a:chExt cx="0" cy="0"/>
+        </a:xfrm>
+      </p:grpSpPr>
+      <p:pic>
+        <p:nvPicPr>
+          <p:cNvPr id="88" name="Google Shape;88;p19"/>
+          <p:cNvPicPr preferRelativeResize="0"/>
+          <p:nvPr/>
+        </p:nvPicPr>
+        <p:blipFill rotWithShape="1">
+          <a:blip r:embed="rId3">
+            <a:alphaModFix/>
+          </a:blip>
+          <a:srcRect b="3185" l="0" r="2997" t="0"/>
+          <a:stretch/>
+        </p:blipFill>
+        <p:spPr>
+          <a:xfrm>
+            <a:off x="1927750" y="132025"/>
+            <a:ext cx="5866924" cy="1659980"/>
+          </a:xfrm>
+          <a:prstGeom prst="rect">
+            <a:avLst/>
+          </a:prstGeom>
+          <a:noFill/>
+          <a:ln>
+            <a:noFill/>
+          </a:ln>
+        </p:spPr>
+      </p:pic>
+      <p:pic>
+        <p:nvPicPr>
+          <p:cNvPr id="89" name="Google Shape;89;p19"/>
+          <p:cNvPicPr preferRelativeResize="0"/>
+          <p:nvPr/>
+        </p:nvPicPr>
+        <p:blipFill>
+          <a:blip r:embed="rId4">
+            <a:alphaModFix/>
+          </a:blip>
+          <a:stretch>
+            <a:fillRect/>
+          </a:stretch>
+        </p:blipFill>
+        <p:spPr>
+          <a:xfrm>
+            <a:off x="3542000" y="1792000"/>
+            <a:ext cx="2638425" cy="3299954"/>
+          </a:xfrm>
+          <a:prstGeom prst="rect">
+            <a:avLst/>
+          </a:prstGeom>
+          <a:noFill/>
+          <a:ln>
+            <a:noFill/>
+          </a:ln>
+        </p:spPr>
+      </p:pic>
+    </p:spTree>
+  </p:cSld>
+  <p:clrMapOvr>
+    <a:masterClrMapping/>
+  </p:clrMapOvr>
+</p:sld>
+</file>
+
+<file path=ppt/slides/slide8.xml><?xml version="1.0" encoding="utf-8"?>
+<p:sld xmlns:a="http://schemas.openxmlformats.org/drawingml/2006/main" xmlns:r="http://schemas.openxmlformats.org/officeDocument/2006/relationships" xmlns:mc="http://schemas.openxmlformats.org/markup-compatibility/2006" xmlns:mv="urn:schemas-microsoft-com:mac:vml" xmlns:p="http://schemas.openxmlformats.org/presentationml/2006/main" xmlns:c="http://schemas.openxmlformats.org/drawingml/2006/chart" xmlns:dgm="http://schemas.openxmlformats.org/drawingml/2006/diagram" xmlns:o="urn:schemas-microsoft-com:office:office" xmlns:v="urn:schemas-microsoft-com:vml" xmlns:pvml="urn:schemas-microsoft-com:office:powerpoint" xmlns:com="http://schemas.openxmlformats.org/drawingml/2006/compatibility" xmlns:p14="http://schemas.microsoft.com/office/powerpoint/2010/main" xmlns:p15="http://schemas.microsoft.com/office/powerpoint/2012/main">
+  <p:cSld>
+    <p:spTree>
+      <p:nvGrpSpPr>
+        <p:cNvPr id="93" name="Shape 93"/>
+        <p:cNvGrpSpPr/>
+        <p:nvPr/>
+      </p:nvGrpSpPr>
+      <p:grpSpPr>
+        <a:xfrm>
+          <a:off x="0" y="0"/>
+          <a:ext cx="0" cy="0"/>
+          <a:chOff x="0" y="0"/>
+          <a:chExt cx="0" cy="0"/>
+        </a:xfrm>
+      </p:grpSpPr>
+      <p:pic>
+        <p:nvPicPr>
+          <p:cNvPr id="94" name="Google Shape;94;p20"/>
+          <p:cNvPicPr preferRelativeResize="0"/>
+          <p:nvPr/>
+        </p:nvPicPr>
+        <p:blipFill>
+          <a:blip r:embed="rId3">
+            <a:alphaModFix/>
+          </a:blip>
+          <a:stretch>
+            <a:fillRect/>
+          </a:stretch>
+        </p:blipFill>
+        <p:spPr>
+          <a:xfrm>
+            <a:off x="2935025" y="152400"/>
+            <a:ext cx="3273946" cy="4838699"/>
+          </a:xfrm>
+          <a:prstGeom prst="rect">
+            <a:avLst/>
+          </a:prstGeom>
+          <a:noFill/>
+          <a:ln>
+            <a:noFill/>
+          </a:ln>
+        </p:spPr>
+      </p:pic>
+      <p:sp>
+        <p:nvSpPr>
+          <p:cNvPr id="95" name="Google Shape;95;p20"/>
+          <p:cNvSpPr txBox="1"/>
+          <p:nvPr/>
+        </p:nvSpPr>
+        <p:spPr>
+          <a:xfrm>
+            <a:off x="6345325" y="4023000"/>
+            <a:ext cx="2454600" cy="968100"/>
+          </a:xfrm>
+          <a:prstGeom prst="rect">
+            <a:avLst/>
+          </a:prstGeom>
+          <a:noFill/>
+          <a:ln>
+            <a:noFill/>
+          </a:ln>
+        </p:spPr>
+        <p:txBody>
+          <a:bodyPr anchorCtr="0" anchor="t" bIns="91425" lIns="91425" spcFirstLastPara="1" rIns="91425" wrap="square" tIns="91425">
+            <a:noAutofit/>
+          </a:bodyPr>
+          <a:lstStyle/>
+          <a:p>
+            <a:pPr indent="0" lvl="0" marL="0" rtl="0" algn="l">
+              <a:spcBef>
+                <a:spcPts val="0"/>
+              </a:spcBef>
+              <a:spcAft>
+                <a:spcPts val="0"/>
+              </a:spcAft>
+              <a:buNone/>
+            </a:pPr>
+            <a:r>
+              <a:rPr i="1" lang="ru"/>
+              <a:t>Информативное дерево для входного примера</a:t>
+            </a:r>
+            <a:endParaRPr i="1"/>
+          </a:p>
+          <a:p>
+            <a:pPr indent="0" lvl="0" marL="0" rtl="0" algn="l">
+              <a:spcBef>
+                <a:spcPts val="0"/>
+              </a:spcBef>
+              <a:spcAft>
+                <a:spcPts val="0"/>
+              </a:spcAft>
+              <a:buNone/>
+            </a:pPr>
+            <a:r>
+              <a:rPr i="1" lang="ru"/>
+              <a:t>231$</a:t>
+            </a:r>
+            <a:r>
+              <a:rPr lang="ru"/>
+              <a:t> </a:t>
+            </a:r>
+            <a:endParaRPr/>
+          </a:p>
+        </p:txBody>
+      </p:sp>
+    </p:spTree>
+  </p:cSld>
+  <p:clrMapOvr>
+    <a:masterClrMapping/>
+  </p:clrMapOvr>
+</p:sld>
+</file>
+
+<file path=ppt/slides/slide9.xml><?xml version="1.0" encoding="utf-8"?>
+<p:sld xmlns:a="http://schemas.openxmlformats.org/drawingml/2006/main" xmlns:r="http://schemas.openxmlformats.org/officeDocument/2006/relationships" xmlns:mc="http://schemas.openxmlformats.org/markup-compatibility/2006" xmlns:mv="urn:schemas-microsoft-com:mac:vml" xmlns:p="http://schemas.openxmlformats.org/presentationml/2006/main" xmlns:c="http://schemas.openxmlformats.org/drawingml/2006/chart" xmlns:dgm="http://schemas.openxmlformats.org/drawingml/2006/diagram" xmlns:o="urn:schemas-microsoft-com:office:office" xmlns:v="urn:schemas-microsoft-com:vml" xmlns:pvml="urn:schemas-microsoft-com:office:powerpoint" xmlns:com="http://schemas.openxmlformats.org/drawingml/2006/compatibility" xmlns:p14="http://schemas.microsoft.com/office/powerpoint/2010/main" xmlns:p15="http://schemas.microsoft.com/office/powerpoint/2012/main">
+  <p:cSld>
+    <p:spTree>
+      <p:nvGrpSpPr>
+        <p:cNvPr id="99" name="Shape 99"/>
+        <p:cNvGrpSpPr/>
+        <p:nvPr/>
+      </p:nvGrpSpPr>
+      <p:grpSpPr>
+        <a:xfrm>
+          <a:off x="0" y="0"/>
+          <a:ext cx="0" cy="0"/>
+          <a:chOff x="0" y="0"/>
+          <a:chExt cx="0" cy="0"/>
+        </a:xfrm>
+      </p:grpSpPr>
+      <p:pic>
+        <p:nvPicPr>
+          <p:cNvPr id="100" name="Google Shape;100;p21"/>
+          <p:cNvPicPr preferRelativeResize="0"/>
+          <p:nvPr/>
+        </p:nvPicPr>
+        <p:blipFill>
+          <a:blip r:embed="rId3">
+            <a:alphaModFix/>
+          </a:blip>
+          <a:stretch>
+            <a:fillRect/>
+          </a:stretch>
+        </p:blipFill>
+        <p:spPr>
+          <a:xfrm>
+            <a:off x="152400" y="152400"/>
+            <a:ext cx="8839201" cy="4076700"/>
+          </a:xfrm>
+          <a:prstGeom prst="rect">
+            <a:avLst/>
+          </a:prstGeom>
+          <a:noFill/>
+          <a:ln>
+            <a:noFill/>
+          </a:ln>
+        </p:spPr>
+      </p:pic>
     </p:spTree>
   </p:cSld>
   <p:clrMapOvr>

--- a/discussion/discussion.pptx
+++ b/discussion/discussion.pptx
@@ -7460,7 +7460,7 @@
             <a:tbl>
               <a:tblPr>
                 <a:noFill/>
-                <a:tableStyleId>{CBD1CAFD-7D8A-4749-9A62-8FEB44896C34}</a:tableStyleId>
+                <a:tableStyleId>{3D4A5E7E-5A2C-4C0D-AD65-5D5D39643473}</a:tableStyleId>
               </a:tblPr>
               <a:tblGrid>
                 <a:gridCol w="1414425"/>
@@ -7773,7 +7773,7 @@
             <a:tbl>
               <a:tblPr>
                 <a:noFill/>
-                <a:tableStyleId>{CBD1CAFD-7D8A-4749-9A62-8FEB44896C34}</a:tableStyleId>
+                <a:tableStyleId>{3D4A5E7E-5A2C-4C0D-AD65-5D5D39643473}</a:tableStyleId>
               </a:tblPr>
               <a:tblGrid>
                 <a:gridCol w="1388975"/>
@@ -8038,7 +8038,7 @@
             <a:tbl>
               <a:tblPr>
                 <a:noFill/>
-                <a:tableStyleId>{CBD1CAFD-7D8A-4749-9A62-8FEB44896C34}</a:tableStyleId>
+                <a:tableStyleId>{3D4A5E7E-5A2C-4C0D-AD65-5D5D39643473}</a:tableStyleId>
               </a:tblPr>
               <a:tblGrid>
                 <a:gridCol w="1516275"/>
@@ -8885,6 +8885,27 @@
                 <a:spcPts val="1600"/>
               </a:spcBef>
               <a:spcAft>
+                <a:spcPts val="0"/>
+              </a:spcAft>
+              <a:buClr>
+                <a:schemeClr val="dk1"/>
+              </a:buClr>
+              <a:buSzPts val="1100"/>
+              <a:buFont typeface="Arial"/>
+              <a:buNone/>
+            </a:pPr>
+            <a:r>
+              <a:rPr lang="ru"/>
+              <a:t>5. Ввод цифр завершается символом “$”.</a:t>
+            </a:r>
+            <a:endParaRPr/>
+          </a:p>
+          <a:p>
+            <a:pPr indent="0" lvl="0" marL="0" rtl="0" algn="l">
+              <a:spcBef>
+                <a:spcPts val="1600"/>
+              </a:spcBef>
+              <a:spcAft>
                 <a:spcPts val="1600"/>
               </a:spcAft>
               <a:buNone/>
@@ -9522,6 +9543,285 @@
 </file>
 
 <file path=ppt/theme/theme1.xml><?xml version="1.0" encoding="utf-8"?>
+<a:theme xmlns:a="http://schemas.openxmlformats.org/drawingml/2006/main" xmlns:r="http://schemas.openxmlformats.org/officeDocument/2006/relationships">
+  <a:themeElements>
+    <a:clrScheme name="Default">
+      <a:dk1>
+        <a:srgbClr val="000000"/>
+      </a:dk1>
+      <a:lt1>
+        <a:srgbClr val="FFFFFF"/>
+      </a:lt1>
+      <a:dk2>
+        <a:srgbClr val="158158"/>
+      </a:dk2>
+      <a:lt2>
+        <a:srgbClr val="F3F3F3"/>
+      </a:lt2>
+      <a:accent1>
+        <a:srgbClr val="058DC7"/>
+      </a:accent1>
+      <a:accent2>
+        <a:srgbClr val="50B432"/>
+      </a:accent2>
+      <a:accent3>
+        <a:srgbClr val="ED561B"/>
+      </a:accent3>
+      <a:accent4>
+        <a:srgbClr val="EDEF00"/>
+      </a:accent4>
+      <a:accent5>
+        <a:srgbClr val="24CBE5"/>
+      </a:accent5>
+      <a:accent6>
+        <a:srgbClr val="64E572"/>
+      </a:accent6>
+      <a:hlink>
+        <a:srgbClr val="2200CC"/>
+      </a:hlink>
+      <a:folHlink>
+        <a:srgbClr val="551A8B"/>
+      </a:folHlink>
+    </a:clrScheme>
+    <a:fontScheme name="Office">
+      <a:majorFont>
+        <a:latin typeface="Arial"/>
+        <a:ea typeface=""/>
+        <a:cs typeface=""/>
+        <a:font script="Jpan" typeface="ＭＳ Ｐゴシック"/>
+        <a:font script="Hang" typeface="맑은 고딕"/>
+        <a:font script="Hans" typeface="宋体"/>
+        <a:font script="Hant" typeface="新細明體"/>
+        <a:font script="Arab" typeface="Times New Roman"/>
+        <a:font script="Hebr" typeface="Times New Roman"/>
+        <a:font script="Thai" typeface="Angsana New"/>
+        <a:font script="Ethi" typeface="Nyala"/>
+        <a:font script="Beng" typeface="Vrinda"/>
+        <a:font script="Gujr" typeface="Shruti"/>
+        <a:font script="Khmr" typeface="MoolBoran"/>
+        <a:font script="Knda" typeface="Tunga"/>
+        <a:font script="Guru" typeface="Raavi"/>
+        <a:font script="Cans" typeface="Euphemia"/>
+        <a:font script="Cher" typeface="Plantagenet Cherokee"/>
+        <a:font script="Yiii" typeface="Microsoft Yi Baiti"/>
+        <a:font script="Tibt" typeface="Microsoft Himalaya"/>
+        <a:font script="Thaa" typeface="MV Boli"/>
+        <a:font script="Deva" typeface="Mangal"/>
+        <a:font script="Telu" typeface="Gautami"/>
+        <a:font script="Taml" typeface="Latha"/>
+        <a:font script="Syrc" typeface="Estrangelo Edessa"/>
+        <a:font script="Orya" typeface="Kalinga"/>
+        <a:font script="Mlym" typeface="Kartika"/>
+        <a:font script="Laoo" typeface="DokChampa"/>
+        <a:font script="Sinh" typeface="Iskoola Pota"/>
+        <a:font script="Mong" typeface="Mongolian Baiti"/>
+        <a:font script="Viet" typeface="Times New Roman"/>
+        <a:font script="Uigh" typeface="Microsoft Uighur"/>
+        <a:font script="Geor" typeface="Sylfaen"/>
+      </a:majorFont>
+      <a:minorFont>
+        <a:latin typeface="Arial"/>
+        <a:ea typeface=""/>
+        <a:cs typeface=""/>
+        <a:font script="Jpan" typeface="ＭＳ Ｐゴシック"/>
+        <a:font script="Hang" typeface="맑은 고딕"/>
+        <a:font script="Hans" typeface="宋体"/>
+        <a:font script="Hant" typeface="新細明體"/>
+        <a:font script="Arab" typeface="Arial"/>
+        <a:font script="Hebr" typeface="Arial"/>
+        <a:font script="Thai" typeface="Cordia New"/>
+        <a:font script="Ethi" typeface="Nyala"/>
+        <a:font script="Beng" typeface="Vrinda"/>
+        <a:font script="Gujr" typeface="Shruti"/>
+        <a:font script="Khmr" typeface="DaunPenh"/>
+        <a:font script="Knda" typeface="Tunga"/>
+        <a:font script="Guru" typeface="Raavi"/>
+        <a:font script="Cans" typeface="Euphemia"/>
+        <a:font script="Cher" typeface="Plantagenet Cherokee"/>
+        <a:font script="Yiii" typeface="Microsoft Yi Baiti"/>
+        <a:font script="Tibt" typeface="Microsoft Himalaya"/>
+        <a:font script="Thaa" typeface="MV Boli"/>
+        <a:font script="Deva" typeface="Mangal"/>
+        <a:font script="Telu" typeface="Gautami"/>
+        <a:font script="Taml" typeface="Latha"/>
+        <a:font script="Syrc" typeface="Estrangelo Edessa"/>
+        <a:font script="Orya" typeface="Kalinga"/>
+        <a:font script="Mlym" typeface="Kartika"/>
+        <a:font script="Laoo" typeface="DokChampa"/>
+        <a:font script="Sinh" typeface="Iskoola Pota"/>
+        <a:font script="Mong" typeface="Mongolian Baiti"/>
+        <a:font script="Viet" typeface="Arial"/>
+        <a:font script="Uigh" typeface="Microsoft Uighur"/>
+        <a:font script="Geor" typeface="Sylfaen"/>
+      </a:minorFont>
+    </a:fontScheme>
+    <a:fmtScheme name="Office">
+      <a:fillStyleLst>
+        <a:solidFill>
+          <a:schemeClr val="phClr"/>
+        </a:solidFill>
+        <a:gradFill rotWithShape="1">
+          <a:gsLst>
+            <a:gs pos="0">
+              <a:schemeClr val="phClr">
+                <a:tint val="50000"/>
+                <a:satMod val="300000"/>
+              </a:schemeClr>
+            </a:gs>
+            <a:gs pos="35000">
+              <a:schemeClr val="phClr">
+                <a:tint val="37000"/>
+                <a:satMod val="300000"/>
+              </a:schemeClr>
+            </a:gs>
+            <a:gs pos="100000">
+              <a:schemeClr val="phClr">
+                <a:tint val="15000"/>
+                <a:satMod val="350000"/>
+              </a:schemeClr>
+            </a:gs>
+          </a:gsLst>
+          <a:lin ang="16200000" scaled="1"/>
+        </a:gradFill>
+        <a:gradFill rotWithShape="1">
+          <a:gsLst>
+            <a:gs pos="0">
+              <a:schemeClr val="phClr">
+                <a:tint val="100000"/>
+                <a:shade val="100000"/>
+                <a:satMod val="130000"/>
+              </a:schemeClr>
+            </a:gs>
+            <a:gs pos="100000">
+              <a:schemeClr val="phClr">
+                <a:tint val="50000"/>
+                <a:shade val="100000"/>
+                <a:satMod val="350000"/>
+              </a:schemeClr>
+            </a:gs>
+          </a:gsLst>
+          <a:lin ang="16200000" scaled="0"/>
+        </a:gradFill>
+      </a:fillStyleLst>
+      <a:lnStyleLst>
+        <a:ln w="9525" cap="flat" cmpd="sng" algn="ctr">
+          <a:solidFill>
+            <a:schemeClr val="phClr">
+              <a:shade val="95000"/>
+              <a:satMod val="105000"/>
+            </a:schemeClr>
+          </a:solidFill>
+          <a:prstDash val="solid"/>
+        </a:ln>
+        <a:ln w="25400" cap="flat" cmpd="sng" algn="ctr">
+          <a:solidFill>
+            <a:schemeClr val="phClr"/>
+          </a:solidFill>
+          <a:prstDash val="solid"/>
+        </a:ln>
+        <a:ln w="38100" cap="flat" cmpd="sng" algn="ctr">
+          <a:solidFill>
+            <a:schemeClr val="phClr"/>
+          </a:solidFill>
+          <a:prstDash val="solid"/>
+        </a:ln>
+      </a:lnStyleLst>
+      <a:effectStyleLst>
+        <a:effectStyle>
+          <a:effectLst>
+            <a:outerShdw blurRad="40000" dist="20000" dir="5400000" rotWithShape="0">
+              <a:srgbClr val="000000">
+                <a:alpha val="38000"/>
+              </a:srgbClr>
+            </a:outerShdw>
+          </a:effectLst>
+        </a:effectStyle>
+        <a:effectStyle>
+          <a:effectLst>
+            <a:outerShdw blurRad="40000" dist="23000" dir="5400000" rotWithShape="0">
+              <a:srgbClr val="000000">
+                <a:alpha val="35000"/>
+              </a:srgbClr>
+            </a:outerShdw>
+          </a:effectLst>
+        </a:effectStyle>
+        <a:effectStyle>
+          <a:effectLst>
+            <a:outerShdw blurRad="40000" dist="23000" dir="5400000" rotWithShape="0">
+              <a:srgbClr val="000000">
+                <a:alpha val="35000"/>
+              </a:srgbClr>
+            </a:outerShdw>
+          </a:effectLst>
+          <a:scene3d>
+            <a:camera prst="orthographicFront">
+              <a:rot lat="0" lon="0" rev="0"/>
+            </a:camera>
+            <a:lightRig rig="threePt" dir="t">
+              <a:rot lat="0" lon="0" rev="1200000"/>
+            </a:lightRig>
+          </a:scene3d>
+          <a:sp3d>
+            <a:bevelT w="63500" h="25400"/>
+          </a:sp3d>
+        </a:effectStyle>
+      </a:effectStyleLst>
+      <a:bgFillStyleLst>
+        <a:solidFill>
+          <a:schemeClr val="phClr"/>
+        </a:solidFill>
+        <a:gradFill rotWithShape="1">
+          <a:gsLst>
+            <a:gs pos="0">
+              <a:schemeClr val="phClr">
+                <a:tint val="40000"/>
+                <a:satMod val="350000"/>
+              </a:schemeClr>
+            </a:gs>
+            <a:gs pos="40000">
+              <a:schemeClr val="phClr">
+                <a:tint val="45000"/>
+                <a:shade val="99000"/>
+                <a:satMod val="350000"/>
+              </a:schemeClr>
+            </a:gs>
+            <a:gs pos="100000">
+              <a:schemeClr val="phClr">
+                <a:shade val="20000"/>
+                <a:satMod val="255000"/>
+              </a:schemeClr>
+            </a:gs>
+          </a:gsLst>
+          <a:path path="circle">
+            <a:fillToRect l="50000" t="-80000" r="50000" b="180000"/>
+          </a:path>
+        </a:gradFill>
+        <a:gradFill rotWithShape="1">
+          <a:gsLst>
+            <a:gs pos="0">
+              <a:schemeClr val="phClr">
+                <a:tint val="80000"/>
+                <a:satMod val="300000"/>
+              </a:schemeClr>
+            </a:gs>
+            <a:gs pos="100000">
+              <a:schemeClr val="phClr">
+                <a:shade val="30000"/>
+                <a:satMod val="200000"/>
+              </a:schemeClr>
+            </a:gs>
+          </a:gsLst>
+          <a:path path="circle">
+            <a:fillToRect l="50000" t="50000" r="50000" b="50000"/>
+          </a:path>
+        </a:gradFill>
+      </a:bgFillStyleLst>
+    </a:fmtScheme>
+  </a:themeElements>
+</a:theme>
+</file>
+
+<file path=ppt/theme/theme2.xml><?xml version="1.0" encoding="utf-8"?>
 <a:theme xmlns:a="http://schemas.openxmlformats.org/drawingml/2006/main" xmlns:r="http://schemas.openxmlformats.org/officeDocument/2006/relationships" name="Simple Light">
   <a:themeElements>
     <a:clrScheme name="Simple Light">
@@ -9798,283 +10098,4 @@
     </a:fmtScheme>
   </a:themeElements>
 </a:theme>
-</file>
-
-<file path=ppt/theme/theme2.xml><?xml version="1.0" encoding="utf-8"?>
-<a:theme xmlns:a="http://schemas.openxmlformats.org/drawingml/2006/main" xmlns:r="http://schemas.openxmlformats.org/officeDocument/2006/relationships">
-  <a:themeElements>
-    <a:clrScheme name="Default">
-      <a:dk1>
-        <a:srgbClr val="000000"/>
-      </a:dk1>
-      <a:lt1>
-        <a:srgbClr val="FFFFFF"/>
-      </a:lt1>
-      <a:dk2>
-        <a:srgbClr val="158158"/>
-      </a:dk2>
-      <a:lt2>
-        <a:srgbClr val="F3F3F3"/>
-      </a:lt2>
-      <a:accent1>
-        <a:srgbClr val="058DC7"/>
-      </a:accent1>
-      <a:accent2>
-        <a:srgbClr val="50B432"/>
-      </a:accent2>
-      <a:accent3>
-        <a:srgbClr val="ED561B"/>
-      </a:accent3>
-      <a:accent4>
-        <a:srgbClr val="EDEF00"/>
-      </a:accent4>
-      <a:accent5>
-        <a:srgbClr val="24CBE5"/>
-      </a:accent5>
-      <a:accent6>
-        <a:srgbClr val="64E572"/>
-      </a:accent6>
-      <a:hlink>
-        <a:srgbClr val="2200CC"/>
-      </a:hlink>
-      <a:folHlink>
-        <a:srgbClr val="551A8B"/>
-      </a:folHlink>
-    </a:clrScheme>
-    <a:fontScheme name="Office">
-      <a:majorFont>
-        <a:latin typeface="Arial"/>
-        <a:ea typeface=""/>
-        <a:cs typeface=""/>
-        <a:font script="Jpan" typeface="ＭＳ Ｐゴシック"/>
-        <a:font script="Hang" typeface="맑은 고딕"/>
-        <a:font script="Hans" typeface="宋体"/>
-        <a:font script="Hant" typeface="新細明體"/>
-        <a:font script="Arab" typeface="Times New Roman"/>
-        <a:font script="Hebr" typeface="Times New Roman"/>
-        <a:font script="Thai" typeface="Angsana New"/>
-        <a:font script="Ethi" typeface="Nyala"/>
-        <a:font script="Beng" typeface="Vrinda"/>
-        <a:font script="Gujr" typeface="Shruti"/>
-        <a:font script="Khmr" typeface="MoolBoran"/>
-        <a:font script="Knda" typeface="Tunga"/>
-        <a:font script="Guru" typeface="Raavi"/>
-        <a:font script="Cans" typeface="Euphemia"/>
-        <a:font script="Cher" typeface="Plantagenet Cherokee"/>
-        <a:font script="Yiii" typeface="Microsoft Yi Baiti"/>
-        <a:font script="Tibt" typeface="Microsoft Himalaya"/>
-        <a:font script="Thaa" typeface="MV Boli"/>
-        <a:font script="Deva" typeface="Mangal"/>
-        <a:font script="Telu" typeface="Gautami"/>
-        <a:font script="Taml" typeface="Latha"/>
-        <a:font script="Syrc" typeface="Estrangelo Edessa"/>
-        <a:font script="Orya" typeface="Kalinga"/>
-        <a:font script="Mlym" typeface="Kartika"/>
-        <a:font script="Laoo" typeface="DokChampa"/>
-        <a:font script="Sinh" typeface="Iskoola Pota"/>
-        <a:font script="Mong" typeface="Mongolian Baiti"/>
-        <a:font script="Viet" typeface="Times New Roman"/>
-        <a:font script="Uigh" typeface="Microsoft Uighur"/>
-        <a:font script="Geor" typeface="Sylfaen"/>
-      </a:majorFont>
-      <a:minorFont>
-        <a:latin typeface="Arial"/>
-        <a:ea typeface=""/>
-        <a:cs typeface=""/>
-        <a:font script="Jpan" typeface="ＭＳ Ｐゴシック"/>
-        <a:font script="Hang" typeface="맑은 고딕"/>
-        <a:font script="Hans" typeface="宋体"/>
-        <a:font script="Hant" typeface="新細明體"/>
-        <a:font script="Arab" typeface="Arial"/>
-        <a:font script="Hebr" typeface="Arial"/>
-        <a:font script="Thai" typeface="Cordia New"/>
-        <a:font script="Ethi" typeface="Nyala"/>
-        <a:font script="Beng" typeface="Vrinda"/>
-        <a:font script="Gujr" typeface="Shruti"/>
-        <a:font script="Khmr" typeface="DaunPenh"/>
-        <a:font script="Knda" typeface="Tunga"/>
-        <a:font script="Guru" typeface="Raavi"/>
-        <a:font script="Cans" typeface="Euphemia"/>
-        <a:font script="Cher" typeface="Plantagenet Cherokee"/>
-        <a:font script="Yiii" typeface="Microsoft Yi Baiti"/>
-        <a:font script="Tibt" typeface="Microsoft Himalaya"/>
-        <a:font script="Thaa" typeface="MV Boli"/>
-        <a:font script="Deva" typeface="Mangal"/>
-        <a:font script="Telu" typeface="Gautami"/>
-        <a:font script="Taml" typeface="Latha"/>
-        <a:font script="Syrc" typeface="Estrangelo Edessa"/>
-        <a:font script="Orya" typeface="Kalinga"/>
-        <a:font script="Mlym" typeface="Kartika"/>
-        <a:font script="Laoo" typeface="DokChampa"/>
-        <a:font script="Sinh" typeface="Iskoola Pota"/>
-        <a:font script="Mong" typeface="Mongolian Baiti"/>
-        <a:font script="Viet" typeface="Arial"/>
-        <a:font script="Uigh" typeface="Microsoft Uighur"/>
-        <a:font script="Geor" typeface="Sylfaen"/>
-      </a:minorFont>
-    </a:fontScheme>
-    <a:fmtScheme name="Office">
-      <a:fillStyleLst>
-        <a:solidFill>
-          <a:schemeClr val="phClr"/>
-        </a:solidFill>
-        <a:gradFill rotWithShape="1">
-          <a:gsLst>
-            <a:gs pos="0">
-              <a:schemeClr val="phClr">
-                <a:tint val="50000"/>
-                <a:satMod val="300000"/>
-              </a:schemeClr>
-            </a:gs>
-            <a:gs pos="35000">
-              <a:schemeClr val="phClr">
-                <a:tint val="37000"/>
-                <a:satMod val="300000"/>
-              </a:schemeClr>
-            </a:gs>
-            <a:gs pos="100000">
-              <a:schemeClr val="phClr">
-                <a:tint val="15000"/>
-                <a:satMod val="350000"/>
-              </a:schemeClr>
-            </a:gs>
-          </a:gsLst>
-          <a:lin ang="16200000" scaled="1"/>
-        </a:gradFill>
-        <a:gradFill rotWithShape="1">
-          <a:gsLst>
-            <a:gs pos="0">
-              <a:schemeClr val="phClr">
-                <a:tint val="100000"/>
-                <a:shade val="100000"/>
-                <a:satMod val="130000"/>
-              </a:schemeClr>
-            </a:gs>
-            <a:gs pos="100000">
-              <a:schemeClr val="phClr">
-                <a:tint val="50000"/>
-                <a:shade val="100000"/>
-                <a:satMod val="350000"/>
-              </a:schemeClr>
-            </a:gs>
-          </a:gsLst>
-          <a:lin ang="16200000" scaled="0"/>
-        </a:gradFill>
-      </a:fillStyleLst>
-      <a:lnStyleLst>
-        <a:ln w="9525" cap="flat" cmpd="sng" algn="ctr">
-          <a:solidFill>
-            <a:schemeClr val="phClr">
-              <a:shade val="95000"/>
-              <a:satMod val="105000"/>
-            </a:schemeClr>
-          </a:solidFill>
-          <a:prstDash val="solid"/>
-        </a:ln>
-        <a:ln w="25400" cap="flat" cmpd="sng" algn="ctr">
-          <a:solidFill>
-            <a:schemeClr val="phClr"/>
-          </a:solidFill>
-          <a:prstDash val="solid"/>
-        </a:ln>
-        <a:ln w="38100" cap="flat" cmpd="sng" algn="ctr">
-          <a:solidFill>
-            <a:schemeClr val="phClr"/>
-          </a:solidFill>
-          <a:prstDash val="solid"/>
-        </a:ln>
-      </a:lnStyleLst>
-      <a:effectStyleLst>
-        <a:effectStyle>
-          <a:effectLst>
-            <a:outerShdw blurRad="40000" dist="20000" dir="5400000" rotWithShape="0">
-              <a:srgbClr val="000000">
-                <a:alpha val="38000"/>
-              </a:srgbClr>
-            </a:outerShdw>
-          </a:effectLst>
-        </a:effectStyle>
-        <a:effectStyle>
-          <a:effectLst>
-            <a:outerShdw blurRad="40000" dist="23000" dir="5400000" rotWithShape="0">
-              <a:srgbClr val="000000">
-                <a:alpha val="35000"/>
-              </a:srgbClr>
-            </a:outerShdw>
-          </a:effectLst>
-        </a:effectStyle>
-        <a:effectStyle>
-          <a:effectLst>
-            <a:outerShdw blurRad="40000" dist="23000" dir="5400000" rotWithShape="0">
-              <a:srgbClr val="000000">
-                <a:alpha val="35000"/>
-              </a:srgbClr>
-            </a:outerShdw>
-          </a:effectLst>
-          <a:scene3d>
-            <a:camera prst="orthographicFront">
-              <a:rot lat="0" lon="0" rev="0"/>
-            </a:camera>
-            <a:lightRig rig="threePt" dir="t">
-              <a:rot lat="0" lon="0" rev="1200000"/>
-            </a:lightRig>
-          </a:scene3d>
-          <a:sp3d>
-            <a:bevelT w="63500" h="25400"/>
-          </a:sp3d>
-        </a:effectStyle>
-      </a:effectStyleLst>
-      <a:bgFillStyleLst>
-        <a:solidFill>
-          <a:schemeClr val="phClr"/>
-        </a:solidFill>
-        <a:gradFill rotWithShape="1">
-          <a:gsLst>
-            <a:gs pos="0">
-              <a:schemeClr val="phClr">
-                <a:tint val="40000"/>
-                <a:satMod val="350000"/>
-              </a:schemeClr>
-            </a:gs>
-            <a:gs pos="40000">
-              <a:schemeClr val="phClr">
-                <a:tint val="45000"/>
-                <a:shade val="99000"/>
-                <a:satMod val="350000"/>
-              </a:schemeClr>
-            </a:gs>
-            <a:gs pos="100000">
-              <a:schemeClr val="phClr">
-                <a:shade val="20000"/>
-                <a:satMod val="255000"/>
-              </a:schemeClr>
-            </a:gs>
-          </a:gsLst>
-          <a:path path="circle">
-            <a:fillToRect l="50000" t="-80000" r="50000" b="180000"/>
-          </a:path>
-        </a:gradFill>
-        <a:gradFill rotWithShape="1">
-          <a:gsLst>
-            <a:gs pos="0">
-              <a:schemeClr val="phClr">
-                <a:tint val="80000"/>
-                <a:satMod val="300000"/>
-              </a:schemeClr>
-            </a:gs>
-            <a:gs pos="100000">
-              <a:schemeClr val="phClr">
-                <a:shade val="30000"/>
-                <a:satMod val="200000"/>
-              </a:schemeClr>
-            </a:gs>
-          </a:gsLst>
-          <a:path path="circle">
-            <a:fillToRect l="50000" t="50000" r="50000" b="50000"/>
-          </a:path>
-        </a:gradFill>
-      </a:bgFillStyleLst>
-    </a:fmtScheme>
-  </a:themeElements>
-</a:theme>
 </file>
--- a/discussion/discussion.pptx
+++ b/discussion/discussion.pptx
@@ -7460,7 +7460,7 @@
             <a:tbl>
               <a:tblPr>
                 <a:noFill/>
-                <a:tableStyleId>{3D4A5E7E-5A2C-4C0D-AD65-5D5D39643473}</a:tableStyleId>
+                <a:tableStyleId>{39264609-97BC-414F-A756-C83A31206CE7}</a:tableStyleId>
               </a:tblPr>
               <a:tblGrid>
                 <a:gridCol w="1414425"/>
@@ -7773,7 +7773,7 @@
             <a:tbl>
               <a:tblPr>
                 <a:noFill/>
-                <a:tableStyleId>{3D4A5E7E-5A2C-4C0D-AD65-5D5D39643473}</a:tableStyleId>
+                <a:tableStyleId>{39264609-97BC-414F-A756-C83A31206CE7}</a:tableStyleId>
               </a:tblPr>
               <a:tblGrid>
                 <a:gridCol w="1388975"/>
@@ -8038,7 +8038,7 @@
             <a:tbl>
               <a:tblPr>
                 <a:noFill/>
-                <a:tableStyleId>{3D4A5E7E-5A2C-4C0D-AD65-5D5D39643473}</a:tableStyleId>
+                <a:tableStyleId>{39264609-97BC-414F-A756-C83A31206CE7}</a:tableStyleId>
               </a:tblPr>
               <a:tblGrid>
                 <a:gridCol w="1516275"/>
@@ -9126,7 +9126,20 @@
             </a:pPr>
             <a:r>
               <a:rPr lang="ru"/>
-              <a:t>• GitHub (репозиторий)</a:t>
+              <a:t>• GitHub (</a:t>
+            </a:r>
+            <a:r>
+              <a:rPr lang="ru" u="sng">
+                <a:solidFill>
+                  <a:schemeClr val="hlink"/>
+                </a:solidFill>
+                <a:hlinkClick r:id="rId3"/>
+              </a:rPr>
+              <a:t>репозиторий</a:t>
+            </a:r>
+            <a:r>
+              <a:rPr lang="ru"/>
+              <a:t>)</a:t>
             </a:r>
             <a:endParaRPr/>
           </a:p>
@@ -9543,6 +9556,285 @@
 </file>
 
 <file path=ppt/theme/theme1.xml><?xml version="1.0" encoding="utf-8"?>
+<a:theme xmlns:a="http://schemas.openxmlformats.org/drawingml/2006/main" xmlns:r="http://schemas.openxmlformats.org/officeDocument/2006/relationships" name="Simple Light">
+  <a:themeElements>
+    <a:clrScheme name="Simple Light">
+      <a:dk1>
+        <a:srgbClr val="000000"/>
+      </a:dk1>
+      <a:lt1>
+        <a:srgbClr val="FFFFFF"/>
+      </a:lt1>
+      <a:dk2>
+        <a:srgbClr val="595959"/>
+      </a:dk2>
+      <a:lt2>
+        <a:srgbClr val="EEEEEE"/>
+      </a:lt2>
+      <a:accent1>
+        <a:srgbClr val="FFAB40"/>
+      </a:accent1>
+      <a:accent2>
+        <a:srgbClr val="212121"/>
+      </a:accent2>
+      <a:accent3>
+        <a:srgbClr val="78909C"/>
+      </a:accent3>
+      <a:accent4>
+        <a:srgbClr val="FFAB40"/>
+      </a:accent4>
+      <a:accent5>
+        <a:srgbClr val="0097A7"/>
+      </a:accent5>
+      <a:accent6>
+        <a:srgbClr val="EEFF41"/>
+      </a:accent6>
+      <a:hlink>
+        <a:srgbClr val="0097A7"/>
+      </a:hlink>
+      <a:folHlink>
+        <a:srgbClr val="0097A7"/>
+      </a:folHlink>
+    </a:clrScheme>
+    <a:fontScheme name="Office">
+      <a:majorFont>
+        <a:latin typeface="Arial"/>
+        <a:ea typeface=""/>
+        <a:cs typeface=""/>
+        <a:font script="Jpan" typeface="ＭＳ Ｐゴシック"/>
+        <a:font script="Hang" typeface="맑은 고딕"/>
+        <a:font script="Hans" typeface="宋体"/>
+        <a:font script="Hant" typeface="新細明體"/>
+        <a:font script="Arab" typeface="Times New Roman"/>
+        <a:font script="Hebr" typeface="Times New Roman"/>
+        <a:font script="Thai" typeface="Angsana New"/>
+        <a:font script="Ethi" typeface="Nyala"/>
+        <a:font script="Beng" typeface="Vrinda"/>
+        <a:font script="Gujr" typeface="Shruti"/>
+        <a:font script="Khmr" typeface="MoolBoran"/>
+        <a:font script="Knda" typeface="Tunga"/>
+        <a:font script="Guru" typeface="Raavi"/>
+        <a:font script="Cans" typeface="Euphemia"/>
+        <a:font script="Cher" typeface="Plantagenet Cherokee"/>
+        <a:font script="Yiii" typeface="Microsoft Yi Baiti"/>
+        <a:font script="Tibt" typeface="Microsoft Himalaya"/>
+        <a:font script="Thaa" typeface="MV Boli"/>
+        <a:font script="Deva" typeface="Mangal"/>
+        <a:font script="Telu" typeface="Gautami"/>
+        <a:font script="Taml" typeface="Latha"/>
+        <a:font script="Syrc" typeface="Estrangelo Edessa"/>
+        <a:font script="Orya" typeface="Kalinga"/>
+        <a:font script="Mlym" typeface="Kartika"/>
+        <a:font script="Laoo" typeface="DokChampa"/>
+        <a:font script="Sinh" typeface="Iskoola Pota"/>
+        <a:font script="Mong" typeface="Mongolian Baiti"/>
+        <a:font script="Viet" typeface="Times New Roman"/>
+        <a:font script="Uigh" typeface="Microsoft Uighur"/>
+        <a:font script="Geor" typeface="Sylfaen"/>
+      </a:majorFont>
+      <a:minorFont>
+        <a:latin typeface="Arial"/>
+        <a:ea typeface=""/>
+        <a:cs typeface=""/>
+        <a:font script="Jpan" typeface="ＭＳ Ｐゴシック"/>
+        <a:font script="Hang" typeface="맑은 고딕"/>
+        <a:font script="Hans" typeface="宋体"/>
+        <a:font script="Hant" typeface="新細明體"/>
+        <a:font script="Arab" typeface="Arial"/>
+        <a:font script="Hebr" typeface="Arial"/>
+        <a:font script="Thai" typeface="Cordia New"/>
+        <a:font script="Ethi" typeface="Nyala"/>
+        <a:font script="Beng" typeface="Vrinda"/>
+        <a:font script="Gujr" typeface="Shruti"/>
+        <a:font script="Khmr" typeface="DaunPenh"/>
+        <a:font script="Knda" typeface="Tunga"/>
+        <a:font script="Guru" typeface="Raavi"/>
+        <a:font script="Cans" typeface="Euphemia"/>
+        <a:font script="Cher" typeface="Plantagenet Cherokee"/>
+        <a:font script="Yiii" typeface="Microsoft Yi Baiti"/>
+        <a:font script="Tibt" typeface="Microsoft Himalaya"/>
+        <a:font script="Thaa" typeface="MV Boli"/>
+        <a:font script="Deva" typeface="Mangal"/>
+        <a:font script="Telu" typeface="Gautami"/>
+        <a:font script="Taml" typeface="Latha"/>
+        <a:font script="Syrc" typeface="Estrangelo Edessa"/>
+        <a:font script="Orya" typeface="Kalinga"/>
+        <a:font script="Mlym" typeface="Kartika"/>
+        <a:font script="Laoo" typeface="DokChampa"/>
+        <a:font script="Sinh" typeface="Iskoola Pota"/>
+        <a:font script="Mong" typeface="Mongolian Baiti"/>
+        <a:font script="Viet" typeface="Arial"/>
+        <a:font script="Uigh" typeface="Microsoft Uighur"/>
+        <a:font script="Geor" typeface="Sylfaen"/>
+      </a:minorFont>
+    </a:fontScheme>
+    <a:fmtScheme name="Office">
+      <a:fillStyleLst>
+        <a:solidFill>
+          <a:schemeClr val="phClr"/>
+        </a:solidFill>
+        <a:gradFill rotWithShape="1">
+          <a:gsLst>
+            <a:gs pos="0">
+              <a:schemeClr val="phClr">
+                <a:tint val="50000"/>
+                <a:satMod val="300000"/>
+              </a:schemeClr>
+            </a:gs>
+            <a:gs pos="35000">
+              <a:schemeClr val="phClr">
+                <a:tint val="37000"/>
+                <a:satMod val="300000"/>
+              </a:schemeClr>
+            </a:gs>
+            <a:gs pos="100000">
+              <a:schemeClr val="phClr">
+                <a:tint val="15000"/>
+                <a:satMod val="350000"/>
+              </a:schemeClr>
+            </a:gs>
+          </a:gsLst>
+          <a:lin ang="16200000" scaled="1"/>
+        </a:gradFill>
+        <a:gradFill rotWithShape="1">
+          <a:gsLst>
+            <a:gs pos="0">
+              <a:schemeClr val="phClr">
+                <a:tint val="100000"/>
+                <a:shade val="100000"/>
+                <a:satMod val="130000"/>
+              </a:schemeClr>
+            </a:gs>
+            <a:gs pos="100000">
+              <a:schemeClr val="phClr">
+                <a:tint val="50000"/>
+                <a:shade val="100000"/>
+                <a:satMod val="350000"/>
+              </a:schemeClr>
+            </a:gs>
+          </a:gsLst>
+          <a:lin ang="16200000" scaled="0"/>
+        </a:gradFill>
+      </a:fillStyleLst>
+      <a:lnStyleLst>
+        <a:ln w="9525" cap="flat" cmpd="sng" algn="ctr">
+          <a:solidFill>
+            <a:schemeClr val="phClr">
+              <a:shade val="95000"/>
+              <a:satMod val="105000"/>
+            </a:schemeClr>
+          </a:solidFill>
+          <a:prstDash val="solid"/>
+        </a:ln>
+        <a:ln w="25400" cap="flat" cmpd="sng" algn="ctr">
+          <a:solidFill>
+            <a:schemeClr val="phClr"/>
+          </a:solidFill>
+          <a:prstDash val="solid"/>
+        </a:ln>
+        <a:ln w="38100" cap="flat" cmpd="sng" algn="ctr">
+          <a:solidFill>
+            <a:schemeClr val="phClr"/>
+          </a:solidFill>
+          <a:prstDash val="solid"/>
+        </a:ln>
+      </a:lnStyleLst>
+      <a:effectStyleLst>
+        <a:effectStyle>
+          <a:effectLst>
+            <a:outerShdw blurRad="40000" dist="20000" dir="5400000" rotWithShape="0">
+              <a:srgbClr val="000000">
+                <a:alpha val="38000"/>
+              </a:srgbClr>
+            </a:outerShdw>
+          </a:effectLst>
+        </a:effectStyle>
+        <a:effectStyle>
+          <a:effectLst>
+            <a:outerShdw blurRad="40000" dist="23000" dir="5400000" rotWithShape="0">
+              <a:srgbClr val="000000">
+                <a:alpha val="35000"/>
+              </a:srgbClr>
+            </a:outerShdw>
+          </a:effectLst>
+        </a:effectStyle>
+        <a:effectStyle>
+          <a:effectLst>
+            <a:outerShdw blurRad="40000" dist="23000" dir="5400000" rotWithShape="0">
+              <a:srgbClr val="000000">
+                <a:alpha val="35000"/>
+              </a:srgbClr>
+            </a:outerShdw>
+          </a:effectLst>
+          <a:scene3d>
+            <a:camera prst="orthographicFront">
+              <a:rot lat="0" lon="0" rev="0"/>
+            </a:camera>
+            <a:lightRig rig="threePt" dir="t">
+              <a:rot lat="0" lon="0" rev="1200000"/>
+            </a:lightRig>
+          </a:scene3d>
+          <a:sp3d>
+            <a:bevelT w="63500" h="25400"/>
+          </a:sp3d>
+        </a:effectStyle>
+      </a:effectStyleLst>
+      <a:bgFillStyleLst>
+        <a:solidFill>
+          <a:schemeClr val="phClr"/>
+        </a:solidFill>
+        <a:gradFill rotWithShape="1">
+          <a:gsLst>
+            <a:gs pos="0">
+              <a:schemeClr val="phClr">
+                <a:tint val="40000"/>
+                <a:satMod val="350000"/>
+              </a:schemeClr>
+            </a:gs>
+            <a:gs pos="40000">
+              <a:schemeClr val="phClr">
+                <a:tint val="45000"/>
+                <a:shade val="99000"/>
+                <a:satMod val="350000"/>
+              </a:schemeClr>
+            </a:gs>
+            <a:gs pos="100000">
+              <a:schemeClr val="phClr">
+                <a:shade val="20000"/>
+                <a:satMod val="255000"/>
+              </a:schemeClr>
+            </a:gs>
+          </a:gsLst>
+          <a:path path="circle">
+            <a:fillToRect l="50000" t="-80000" r="50000" b="180000"/>
+          </a:path>
+        </a:gradFill>
+        <a:gradFill rotWithShape="1">
+          <a:gsLst>
+            <a:gs pos="0">
+              <a:schemeClr val="phClr">
+                <a:tint val="80000"/>
+                <a:satMod val="300000"/>
+              </a:schemeClr>
+            </a:gs>
+            <a:gs pos="100000">
+              <a:schemeClr val="phClr">
+                <a:shade val="30000"/>
+                <a:satMod val="200000"/>
+              </a:schemeClr>
+            </a:gs>
+          </a:gsLst>
+          <a:path path="circle">
+            <a:fillToRect l="50000" t="50000" r="50000" b="50000"/>
+          </a:path>
+        </a:gradFill>
+      </a:bgFillStyleLst>
+    </a:fmtScheme>
+  </a:themeElements>
+</a:theme>
+</file>
+
+<file path=ppt/theme/theme2.xml><?xml version="1.0" encoding="utf-8"?>
 <a:theme xmlns:a="http://schemas.openxmlformats.org/drawingml/2006/main" xmlns:r="http://schemas.openxmlformats.org/officeDocument/2006/relationships">
   <a:themeElements>
     <a:clrScheme name="Default">
@@ -9819,283 +10111,4 @@
     </a:fmtScheme>
   </a:themeElements>
 </a:theme>
-</file>
-
-<file path=ppt/theme/theme2.xml><?xml version="1.0" encoding="utf-8"?>
-<a:theme xmlns:a="http://schemas.openxmlformats.org/drawingml/2006/main" xmlns:r="http://schemas.openxmlformats.org/officeDocument/2006/relationships" name="Simple Light">
-  <a:themeElements>
-    <a:clrScheme name="Simple Light">
-      <a:dk1>
-        <a:srgbClr val="000000"/>
-      </a:dk1>
-      <a:lt1>
-        <a:srgbClr val="FFFFFF"/>
-      </a:lt1>
-      <a:dk2>
-        <a:srgbClr val="595959"/>
-      </a:dk2>
-      <a:lt2>
-        <a:srgbClr val="EEEEEE"/>
-      </a:lt2>
-      <a:accent1>
-        <a:srgbClr val="FFAB40"/>
-      </a:accent1>
-      <a:accent2>
-        <a:srgbClr val="212121"/>
-      </a:accent2>
-      <a:accent3>
-        <a:srgbClr val="78909C"/>
-      </a:accent3>
-      <a:accent4>
-        <a:srgbClr val="FFAB40"/>
-      </a:accent4>
-      <a:accent5>
-        <a:srgbClr val="0097A7"/>
-      </a:accent5>
-      <a:accent6>
-        <a:srgbClr val="EEFF41"/>
-      </a:accent6>
-      <a:hlink>
-        <a:srgbClr val="0097A7"/>
-      </a:hlink>
-      <a:folHlink>
-        <a:srgbClr val="0097A7"/>
-      </a:folHlink>
-    </a:clrScheme>
-    <a:fontScheme name="Office">
-      <a:majorFont>
-        <a:latin typeface="Arial"/>
-        <a:ea typeface=""/>
-        <a:cs typeface=""/>
-        <a:font script="Jpan" typeface="ＭＳ Ｐゴシック"/>
-        <a:font script="Hang" typeface="맑은 고딕"/>
-        <a:font script="Hans" typeface="宋体"/>
-        <a:font script="Hant" typeface="新細明體"/>
-        <a:font script="Arab" typeface="Times New Roman"/>
-        <a:font script="Hebr" typeface="Times New Roman"/>
-        <a:font script="Thai" typeface="Angsana New"/>
-        <a:font script="Ethi" typeface="Nyala"/>
-        <a:font script="Beng" typeface="Vrinda"/>
-        <a:font script="Gujr" typeface="Shruti"/>
-        <a:font script="Khmr" typeface="MoolBoran"/>
-        <a:font script="Knda" typeface="Tunga"/>
-        <a:font script="Guru" typeface="Raavi"/>
-        <a:font script="Cans" typeface="Euphemia"/>
-        <a:font script="Cher" typeface="Plantagenet Cherokee"/>
-        <a:font script="Yiii" typeface="Microsoft Yi Baiti"/>
-        <a:font script="Tibt" typeface="Microsoft Himalaya"/>
-        <a:font script="Thaa" typeface="MV Boli"/>
-        <a:font script="Deva" typeface="Mangal"/>
-        <a:font script="Telu" typeface="Gautami"/>
-        <a:font script="Taml" typeface="Latha"/>
-        <a:font script="Syrc" typeface="Estrangelo Edessa"/>
-        <a:font script="Orya" typeface="Kalinga"/>
-        <a:font script="Mlym" typeface="Kartika"/>
-        <a:font script="Laoo" typeface="DokChampa"/>
-        <a:font script="Sinh" typeface="Iskoola Pota"/>
-        <a:font script="Mong" typeface="Mongolian Baiti"/>
-        <a:font script="Viet" typeface="Times New Roman"/>
-        <a:font script="Uigh" typeface="Microsoft Uighur"/>
-        <a:font script="Geor" typeface="Sylfaen"/>
-      </a:majorFont>
-      <a:minorFont>
-        <a:latin typeface="Arial"/>
-        <a:ea typeface=""/>
-        <a:cs typeface=""/>
-        <a:font script="Jpan" typeface="ＭＳ Ｐゴシック"/>
-        <a:font script="Hang" typeface="맑은 고딕"/>
-        <a:font script="Hans" typeface="宋体"/>
-        <a:font script="Hant" typeface="新細明體"/>
-        <a:font script="Arab" typeface="Arial"/>
-        <a:font script="Hebr" typeface="Arial"/>
-        <a:font script="Thai" typeface="Cordia New"/>
-        <a:font script="Ethi" typeface="Nyala"/>
-        <a:font script="Beng" typeface="Vrinda"/>
-        <a:font script="Gujr" typeface="Shruti"/>
-        <a:font script="Khmr" typeface="DaunPenh"/>
-        <a:font script="Knda" typeface="Tunga"/>
-        <a:font script="Guru" typeface="Raavi"/>
-        <a:font script="Cans" typeface="Euphemia"/>
-        <a:font script="Cher" typeface="Plantagenet Cherokee"/>
-        <a:font script="Yiii" typeface="Microsoft Yi Baiti"/>
-        <a:font script="Tibt" typeface="Microsoft Himalaya"/>
-        <a:font script="Thaa" typeface="MV Boli"/>
-        <a:font script="Deva" typeface="Mangal"/>
-        <a:font script="Telu" typeface="Gautami"/>
-        <a:font script="Taml" typeface="Latha"/>
-        <a:font script="Syrc" typeface="Estrangelo Edessa"/>
-        <a:font script="Orya" typeface="Kalinga"/>
-        <a:font script="Mlym" typeface="Kartika"/>
-        <a:font script="Laoo" typeface="DokChampa"/>
-        <a:font script="Sinh" typeface="Iskoola Pota"/>
-        <a:font script="Mong" typeface="Mongolian Baiti"/>
-        <a:font script="Viet" typeface="Arial"/>
-        <a:font script="Uigh" typeface="Microsoft Uighur"/>
-        <a:font script="Geor" typeface="Sylfaen"/>
-      </a:minorFont>
-    </a:fontScheme>
-    <a:fmtScheme name="Office">
-      <a:fillStyleLst>
-        <a:solidFill>
-          <a:schemeClr val="phClr"/>
-        </a:solidFill>
-        <a:gradFill rotWithShape="1">
-          <a:gsLst>
-            <a:gs pos="0">
-              <a:schemeClr val="phClr">
-                <a:tint val="50000"/>
-                <a:satMod val="300000"/>
-              </a:schemeClr>
-            </a:gs>
-            <a:gs pos="35000">
-              <a:schemeClr val="phClr">
-                <a:tint val="37000"/>
-                <a:satMod val="300000"/>
-              </a:schemeClr>
-            </a:gs>
-            <a:gs pos="100000">
-              <a:schemeClr val="phClr">
-                <a:tint val="15000"/>
-                <a:satMod val="350000"/>
-              </a:schemeClr>
-            </a:gs>
-          </a:gsLst>
-          <a:lin ang="16200000" scaled="1"/>
-        </a:gradFill>
-        <a:gradFill rotWithShape="1">
-          <a:gsLst>
-            <a:gs pos="0">
-              <a:schemeClr val="phClr">
-                <a:tint val="100000"/>
-                <a:shade val="100000"/>
-                <a:satMod val="130000"/>
-              </a:schemeClr>
-            </a:gs>
-            <a:gs pos="100000">
-              <a:schemeClr val="phClr">
-                <a:tint val="50000"/>
-                <a:shade val="100000"/>
-                <a:satMod val="350000"/>
-              </a:schemeClr>
-            </a:gs>
-          </a:gsLst>
-          <a:lin ang="16200000" scaled="0"/>
-        </a:gradFill>
-      </a:fillStyleLst>
-      <a:lnStyleLst>
-        <a:ln w="9525" cap="flat" cmpd="sng" algn="ctr">
-          <a:solidFill>
-            <a:schemeClr val="phClr">
-              <a:shade val="95000"/>
-              <a:satMod val="105000"/>
-            </a:schemeClr>
-          </a:solidFill>
-          <a:prstDash val="solid"/>
-        </a:ln>
-        <a:ln w="25400" cap="flat" cmpd="sng" algn="ctr">
-          <a:solidFill>
-            <a:schemeClr val="phClr"/>
-          </a:solidFill>
-          <a:prstDash val="solid"/>
-        </a:ln>
-        <a:ln w="38100" cap="flat" cmpd="sng" algn="ctr">
-          <a:solidFill>
-            <a:schemeClr val="phClr"/>
-          </a:solidFill>
-          <a:prstDash val="solid"/>
-        </a:ln>
-      </a:lnStyleLst>
-      <a:effectStyleLst>
-        <a:effectStyle>
-          <a:effectLst>
-            <a:outerShdw blurRad="40000" dist="20000" dir="5400000" rotWithShape="0">
-              <a:srgbClr val="000000">
-                <a:alpha val="38000"/>
-              </a:srgbClr>
-            </a:outerShdw>
-          </a:effectLst>
-        </a:effectStyle>
-        <a:effectStyle>
-          <a:effectLst>
-            <a:outerShdw blurRad="40000" dist="23000" dir="5400000" rotWithShape="0">
-              <a:srgbClr val="000000">
-                <a:alpha val="35000"/>
-              </a:srgbClr>
-            </a:outerShdw>
-          </a:effectLst>
-        </a:effectStyle>
-        <a:effectStyle>
-          <a:effectLst>
-            <a:outerShdw blurRad="40000" dist="23000" dir="5400000" rotWithShape="0">
-              <a:srgbClr val="000000">
-                <a:alpha val="35000"/>
-              </a:srgbClr>
-            </a:outerShdw>
-          </a:effectLst>
-          <a:scene3d>
-            <a:camera prst="orthographicFront">
-              <a:rot lat="0" lon="0" rev="0"/>
-            </a:camera>
-            <a:lightRig rig="threePt" dir="t">
-              <a:rot lat="0" lon="0" rev="1200000"/>
-            </a:lightRig>
-          </a:scene3d>
-          <a:sp3d>
-            <a:bevelT w="63500" h="25400"/>
-          </a:sp3d>
-        </a:effectStyle>
-      </a:effectStyleLst>
-      <a:bgFillStyleLst>
-        <a:solidFill>
-          <a:schemeClr val="phClr"/>
-        </a:solidFill>
-        <a:gradFill rotWithShape="1">
-          <a:gsLst>
-            <a:gs pos="0">
-              <a:schemeClr val="phClr">
-                <a:tint val="40000"/>
-                <a:satMod val="350000"/>
-              </a:schemeClr>
-            </a:gs>
-            <a:gs pos="40000">
-              <a:schemeClr val="phClr">
-                <a:tint val="45000"/>
-                <a:shade val="99000"/>
-                <a:satMod val="350000"/>
-              </a:schemeClr>
-            </a:gs>
-            <a:gs pos="100000">
-              <a:schemeClr val="phClr">
-                <a:shade val="20000"/>
-                <a:satMod val="255000"/>
-              </a:schemeClr>
-            </a:gs>
-          </a:gsLst>
-          <a:path path="circle">
-            <a:fillToRect l="50000" t="-80000" r="50000" b="180000"/>
-          </a:path>
-        </a:gradFill>
-        <a:gradFill rotWithShape="1">
-          <a:gsLst>
-            <a:gs pos="0">
-              <a:schemeClr val="phClr">
-                <a:tint val="80000"/>
-                <a:satMod val="300000"/>
-              </a:schemeClr>
-            </a:gs>
-            <a:gs pos="100000">
-              <a:schemeClr val="phClr">
-                <a:shade val="30000"/>
-                <a:satMod val="200000"/>
-              </a:schemeClr>
-            </a:gs>
-          </a:gsLst>
-          <a:path path="circle">
-            <a:fillToRect l="50000" t="50000" r="50000" b="50000"/>
-          </a:path>
-        </a:gradFill>
-      </a:bgFillStyleLst>
-    </a:fmtScheme>
-  </a:themeElements>
-</a:theme>
 </file>